--- a/Plan/schema.pptx
+++ b/Plan/schema.pptx
@@ -5,7 +5,12 @@
     <p:sldMasterId id="2147483648" r:id="rId1"/>
   </p:sldMasterIdLst>
   <p:sldIdLst>
-    <p:sldId id="256" r:id="rId2"/>
+    <p:sldId id="260" r:id="rId2"/>
+    <p:sldId id="258" r:id="rId3"/>
+    <p:sldId id="261" r:id="rId4"/>
+    <p:sldId id="256" r:id="rId5"/>
+    <p:sldId id="257" r:id="rId6"/>
+    <p:sldId id="262" r:id="rId7"/>
   </p:sldIdLst>
   <p:sldSz cx="12192000" cy="6858000"/>
   <p:notesSz cx="6858000" cy="9144000"/>
@@ -3328,6 +3333,551 @@
       </p:grpSpPr>
       <p:sp>
         <p:nvSpPr>
+          <p:cNvPr id="4" name="Title 3">
+            <a:extLst>
+              <a:ext uri="{FF2B5EF4-FFF2-40B4-BE49-F238E27FC236}">
+                <a16:creationId xmlns:a16="http://schemas.microsoft.com/office/drawing/2014/main" id="{1F2D5C88-58DE-3C4F-951B-534CD55BC131}"/>
+              </a:ext>
+            </a:extLst>
+          </p:cNvPr>
+          <p:cNvSpPr>
+            <a:spLocks noGrp="1"/>
+          </p:cNvSpPr>
+          <p:nvPr>
+            <p:ph type="ctrTitle"/>
+          </p:nvPr>
+        </p:nvSpPr>
+        <p:spPr/>
+        <p:txBody>
+          <a:bodyPr>
+            <a:normAutofit fontScale="90000"/>
+          </a:bodyPr>
+          <a:lstStyle/>
+          <a:p>
+            <a:r>
+              <a:rPr lang="en-US"/>
+              <a:t>Cutlery: Comprehensive Analysis Pipeline for CUT&amp;RUN Data</a:t>
+            </a:r>
+            <a:endParaRPr lang="en-US" dirty="0"/>
+          </a:p>
+        </p:txBody>
+      </p:sp>
+      <p:sp>
+        <p:nvSpPr>
+          <p:cNvPr id="5" name="Subtitle 4">
+            <a:extLst>
+              <a:ext uri="{FF2B5EF4-FFF2-40B4-BE49-F238E27FC236}">
+                <a16:creationId xmlns:a16="http://schemas.microsoft.com/office/drawing/2014/main" id="{99DAA23B-D8D5-0548-BB93-CFE0892C9436}"/>
+              </a:ext>
+            </a:extLst>
+          </p:cNvPr>
+          <p:cNvSpPr>
+            <a:spLocks noGrp="1"/>
+          </p:cNvSpPr>
+          <p:nvPr>
+            <p:ph type="subTitle" idx="1"/>
+          </p:nvPr>
+        </p:nvSpPr>
+        <p:spPr/>
+        <p:txBody>
+          <a:bodyPr/>
+          <a:lstStyle/>
+          <a:p>
+            <a:r>
+              <a:rPr lang="en-US"/>
+              <a:t>2020/07/31</a:t>
+            </a:r>
+          </a:p>
+          <a:p>
+            <a:endParaRPr lang="en-US"/>
+          </a:p>
+          <a:p>
+            <a:r>
+              <a:rPr lang="en-US"/>
+              <a:t>Hee-Woong Lim</a:t>
+            </a:r>
+            <a:endParaRPr lang="en-US" dirty="0"/>
+          </a:p>
+        </p:txBody>
+      </p:sp>
+      <p:pic>
+        <p:nvPicPr>
+          <p:cNvPr id="6" name="Graphic 5" descr="Fork and knife">
+            <a:extLst>
+              <a:ext uri="{FF2B5EF4-FFF2-40B4-BE49-F238E27FC236}">
+                <a16:creationId xmlns:a16="http://schemas.microsoft.com/office/drawing/2014/main" id="{78FB66EF-3786-9A49-8201-079E7EEDF288}"/>
+              </a:ext>
+            </a:extLst>
+          </p:cNvPr>
+          <p:cNvPicPr>
+            <a:picLocks noChangeAspect="1"/>
+          </p:cNvPicPr>
+          <p:nvPr/>
+        </p:nvPicPr>
+        <p:blipFill>
+          <a:blip r:embed="rId2">
+            <a:extLst>
+              <a:ext uri="{96DAC541-7B7A-43D3-8B79-37D633B846F1}">
+                <asvg:svgBlip xmlns:asvg="http://schemas.microsoft.com/office/drawing/2016/SVG/main" r:embed="rId3"/>
+              </a:ext>
+            </a:extLst>
+          </a:blip>
+          <a:stretch>
+            <a:fillRect/>
+          </a:stretch>
+        </p:blipFill>
+        <p:spPr>
+          <a:xfrm>
+            <a:off x="609600" y="1858963"/>
+            <a:ext cx="914400" cy="914400"/>
+          </a:xfrm>
+          <a:prstGeom prst="rect">
+            <a:avLst/>
+          </a:prstGeom>
+        </p:spPr>
+      </p:pic>
+    </p:spTree>
+    <p:extLst>
+      <p:ext uri="{BB962C8B-B14F-4D97-AF65-F5344CB8AC3E}">
+        <p14:creationId xmlns:p14="http://schemas.microsoft.com/office/powerpoint/2010/main" val="424451301"/>
+      </p:ext>
+    </p:extLst>
+  </p:cSld>
+  <p:clrMapOvr>
+    <a:masterClrMapping/>
+  </p:clrMapOvr>
+</p:sld>
+</file>
+
+<file path=ppt/slides/slide2.xml><?xml version="1.0" encoding="utf-8"?>
+<p:sld xmlns:a="http://schemas.openxmlformats.org/drawingml/2006/main" xmlns:r="http://schemas.openxmlformats.org/officeDocument/2006/relationships" xmlns:p="http://schemas.openxmlformats.org/presentationml/2006/main">
+  <p:cSld>
+    <p:spTree>
+      <p:nvGrpSpPr>
+        <p:cNvPr id="1" name=""/>
+        <p:cNvGrpSpPr/>
+        <p:nvPr/>
+      </p:nvGrpSpPr>
+      <p:grpSpPr>
+        <a:xfrm>
+          <a:off x="0" y="0"/>
+          <a:ext cx="0" cy="0"/>
+          <a:chOff x="0" y="0"/>
+          <a:chExt cx="0" cy="0"/>
+        </a:xfrm>
+      </p:grpSpPr>
+      <p:sp>
+        <p:nvSpPr>
+          <p:cNvPr id="2" name="Title 1">
+            <a:extLst>
+              <a:ext uri="{FF2B5EF4-FFF2-40B4-BE49-F238E27FC236}">
+                <a16:creationId xmlns:a16="http://schemas.microsoft.com/office/drawing/2014/main" id="{2198D206-B2E3-7346-B0CD-C7F1F59C55BF}"/>
+              </a:ext>
+            </a:extLst>
+          </p:cNvPr>
+          <p:cNvSpPr>
+            <a:spLocks noGrp="1"/>
+          </p:cNvSpPr>
+          <p:nvPr>
+            <p:ph type="title"/>
+          </p:nvPr>
+        </p:nvSpPr>
+        <p:spPr/>
+        <p:txBody>
+          <a:bodyPr/>
+          <a:lstStyle/>
+          <a:p>
+            <a:r>
+              <a:rPr lang="en-US" dirty="0"/>
+              <a:t>Goal:</a:t>
+            </a:r>
+          </a:p>
+        </p:txBody>
+      </p:sp>
+      <p:sp>
+        <p:nvSpPr>
+          <p:cNvPr id="3" name="Content Placeholder 2">
+            <a:extLst>
+              <a:ext uri="{FF2B5EF4-FFF2-40B4-BE49-F238E27FC236}">
+                <a16:creationId xmlns:a16="http://schemas.microsoft.com/office/drawing/2014/main" id="{AE14ADB5-EB56-9F40-9153-4333E5F77BB3}"/>
+              </a:ext>
+            </a:extLst>
+          </p:cNvPr>
+          <p:cNvSpPr>
+            <a:spLocks noGrp="1"/>
+          </p:cNvSpPr>
+          <p:nvPr>
+            <p:ph idx="1"/>
+          </p:nvPr>
+        </p:nvSpPr>
+        <p:spPr/>
+        <p:txBody>
+          <a:bodyPr>
+            <a:normAutofit fontScale="70000" lnSpcReduction="20000"/>
+          </a:bodyPr>
+          <a:lstStyle/>
+          <a:p>
+            <a:r>
+              <a:rPr lang="en-US" b="1" dirty="0"/>
+              <a:t>Development of comprehensive analytic pipeline</a:t>
+            </a:r>
+          </a:p>
+          <a:p>
+            <a:r>
+              <a:rPr lang="en-US" dirty="0"/>
+              <a:t>Level 1: analogous to ChIP-seq data analysis</a:t>
+            </a:r>
+          </a:p>
+          <a:p>
+            <a:pPr lvl="1"/>
+            <a:r>
+              <a:rPr lang="en-US" dirty="0"/>
+              <a:t>Peak calling</a:t>
+            </a:r>
+          </a:p>
+          <a:p>
+            <a:pPr lvl="1"/>
+            <a:r>
+              <a:rPr lang="en-US" dirty="0"/>
+              <a:t>Motif search &amp; TF prediction</a:t>
+            </a:r>
+          </a:p>
+          <a:p>
+            <a:pPr lvl="1"/>
+            <a:r>
+              <a:rPr lang="en-US" dirty="0"/>
+              <a:t>Visualization</a:t>
+            </a:r>
+          </a:p>
+          <a:p>
+            <a:r>
+              <a:rPr lang="en-US" dirty="0"/>
+              <a:t>Level 2: high-resolution chromatin landscape, i.e. footprint</a:t>
+            </a:r>
+          </a:p>
+          <a:p>
+            <a:pPr lvl="1"/>
+            <a:r>
+              <a:rPr lang="en-US" dirty="0"/>
+              <a:t>Primary TF binding</a:t>
+            </a:r>
+          </a:p>
+          <a:p>
+            <a:pPr lvl="1"/>
+            <a:r>
+              <a:rPr lang="en-US" dirty="0"/>
+              <a:t>Secondary TF binding</a:t>
+            </a:r>
+          </a:p>
+          <a:p>
+            <a:pPr lvl="1"/>
+            <a:r>
+              <a:rPr lang="en-US" dirty="0"/>
+              <a:t>Co-binding</a:t>
+            </a:r>
+          </a:p>
+          <a:p>
+            <a:pPr lvl="1"/>
+            <a:r>
+              <a:rPr lang="en-US" dirty="0"/>
+              <a:t>Bias correction</a:t>
+            </a:r>
+          </a:p>
+          <a:p>
+            <a:endParaRPr lang="en-US" dirty="0"/>
+          </a:p>
+          <a:p>
+            <a:r>
+              <a:rPr lang="en-US" dirty="0"/>
+              <a:t>What about histone CUT&amp;RUN?</a:t>
+            </a:r>
+          </a:p>
+          <a:p>
+            <a:endParaRPr lang="en-US" dirty="0"/>
+          </a:p>
+          <a:p>
+            <a:r>
+              <a:rPr lang="en-US" dirty="0"/>
+              <a:t>+ Packaging &amp; publication</a:t>
+            </a:r>
+          </a:p>
+        </p:txBody>
+      </p:sp>
+      <p:pic>
+        <p:nvPicPr>
+          <p:cNvPr id="6" name="Graphic 5" descr="Fork and knife">
+            <a:extLst>
+              <a:ext uri="{FF2B5EF4-FFF2-40B4-BE49-F238E27FC236}">
+                <a16:creationId xmlns:a16="http://schemas.microsoft.com/office/drawing/2014/main" id="{675562BA-B24F-CF42-BDC9-65DB790106C5}"/>
+              </a:ext>
+            </a:extLst>
+          </p:cNvPr>
+          <p:cNvPicPr>
+            <a:picLocks noChangeAspect="1"/>
+          </p:cNvPicPr>
+          <p:nvPr/>
+        </p:nvPicPr>
+        <p:blipFill>
+          <a:blip r:embed="rId2">
+            <a:extLst>
+              <a:ext uri="{96DAC541-7B7A-43D3-8B79-37D633B846F1}">
+                <asvg:svgBlip xmlns:asvg="http://schemas.microsoft.com/office/drawing/2016/SVG/main" r:embed="rId3"/>
+              </a:ext>
+            </a:extLst>
+          </a:blip>
+          <a:stretch>
+            <a:fillRect/>
+          </a:stretch>
+        </p:blipFill>
+        <p:spPr>
+          <a:xfrm>
+            <a:off x="2279737" y="570706"/>
+            <a:ext cx="914400" cy="914400"/>
+          </a:xfrm>
+          <a:prstGeom prst="rect">
+            <a:avLst/>
+          </a:prstGeom>
+        </p:spPr>
+      </p:pic>
+    </p:spTree>
+    <p:extLst>
+      <p:ext uri="{BB962C8B-B14F-4D97-AF65-F5344CB8AC3E}">
+        <p14:creationId xmlns:p14="http://schemas.microsoft.com/office/powerpoint/2010/main" val="1890464368"/>
+      </p:ext>
+    </p:extLst>
+  </p:cSld>
+  <p:clrMapOvr>
+    <a:masterClrMapping/>
+  </p:clrMapOvr>
+</p:sld>
+</file>
+
+<file path=ppt/slides/slide3.xml><?xml version="1.0" encoding="utf-8"?>
+<p:sld xmlns:a="http://schemas.openxmlformats.org/drawingml/2006/main" xmlns:r="http://schemas.openxmlformats.org/officeDocument/2006/relationships" xmlns:p="http://schemas.openxmlformats.org/presentationml/2006/main">
+  <p:cSld>
+    <p:spTree>
+      <p:nvGrpSpPr>
+        <p:cNvPr id="1" name=""/>
+        <p:cNvGrpSpPr/>
+        <p:nvPr/>
+      </p:nvGrpSpPr>
+      <p:grpSpPr>
+        <a:xfrm>
+          <a:off x="0" y="0"/>
+          <a:ext cx="0" cy="0"/>
+          <a:chOff x="0" y="0"/>
+          <a:chExt cx="0" cy="0"/>
+        </a:xfrm>
+      </p:grpSpPr>
+      <p:sp>
+        <p:nvSpPr>
+          <p:cNvPr id="4" name="Title 3">
+            <a:extLst>
+              <a:ext uri="{FF2B5EF4-FFF2-40B4-BE49-F238E27FC236}">
+                <a16:creationId xmlns:a16="http://schemas.microsoft.com/office/drawing/2014/main" id="{9DCDEA10-9E18-5B48-A140-B6D4FD18513A}"/>
+              </a:ext>
+            </a:extLst>
+          </p:cNvPr>
+          <p:cNvSpPr>
+            <a:spLocks noGrp="1"/>
+          </p:cNvSpPr>
+          <p:nvPr>
+            <p:ph type="title"/>
+          </p:nvPr>
+        </p:nvSpPr>
+        <p:spPr/>
+        <p:txBody>
+          <a:bodyPr/>
+          <a:lstStyle/>
+          <a:p>
+            <a:r>
+              <a:rPr lang="en-US" dirty="0"/>
+              <a:t>Technical Challenges Ahead</a:t>
+            </a:r>
+          </a:p>
+        </p:txBody>
+      </p:sp>
+      <p:sp>
+        <p:nvSpPr>
+          <p:cNvPr id="5" name="Content Placeholder 4">
+            <a:extLst>
+              <a:ext uri="{FF2B5EF4-FFF2-40B4-BE49-F238E27FC236}">
+                <a16:creationId xmlns:a16="http://schemas.microsoft.com/office/drawing/2014/main" id="{DF3A55FF-7DF1-5D41-B7B6-081287DE0230}"/>
+              </a:ext>
+            </a:extLst>
+          </p:cNvPr>
+          <p:cNvSpPr>
+            <a:spLocks noGrp="1"/>
+          </p:cNvSpPr>
+          <p:nvPr>
+            <p:ph idx="1"/>
+          </p:nvPr>
+        </p:nvSpPr>
+        <p:spPr/>
+        <p:txBody>
+          <a:bodyPr>
+            <a:normAutofit fontScale="62500" lnSpcReduction="20000"/>
+          </a:bodyPr>
+          <a:lstStyle/>
+          <a:p>
+            <a:r>
+              <a:rPr lang="en-US" dirty="0"/>
+              <a:t>Peak centering</a:t>
+            </a:r>
+          </a:p>
+          <a:p>
+            <a:pPr lvl="1"/>
+            <a:r>
+              <a:rPr lang="en-US" dirty="0"/>
+              <a:t>Currently, peak is centered at the signal summit</a:t>
+            </a:r>
+          </a:p>
+          <a:p>
+            <a:pPr lvl="1"/>
+            <a:r>
+              <a:rPr lang="en-US" dirty="0"/>
+              <a:t>Slight offset from the primary motif is observed unlike ChIP-seq peak</a:t>
+            </a:r>
+          </a:p>
+          <a:p>
+            <a:pPr lvl="1"/>
+            <a:r>
+              <a:rPr lang="en-US" dirty="0" err="1"/>
+              <a:t>EChO</a:t>
+            </a:r>
+            <a:r>
+              <a:rPr lang="en-US" dirty="0"/>
+              <a:t> method?</a:t>
+            </a:r>
+          </a:p>
+          <a:p>
+            <a:r>
+              <a:rPr lang="en-US" dirty="0"/>
+              <a:t>Statistical model for robust footprint analysis</a:t>
+            </a:r>
+          </a:p>
+          <a:p>
+            <a:pPr lvl="1"/>
+            <a:r>
+              <a:rPr lang="en-US" dirty="0"/>
+              <a:t>Joint model incorporating motif &amp; footprint</a:t>
+            </a:r>
+          </a:p>
+          <a:p>
+            <a:pPr lvl="1"/>
+            <a:r>
+              <a:rPr lang="en-US" dirty="0"/>
+              <a:t>Benchmarking of analogous methods such as DNase footprint data</a:t>
+            </a:r>
+          </a:p>
+          <a:p>
+            <a:r>
+              <a:rPr lang="en-US" dirty="0"/>
+              <a:t>Performance evaluation platform</a:t>
+            </a:r>
+          </a:p>
+          <a:p>
+            <a:pPr lvl="1"/>
+            <a:r>
+              <a:rPr lang="en-US" dirty="0"/>
+              <a:t>A few methods developed for CUT&amp;RUN footprint (e.g. </a:t>
+            </a:r>
+            <a:r>
+              <a:rPr lang="en-US" dirty="0" err="1"/>
+              <a:t>CUT&amp;RUNtools</a:t>
+            </a:r>
+            <a:r>
+              <a:rPr lang="en-US" dirty="0"/>
+              <a:t>)</a:t>
+            </a:r>
+          </a:p>
+          <a:p>
+            <a:pPr lvl="1"/>
+            <a:r>
+              <a:rPr lang="en-US" dirty="0"/>
+              <a:t>Comprehensive benchmarking is yet to be done</a:t>
+            </a:r>
+          </a:p>
+          <a:p>
+            <a:pPr lvl="1"/>
+            <a:r>
+              <a:rPr lang="en-US" dirty="0"/>
+              <a:t>How to evaluate the footprint performance</a:t>
+            </a:r>
+          </a:p>
+          <a:p>
+            <a:r>
+              <a:rPr lang="en-US" dirty="0"/>
+              <a:t>Packaging and publication</a:t>
+            </a:r>
+          </a:p>
+          <a:p>
+            <a:pPr lvl="1"/>
+            <a:r>
+              <a:rPr lang="en-US" dirty="0" err="1"/>
+              <a:t>Conda</a:t>
+            </a:r>
+            <a:r>
+              <a:rPr lang="en-US" dirty="0"/>
+              <a:t>? Docker? Or porting to different unified programming language?</a:t>
+            </a:r>
+          </a:p>
+          <a:p>
+            <a:pPr lvl="1"/>
+            <a:endParaRPr lang="en-US" dirty="0"/>
+          </a:p>
+          <a:p>
+            <a:r>
+              <a:rPr lang="en-US" dirty="0"/>
+              <a:t>Any further information we can learn from CUT&amp;RUN?</a:t>
+            </a:r>
+          </a:p>
+          <a:p>
+            <a:pPr lvl="1"/>
+            <a:r>
+              <a:rPr lang="en-US" dirty="0"/>
+              <a:t>Other than histone modification from histone CUT&amp;</a:t>
+            </a:r>
+            <a:r>
+              <a:rPr lang="en-US"/>
+              <a:t>RUN?</a:t>
+            </a:r>
+            <a:endParaRPr lang="en-US" dirty="0"/>
+          </a:p>
+        </p:txBody>
+      </p:sp>
+    </p:spTree>
+    <p:extLst>
+      <p:ext uri="{BB962C8B-B14F-4D97-AF65-F5344CB8AC3E}">
+        <p14:creationId xmlns:p14="http://schemas.microsoft.com/office/powerpoint/2010/main" val="3272547769"/>
+      </p:ext>
+    </p:extLst>
+  </p:cSld>
+  <p:clrMapOvr>
+    <a:masterClrMapping/>
+  </p:clrMapOvr>
+</p:sld>
+</file>
+
+<file path=ppt/slides/slide4.xml><?xml version="1.0" encoding="utf-8"?>
+<p:sld xmlns:a="http://schemas.openxmlformats.org/drawingml/2006/main" xmlns:r="http://schemas.openxmlformats.org/officeDocument/2006/relationships" xmlns:p="http://schemas.openxmlformats.org/presentationml/2006/main">
+  <p:cSld>
+    <p:spTree>
+      <p:nvGrpSpPr>
+        <p:cNvPr id="1" name=""/>
+        <p:cNvGrpSpPr/>
+        <p:nvPr/>
+      </p:nvGrpSpPr>
+      <p:grpSpPr>
+        <a:xfrm>
+          <a:off x="0" y="0"/>
+          <a:ext cx="0" cy="0"/>
+          <a:chOff x="0" y="0"/>
+          <a:chExt cx="0" cy="0"/>
+        </a:xfrm>
+      </p:grpSpPr>
+      <p:sp>
+        <p:nvSpPr>
           <p:cNvPr id="13" name="Down Arrow 12">
             <a:extLst>
               <a:ext uri="{FF2B5EF4-FFF2-40B4-BE49-F238E27FC236}">
@@ -3340,8 +3890,8 @@
         </p:nvSpPr>
         <p:spPr>
           <a:xfrm>
-            <a:off x="1155033" y="1828799"/>
-            <a:ext cx="642257" cy="2830286"/>
+            <a:off x="1865319" y="1427305"/>
+            <a:ext cx="642257" cy="2940239"/>
           </a:xfrm>
           <a:prstGeom prst="downArrow">
             <a:avLst/>
@@ -3394,15 +3944,12 @@
         </p:nvSpPr>
         <p:spPr>
           <a:xfrm>
-            <a:off x="643404" y="1654628"/>
-            <a:ext cx="1763486" cy="348343"/>
+            <a:off x="1353690" y="1253134"/>
+            <a:ext cx="1763486" cy="429925"/>
           </a:xfrm>
           <a:prstGeom prst="roundRect">
             <a:avLst/>
           </a:prstGeom>
-          <a:solidFill>
-            <a:srgbClr val="C00000"/>
-          </a:solidFill>
         </p:spPr>
         <p:style>
           <a:lnRef idx="2">
@@ -3447,8 +3994,8 @@
         </p:nvSpPr>
         <p:spPr>
           <a:xfrm>
-            <a:off x="643404" y="2188028"/>
-            <a:ext cx="1763486" cy="348343"/>
+            <a:off x="1353690" y="1876016"/>
+            <a:ext cx="1763486" cy="429925"/>
           </a:xfrm>
           <a:prstGeom prst="rect">
             <a:avLst/>
@@ -3496,8 +4043,8 @@
         </p:nvSpPr>
         <p:spPr>
           <a:xfrm>
-            <a:off x="643404" y="2721428"/>
-            <a:ext cx="1763486" cy="348343"/>
+            <a:off x="1353690" y="2498898"/>
+            <a:ext cx="1763486" cy="429925"/>
           </a:xfrm>
           <a:prstGeom prst="rect">
             <a:avLst/>
@@ -3545,8 +4092,8 @@
         </p:nvSpPr>
         <p:spPr>
           <a:xfrm>
-            <a:off x="643404" y="3254828"/>
-            <a:ext cx="1763486" cy="348343"/>
+            <a:off x="1353690" y="3121780"/>
+            <a:ext cx="1763486" cy="429925"/>
           </a:xfrm>
           <a:prstGeom prst="rect">
             <a:avLst/>
@@ -3594,8 +4141,8 @@
         </p:nvSpPr>
         <p:spPr>
           <a:xfrm>
-            <a:off x="643404" y="3788228"/>
-            <a:ext cx="1763486" cy="348343"/>
+            <a:off x="1353690" y="3744662"/>
+            <a:ext cx="1763486" cy="429925"/>
           </a:xfrm>
           <a:prstGeom prst="rect">
             <a:avLst/>
@@ -3630,17 +4177,21 @@
             <a:pPr algn="ctr"/>
             <a:r>
               <a:rPr lang="en-US" sz="1600" dirty="0"/>
-              <a:t>Deduplication</a:t>
-            </a:r>
-          </a:p>
-        </p:txBody>
-      </p:sp>
-      <p:sp>
-        <p:nvSpPr>
-          <p:cNvPr id="14" name="TextBox 13">
-            <a:extLst>
-              <a:ext uri="{FF2B5EF4-FFF2-40B4-BE49-F238E27FC236}">
-                <a16:creationId xmlns:a16="http://schemas.microsoft.com/office/drawing/2014/main" id="{003E1E7F-E28A-B448-BCB9-0E5DF62CEF79}"/>
+              <a:t>Deduplication </a:t>
+            </a:r>
+            <a:r>
+              <a:rPr lang="en-US" sz="1400" dirty="0"/>
+              <a:t>(optional)</a:t>
+            </a:r>
+          </a:p>
+        </p:txBody>
+      </p:sp>
+      <p:sp>
+        <p:nvSpPr>
+          <p:cNvPr id="15" name="TextBox 14">
+            <a:extLst>
+              <a:ext uri="{FF2B5EF4-FFF2-40B4-BE49-F238E27FC236}">
+                <a16:creationId xmlns:a16="http://schemas.microsoft.com/office/drawing/2014/main" id="{53BB6745-9937-664C-8D49-4D327DFB336E}"/>
               </a:ext>
             </a:extLst>
           </p:cNvPr>
@@ -3649,8 +4200,8 @@
         </p:nvSpPr>
         <p:spPr>
           <a:xfrm>
-            <a:off x="2466760" y="3798017"/>
-            <a:ext cx="903517" cy="338554"/>
+            <a:off x="318454" y="221196"/>
+            <a:ext cx="2849819" cy="400110"/>
           </a:xfrm>
           <a:prstGeom prst="rect">
             <a:avLst/>
@@ -3664,43 +4215,8 @@
           <a:lstStyle/>
           <a:p>
             <a:r>
-              <a:rPr lang="en-US" sz="1600" dirty="0"/>
-              <a:t>Optional</a:t>
-            </a:r>
-          </a:p>
-        </p:txBody>
-      </p:sp>
-      <p:sp>
-        <p:nvSpPr>
-          <p:cNvPr id="15" name="TextBox 14">
-            <a:extLst>
-              <a:ext uri="{FF2B5EF4-FFF2-40B4-BE49-F238E27FC236}">
-                <a16:creationId xmlns:a16="http://schemas.microsoft.com/office/drawing/2014/main" id="{53BB6745-9937-664C-8D49-4D327DFB336E}"/>
-              </a:ext>
-            </a:extLst>
-          </p:cNvPr>
-          <p:cNvSpPr txBox="1"/>
-          <p:nvPr/>
-        </p:nvSpPr>
-        <p:spPr>
-          <a:xfrm>
-            <a:off x="429054" y="1223546"/>
-            <a:ext cx="2489464" cy="338554"/>
-          </a:xfrm>
-          <a:prstGeom prst="rect">
-            <a:avLst/>
-          </a:prstGeom>
-          <a:noFill/>
-        </p:spPr>
-        <p:txBody>
-          <a:bodyPr wrap="none" rtlCol="0">
-            <a:spAutoFit/>
-          </a:bodyPr>
-          <a:lstStyle/>
-          <a:p>
-            <a:r>
-              <a:rPr lang="en-US" sz="1600" b="1" dirty="0"/>
-              <a:t>Alignment &amp; Preprocessing</a:t>
+              <a:rPr lang="en-US" sz="2000" b="1" dirty="0"/>
+              <a:t>Current status of Cutlery</a:t>
             </a:r>
           </a:p>
         </p:txBody>
@@ -3719,15 +4235,12 @@
         </p:nvSpPr>
         <p:spPr>
           <a:xfrm>
-            <a:off x="594418" y="4769038"/>
-            <a:ext cx="1763486" cy="348343"/>
+            <a:off x="1353690" y="4390876"/>
+            <a:ext cx="1763486" cy="429925"/>
           </a:xfrm>
           <a:prstGeom prst="roundRect">
             <a:avLst/>
           </a:prstGeom>
-          <a:solidFill>
-            <a:srgbClr val="C00000"/>
-          </a:solidFill>
         </p:spPr>
         <p:style>
           <a:lnRef idx="2">
@@ -3757,12 +4270,1344 @@
           </a:p>
         </p:txBody>
       </p:sp>
+      <p:sp>
+        <p:nvSpPr>
+          <p:cNvPr id="12" name="Rounded Rectangle 11">
+            <a:extLst>
+              <a:ext uri="{FF2B5EF4-FFF2-40B4-BE49-F238E27FC236}">
+                <a16:creationId xmlns:a16="http://schemas.microsoft.com/office/drawing/2014/main" id="{C636F5E8-01EE-DA4F-8B2C-6DE5FD254760}"/>
+              </a:ext>
+            </a:extLst>
+          </p:cNvPr>
+          <p:cNvSpPr/>
+          <p:nvPr/>
+        </p:nvSpPr>
+        <p:spPr>
+          <a:xfrm>
+            <a:off x="3677791" y="2404865"/>
+            <a:ext cx="1969325" cy="365259"/>
+          </a:xfrm>
+          <a:prstGeom prst="roundRect">
+            <a:avLst/>
+          </a:prstGeom>
+          <a:ln w="12700"/>
+        </p:spPr>
+        <p:style>
+          <a:lnRef idx="2">
+            <a:schemeClr val="dk1"/>
+          </a:lnRef>
+          <a:fillRef idx="1">
+            <a:schemeClr val="lt1"/>
+          </a:fillRef>
+          <a:effectRef idx="0">
+            <a:schemeClr val="dk1"/>
+          </a:effectRef>
+          <a:fontRef idx="minor">
+            <a:schemeClr val="dk1"/>
+          </a:fontRef>
+        </p:style>
+        <p:txBody>
+          <a:bodyPr rtlCol="0" anchor="ctr"/>
+          <a:lstStyle/>
+          <a:p>
+            <a:pPr algn="ctr"/>
+            <a:r>
+              <a:rPr lang="en-US" sz="1200" dirty="0"/>
+              <a:t>Fragment groups</a:t>
+            </a:r>
+          </a:p>
+          <a:p>
+            <a:pPr algn="ctr"/>
+            <a:r>
+              <a:rPr lang="en-US" sz="1200" dirty="0"/>
+              <a:t>NFR/NUC/all</a:t>
+            </a:r>
+          </a:p>
+        </p:txBody>
+      </p:sp>
+      <p:sp>
+        <p:nvSpPr>
+          <p:cNvPr id="33" name="Rounded Rectangle 32">
+            <a:extLst>
+              <a:ext uri="{FF2B5EF4-FFF2-40B4-BE49-F238E27FC236}">
+                <a16:creationId xmlns:a16="http://schemas.microsoft.com/office/drawing/2014/main" id="{A74FD820-3E35-A348-AD45-2B74B4368DF9}"/>
+              </a:ext>
+            </a:extLst>
+          </p:cNvPr>
+          <p:cNvSpPr/>
+          <p:nvPr/>
+        </p:nvSpPr>
+        <p:spPr>
+          <a:xfrm>
+            <a:off x="3677791" y="1863007"/>
+            <a:ext cx="1969325" cy="365259"/>
+          </a:xfrm>
+          <a:prstGeom prst="roundRect">
+            <a:avLst/>
+          </a:prstGeom>
+          <a:ln w="12700"/>
+        </p:spPr>
+        <p:style>
+          <a:lnRef idx="2">
+            <a:schemeClr val="dk1"/>
+          </a:lnRef>
+          <a:fillRef idx="1">
+            <a:schemeClr val="lt1"/>
+          </a:fillRef>
+          <a:effectRef idx="0">
+            <a:schemeClr val="dk1"/>
+          </a:effectRef>
+          <a:fontRef idx="minor">
+            <a:schemeClr val="dk1"/>
+          </a:fontRef>
+        </p:style>
+        <p:txBody>
+          <a:bodyPr rtlCol="0" anchor="ctr"/>
+          <a:lstStyle/>
+          <a:p>
+            <a:pPr algn="ctr"/>
+            <a:r>
+              <a:rPr lang="en-US" sz="1200" dirty="0"/>
+              <a:t>*Nucleotide base frequency</a:t>
+            </a:r>
+          </a:p>
+          <a:p>
+            <a:pPr algn="ctr"/>
+            <a:r>
+              <a:rPr lang="en-US" sz="1200" dirty="0"/>
+              <a:t>at 5’-ends of reads</a:t>
+            </a:r>
+          </a:p>
+        </p:txBody>
+      </p:sp>
+      <p:cxnSp>
+        <p:nvCxnSpPr>
+          <p:cNvPr id="35" name="Elbow Connector 34">
+            <a:extLst>
+              <a:ext uri="{FF2B5EF4-FFF2-40B4-BE49-F238E27FC236}">
+                <a16:creationId xmlns:a16="http://schemas.microsoft.com/office/drawing/2014/main" id="{90B62CFA-C649-834A-9B96-C3BE2178FF0C}"/>
+              </a:ext>
+            </a:extLst>
+          </p:cNvPr>
+          <p:cNvCxnSpPr>
+            <a:cxnSpLocks/>
+            <a:stCxn id="16" idx="3"/>
+            <a:endCxn id="33" idx="1"/>
+          </p:cNvCxnSpPr>
+          <p:nvPr/>
+        </p:nvCxnSpPr>
+        <p:spPr>
+          <a:xfrm flipV="1">
+            <a:off x="3117176" y="2045637"/>
+            <a:ext cx="560615" cy="2560202"/>
+          </a:xfrm>
+          <a:prstGeom prst="bentConnector3">
+            <a:avLst/>
+          </a:prstGeom>
+          <a:ln>
+            <a:tailEnd type="triangle"/>
+          </a:ln>
+        </p:spPr>
+        <p:style>
+          <a:lnRef idx="1">
+            <a:schemeClr val="accent1"/>
+          </a:lnRef>
+          <a:fillRef idx="0">
+            <a:schemeClr val="accent1"/>
+          </a:fillRef>
+          <a:effectRef idx="0">
+            <a:schemeClr val="accent1"/>
+          </a:effectRef>
+          <a:fontRef idx="minor">
+            <a:schemeClr val="tx1"/>
+          </a:fontRef>
+        </p:style>
+      </p:cxnSp>
+      <p:cxnSp>
+        <p:nvCxnSpPr>
+          <p:cNvPr id="37" name="Elbow Connector 36">
+            <a:extLst>
+              <a:ext uri="{FF2B5EF4-FFF2-40B4-BE49-F238E27FC236}">
+                <a16:creationId xmlns:a16="http://schemas.microsoft.com/office/drawing/2014/main" id="{064CCD20-D52F-2A42-89D6-9B12024436B8}"/>
+              </a:ext>
+            </a:extLst>
+          </p:cNvPr>
+          <p:cNvCxnSpPr>
+            <a:cxnSpLocks/>
+            <a:stCxn id="16" idx="3"/>
+            <a:endCxn id="12" idx="1"/>
+          </p:cNvCxnSpPr>
+          <p:nvPr/>
+        </p:nvCxnSpPr>
+        <p:spPr>
+          <a:xfrm flipV="1">
+            <a:off x="3117176" y="2587495"/>
+            <a:ext cx="560615" cy="2018344"/>
+          </a:xfrm>
+          <a:prstGeom prst="bentConnector3">
+            <a:avLst>
+              <a:gd name="adj1" fmla="val 50000"/>
+            </a:avLst>
+          </a:prstGeom>
+          <a:ln>
+            <a:tailEnd type="triangle"/>
+          </a:ln>
+        </p:spPr>
+        <p:style>
+          <a:lnRef idx="1">
+            <a:schemeClr val="accent1"/>
+          </a:lnRef>
+          <a:fillRef idx="0">
+            <a:schemeClr val="accent1"/>
+          </a:fillRef>
+          <a:effectRef idx="0">
+            <a:schemeClr val="accent1"/>
+          </a:effectRef>
+          <a:fontRef idx="minor">
+            <a:schemeClr val="tx1"/>
+          </a:fontRef>
+        </p:style>
+      </p:cxnSp>
+      <p:sp>
+        <p:nvSpPr>
+          <p:cNvPr id="40" name="Rounded Rectangle 39">
+            <a:extLst>
+              <a:ext uri="{FF2B5EF4-FFF2-40B4-BE49-F238E27FC236}">
+                <a16:creationId xmlns:a16="http://schemas.microsoft.com/office/drawing/2014/main" id="{556B9274-7C3E-2B4D-BAF8-83B2025CEAA2}"/>
+              </a:ext>
+            </a:extLst>
+          </p:cNvPr>
+          <p:cNvSpPr/>
+          <p:nvPr/>
+        </p:nvSpPr>
+        <p:spPr>
+          <a:xfrm>
+            <a:off x="4900538" y="2958942"/>
+            <a:ext cx="1790295" cy="365259"/>
+          </a:xfrm>
+          <a:prstGeom prst="roundRect">
+            <a:avLst/>
+          </a:prstGeom>
+          <a:ln w="12700"/>
+        </p:spPr>
+        <p:style>
+          <a:lnRef idx="2">
+            <a:schemeClr val="dk1"/>
+          </a:lnRef>
+          <a:fillRef idx="1">
+            <a:schemeClr val="lt1"/>
+          </a:fillRef>
+          <a:effectRef idx="0">
+            <a:schemeClr val="dk1"/>
+          </a:effectRef>
+          <a:fontRef idx="minor">
+            <a:schemeClr val="dk1"/>
+          </a:fontRef>
+        </p:style>
+        <p:txBody>
+          <a:bodyPr rtlCol="0" anchor="ctr"/>
+          <a:lstStyle/>
+          <a:p>
+            <a:pPr algn="ctr"/>
+            <a:r>
+              <a:rPr lang="en-US" sz="1200" dirty="0"/>
+              <a:t>Fragment length distribution</a:t>
+            </a:r>
+          </a:p>
+        </p:txBody>
+      </p:sp>
+      <p:sp>
+        <p:nvSpPr>
+          <p:cNvPr id="41" name="Rounded Rectangle 40">
+            <a:extLst>
+              <a:ext uri="{FF2B5EF4-FFF2-40B4-BE49-F238E27FC236}">
+                <a16:creationId xmlns:a16="http://schemas.microsoft.com/office/drawing/2014/main" id="{6717D7D3-1822-BE4D-A50D-348F6F15C7E5}"/>
+              </a:ext>
+            </a:extLst>
+          </p:cNvPr>
+          <p:cNvSpPr/>
+          <p:nvPr/>
+        </p:nvSpPr>
+        <p:spPr>
+          <a:xfrm>
+            <a:off x="4900538" y="3462111"/>
+            <a:ext cx="1790295" cy="365259"/>
+          </a:xfrm>
+          <a:prstGeom prst="roundRect">
+            <a:avLst/>
+          </a:prstGeom>
+          <a:ln w="12700"/>
+        </p:spPr>
+        <p:style>
+          <a:lnRef idx="2">
+            <a:schemeClr val="dk1"/>
+          </a:lnRef>
+          <a:fillRef idx="1">
+            <a:schemeClr val="lt1"/>
+          </a:fillRef>
+          <a:effectRef idx="0">
+            <a:schemeClr val="dk1"/>
+          </a:effectRef>
+          <a:fontRef idx="minor">
+            <a:schemeClr val="dk1"/>
+          </a:fontRef>
+        </p:style>
+        <p:txBody>
+          <a:bodyPr rtlCol="0" anchor="ctr"/>
+          <a:lstStyle/>
+          <a:p>
+            <a:pPr algn="ctr"/>
+            <a:r>
+              <a:rPr lang="en-US" sz="1200" dirty="0"/>
+              <a:t>K-mer frequency</a:t>
+            </a:r>
+          </a:p>
+        </p:txBody>
+      </p:sp>
+      <p:sp>
+        <p:nvSpPr>
+          <p:cNvPr id="42" name="Rounded Rectangle 41">
+            <a:extLst>
+              <a:ext uri="{FF2B5EF4-FFF2-40B4-BE49-F238E27FC236}">
+                <a16:creationId xmlns:a16="http://schemas.microsoft.com/office/drawing/2014/main" id="{2B5430D3-E119-9F4D-AA05-69D5E125DC5F}"/>
+              </a:ext>
+            </a:extLst>
+          </p:cNvPr>
+          <p:cNvSpPr/>
+          <p:nvPr/>
+        </p:nvSpPr>
+        <p:spPr>
+          <a:xfrm>
+            <a:off x="4900538" y="3947740"/>
+            <a:ext cx="1790295" cy="365259"/>
+          </a:xfrm>
+          <a:prstGeom prst="roundRect">
+            <a:avLst/>
+          </a:prstGeom>
+          <a:ln w="12700"/>
+        </p:spPr>
+        <p:style>
+          <a:lnRef idx="2">
+            <a:schemeClr val="dk1"/>
+          </a:lnRef>
+          <a:fillRef idx="1">
+            <a:schemeClr val="lt1"/>
+          </a:fillRef>
+          <a:effectRef idx="0">
+            <a:schemeClr val="dk1"/>
+          </a:effectRef>
+          <a:fontRef idx="minor">
+            <a:schemeClr val="dk1"/>
+          </a:fontRef>
+        </p:style>
+        <p:txBody>
+          <a:bodyPr rtlCol="0" anchor="ctr"/>
+          <a:lstStyle/>
+          <a:p>
+            <a:pPr algn="ctr"/>
+            <a:r>
+              <a:rPr lang="en-US" sz="1200" dirty="0"/>
+              <a:t>Homer tag directories</a:t>
+            </a:r>
+          </a:p>
+        </p:txBody>
+      </p:sp>
+      <p:sp>
+        <p:nvSpPr>
+          <p:cNvPr id="45" name="Rounded Rectangle 44">
+            <a:extLst>
+              <a:ext uri="{FF2B5EF4-FFF2-40B4-BE49-F238E27FC236}">
+                <a16:creationId xmlns:a16="http://schemas.microsoft.com/office/drawing/2014/main" id="{E5414DB8-4E5B-EA46-B800-9B24A1566670}"/>
+              </a:ext>
+            </a:extLst>
+          </p:cNvPr>
+          <p:cNvSpPr/>
+          <p:nvPr/>
+        </p:nvSpPr>
+        <p:spPr>
+          <a:xfrm>
+            <a:off x="6904230" y="3947739"/>
+            <a:ext cx="1790295" cy="365259"/>
+          </a:xfrm>
+          <a:prstGeom prst="roundRect">
+            <a:avLst/>
+          </a:prstGeom>
+          <a:ln w="12700"/>
+        </p:spPr>
+        <p:style>
+          <a:lnRef idx="2">
+            <a:schemeClr val="dk1"/>
+          </a:lnRef>
+          <a:fillRef idx="1">
+            <a:schemeClr val="lt1"/>
+          </a:fillRef>
+          <a:effectRef idx="0">
+            <a:schemeClr val="dk1"/>
+          </a:effectRef>
+          <a:fontRef idx="minor">
+            <a:schemeClr val="dk1"/>
+          </a:fontRef>
+        </p:style>
+        <p:txBody>
+          <a:bodyPr rtlCol="0" anchor="ctr"/>
+          <a:lstStyle/>
+          <a:p>
+            <a:pPr algn="ctr"/>
+            <a:r>
+              <a:rPr lang="en-US" sz="1200" dirty="0"/>
+              <a:t>Homer peak calling</a:t>
+            </a:r>
+          </a:p>
+        </p:txBody>
+      </p:sp>
+      <p:sp>
+        <p:nvSpPr>
+          <p:cNvPr id="46" name="Rounded Rectangle 45">
+            <a:extLst>
+              <a:ext uri="{FF2B5EF4-FFF2-40B4-BE49-F238E27FC236}">
+                <a16:creationId xmlns:a16="http://schemas.microsoft.com/office/drawing/2014/main" id="{A19DEB9A-A216-6C44-BA3B-1382C5A0B0F9}"/>
+              </a:ext>
+            </a:extLst>
+          </p:cNvPr>
+          <p:cNvSpPr/>
+          <p:nvPr/>
+        </p:nvSpPr>
+        <p:spPr>
+          <a:xfrm>
+            <a:off x="4900537" y="4443001"/>
+            <a:ext cx="1790295" cy="365259"/>
+          </a:xfrm>
+          <a:prstGeom prst="roundRect">
+            <a:avLst/>
+          </a:prstGeom>
+          <a:ln w="12700"/>
+        </p:spPr>
+        <p:style>
+          <a:lnRef idx="2">
+            <a:schemeClr val="dk1"/>
+          </a:lnRef>
+          <a:fillRef idx="1">
+            <a:schemeClr val="lt1"/>
+          </a:fillRef>
+          <a:effectRef idx="0">
+            <a:schemeClr val="dk1"/>
+          </a:effectRef>
+          <a:fontRef idx="minor">
+            <a:schemeClr val="dk1"/>
+          </a:fontRef>
+        </p:style>
+        <p:txBody>
+          <a:bodyPr rtlCol="0" anchor="ctr"/>
+          <a:lstStyle/>
+          <a:p>
+            <a:pPr algn="ctr"/>
+            <a:r>
+              <a:rPr lang="en-US" sz="1200" dirty="0" err="1"/>
+              <a:t>BigWig</a:t>
+            </a:r>
+            <a:r>
+              <a:rPr lang="en-US" sz="1200" dirty="0"/>
+              <a:t> files from fragments</a:t>
+            </a:r>
+          </a:p>
+        </p:txBody>
+      </p:sp>
+      <p:sp>
+        <p:nvSpPr>
+          <p:cNvPr id="47" name="Rounded Rectangle 46">
+            <a:extLst>
+              <a:ext uri="{FF2B5EF4-FFF2-40B4-BE49-F238E27FC236}">
+                <a16:creationId xmlns:a16="http://schemas.microsoft.com/office/drawing/2014/main" id="{F97BDE05-C7EA-4A4E-81D8-A0C92CAEBFB2}"/>
+              </a:ext>
+            </a:extLst>
+          </p:cNvPr>
+          <p:cNvSpPr/>
+          <p:nvPr/>
+        </p:nvSpPr>
+        <p:spPr>
+          <a:xfrm>
+            <a:off x="4900536" y="5449719"/>
+            <a:ext cx="1790295" cy="365259"/>
+          </a:xfrm>
+          <a:prstGeom prst="roundRect">
+            <a:avLst/>
+          </a:prstGeom>
+          <a:ln w="12700"/>
+        </p:spPr>
+        <p:style>
+          <a:lnRef idx="2">
+            <a:schemeClr val="dk1"/>
+          </a:lnRef>
+          <a:fillRef idx="1">
+            <a:schemeClr val="lt1"/>
+          </a:fillRef>
+          <a:effectRef idx="0">
+            <a:schemeClr val="dk1"/>
+          </a:effectRef>
+          <a:fontRef idx="minor">
+            <a:schemeClr val="dk1"/>
+          </a:fontRef>
+        </p:style>
+        <p:txBody>
+          <a:bodyPr rtlCol="0" anchor="ctr"/>
+          <a:lstStyle/>
+          <a:p>
+            <a:pPr algn="ctr"/>
+            <a:r>
+              <a:rPr lang="en-US" sz="1200" dirty="0"/>
+              <a:t>FCL file (</a:t>
+            </a:r>
+            <a:r>
+              <a:rPr lang="en-US" sz="1200" dirty="0" err="1"/>
+              <a:t>fcl.bed.gz</a:t>
+            </a:r>
+            <a:r>
+              <a:rPr lang="en-US" sz="1200" dirty="0"/>
+              <a:t>)</a:t>
+            </a:r>
+          </a:p>
+        </p:txBody>
+      </p:sp>
+      <p:cxnSp>
+        <p:nvCxnSpPr>
+          <p:cNvPr id="51" name="Elbow Connector 50">
+            <a:extLst>
+              <a:ext uri="{FF2B5EF4-FFF2-40B4-BE49-F238E27FC236}">
+                <a16:creationId xmlns:a16="http://schemas.microsoft.com/office/drawing/2014/main" id="{CF7EA071-CADC-3243-8D19-73781C350622}"/>
+              </a:ext>
+            </a:extLst>
+          </p:cNvPr>
+          <p:cNvCxnSpPr>
+            <a:cxnSpLocks/>
+            <a:stCxn id="12" idx="2"/>
+            <a:endCxn id="41" idx="1"/>
+          </p:cNvCxnSpPr>
+          <p:nvPr/>
+        </p:nvCxnSpPr>
+        <p:spPr>
+          <a:xfrm rot="16200000" flipH="1">
+            <a:off x="4344188" y="3088390"/>
+            <a:ext cx="874617" cy="238084"/>
+          </a:xfrm>
+          <a:prstGeom prst="bentConnector2">
+            <a:avLst/>
+          </a:prstGeom>
+          <a:ln>
+            <a:tailEnd type="triangle"/>
+          </a:ln>
+        </p:spPr>
+        <p:style>
+          <a:lnRef idx="1">
+            <a:schemeClr val="accent1"/>
+          </a:lnRef>
+          <a:fillRef idx="0">
+            <a:schemeClr val="accent1"/>
+          </a:fillRef>
+          <a:effectRef idx="0">
+            <a:schemeClr val="accent1"/>
+          </a:effectRef>
+          <a:fontRef idx="minor">
+            <a:schemeClr val="tx1"/>
+          </a:fontRef>
+        </p:style>
+      </p:cxnSp>
+      <p:cxnSp>
+        <p:nvCxnSpPr>
+          <p:cNvPr id="54" name="Elbow Connector 53">
+            <a:extLst>
+              <a:ext uri="{FF2B5EF4-FFF2-40B4-BE49-F238E27FC236}">
+                <a16:creationId xmlns:a16="http://schemas.microsoft.com/office/drawing/2014/main" id="{A542672C-B143-C348-9C40-E3AE09899B31}"/>
+              </a:ext>
+            </a:extLst>
+          </p:cNvPr>
+          <p:cNvCxnSpPr>
+            <a:cxnSpLocks/>
+            <a:stCxn id="12" idx="2"/>
+            <a:endCxn id="42" idx="1"/>
+          </p:cNvCxnSpPr>
+          <p:nvPr/>
+        </p:nvCxnSpPr>
+        <p:spPr>
+          <a:xfrm rot="16200000" flipH="1">
+            <a:off x="4101373" y="3331205"/>
+            <a:ext cx="1360246" cy="238084"/>
+          </a:xfrm>
+          <a:prstGeom prst="bentConnector2">
+            <a:avLst/>
+          </a:prstGeom>
+          <a:ln>
+            <a:tailEnd type="triangle"/>
+          </a:ln>
+        </p:spPr>
+        <p:style>
+          <a:lnRef idx="1">
+            <a:schemeClr val="accent1"/>
+          </a:lnRef>
+          <a:fillRef idx="0">
+            <a:schemeClr val="accent1"/>
+          </a:fillRef>
+          <a:effectRef idx="0">
+            <a:schemeClr val="accent1"/>
+          </a:effectRef>
+          <a:fontRef idx="minor">
+            <a:schemeClr val="tx1"/>
+          </a:fontRef>
+        </p:style>
+      </p:cxnSp>
+      <p:cxnSp>
+        <p:nvCxnSpPr>
+          <p:cNvPr id="57" name="Elbow Connector 56">
+            <a:extLst>
+              <a:ext uri="{FF2B5EF4-FFF2-40B4-BE49-F238E27FC236}">
+                <a16:creationId xmlns:a16="http://schemas.microsoft.com/office/drawing/2014/main" id="{2AE8E41E-C624-904A-B6F3-461B5E02C9F6}"/>
+              </a:ext>
+            </a:extLst>
+          </p:cNvPr>
+          <p:cNvCxnSpPr>
+            <a:cxnSpLocks/>
+            <a:stCxn id="12" idx="2"/>
+            <a:endCxn id="46" idx="1"/>
+          </p:cNvCxnSpPr>
+          <p:nvPr/>
+        </p:nvCxnSpPr>
+        <p:spPr>
+          <a:xfrm rot="16200000" flipH="1">
+            <a:off x="3853742" y="3578835"/>
+            <a:ext cx="1855507" cy="238083"/>
+          </a:xfrm>
+          <a:prstGeom prst="bentConnector2">
+            <a:avLst/>
+          </a:prstGeom>
+          <a:ln>
+            <a:tailEnd type="triangle"/>
+          </a:ln>
+        </p:spPr>
+        <p:style>
+          <a:lnRef idx="1">
+            <a:schemeClr val="accent1"/>
+          </a:lnRef>
+          <a:fillRef idx="0">
+            <a:schemeClr val="accent1"/>
+          </a:fillRef>
+          <a:effectRef idx="0">
+            <a:schemeClr val="accent1"/>
+          </a:effectRef>
+          <a:fontRef idx="minor">
+            <a:schemeClr val="tx1"/>
+          </a:fontRef>
+        </p:style>
+      </p:cxnSp>
+      <p:cxnSp>
+        <p:nvCxnSpPr>
+          <p:cNvPr id="60" name="Elbow Connector 59">
+            <a:extLst>
+              <a:ext uri="{FF2B5EF4-FFF2-40B4-BE49-F238E27FC236}">
+                <a16:creationId xmlns:a16="http://schemas.microsoft.com/office/drawing/2014/main" id="{7E91A5E6-9CC1-1840-8714-764176AF5D29}"/>
+              </a:ext>
+            </a:extLst>
+          </p:cNvPr>
+          <p:cNvCxnSpPr>
+            <a:cxnSpLocks/>
+            <a:stCxn id="12" idx="2"/>
+            <a:endCxn id="47" idx="1"/>
+          </p:cNvCxnSpPr>
+          <p:nvPr/>
+        </p:nvCxnSpPr>
+        <p:spPr>
+          <a:xfrm rot="16200000" flipH="1">
+            <a:off x="3350383" y="4082195"/>
+            <a:ext cx="2862225" cy="238082"/>
+          </a:xfrm>
+          <a:prstGeom prst="bentConnector2">
+            <a:avLst/>
+          </a:prstGeom>
+          <a:ln>
+            <a:tailEnd type="triangle"/>
+          </a:ln>
+        </p:spPr>
+        <p:style>
+          <a:lnRef idx="1">
+            <a:schemeClr val="accent1"/>
+          </a:lnRef>
+          <a:fillRef idx="0">
+            <a:schemeClr val="accent1"/>
+          </a:fillRef>
+          <a:effectRef idx="0">
+            <a:schemeClr val="accent1"/>
+          </a:effectRef>
+          <a:fontRef idx="minor">
+            <a:schemeClr val="tx1"/>
+          </a:fontRef>
+        </p:style>
+      </p:cxnSp>
+      <p:sp>
+        <p:nvSpPr>
+          <p:cNvPr id="63" name="TextBox 62">
+            <a:extLst>
+              <a:ext uri="{FF2B5EF4-FFF2-40B4-BE49-F238E27FC236}">
+                <a16:creationId xmlns:a16="http://schemas.microsoft.com/office/drawing/2014/main" id="{3B6D663B-A05A-A647-88EA-BC162F5E9E27}"/>
+              </a:ext>
+            </a:extLst>
+          </p:cNvPr>
+          <p:cNvSpPr txBox="1"/>
+          <p:nvPr/>
+        </p:nvSpPr>
+        <p:spPr>
+          <a:xfrm>
+            <a:off x="5770634" y="1898052"/>
+            <a:ext cx="3879845" cy="276999"/>
+          </a:xfrm>
+          <a:prstGeom prst="rect">
+            <a:avLst/>
+          </a:prstGeom>
+          <a:noFill/>
+        </p:spPr>
+        <p:txBody>
+          <a:bodyPr wrap="none" rtlCol="0">
+            <a:spAutoFit/>
+          </a:bodyPr>
+          <a:lstStyle/>
+          <a:p>
+            <a:r>
+              <a:rPr lang="en-US" sz="1200" dirty="0"/>
+              <a:t>*planned to move downstream below fragment generation</a:t>
+            </a:r>
+          </a:p>
+        </p:txBody>
+      </p:sp>
+      <p:cxnSp>
+        <p:nvCxnSpPr>
+          <p:cNvPr id="69" name="Straight Arrow Connector 68">
+            <a:extLst>
+              <a:ext uri="{FF2B5EF4-FFF2-40B4-BE49-F238E27FC236}">
+                <a16:creationId xmlns:a16="http://schemas.microsoft.com/office/drawing/2014/main" id="{DF2E58FF-6012-9741-9011-1CE8A9024EDA}"/>
+              </a:ext>
+            </a:extLst>
+          </p:cNvPr>
+          <p:cNvCxnSpPr>
+            <a:stCxn id="42" idx="3"/>
+            <a:endCxn id="45" idx="1"/>
+          </p:cNvCxnSpPr>
+          <p:nvPr/>
+        </p:nvCxnSpPr>
+        <p:spPr>
+          <a:xfrm flipV="1">
+            <a:off x="6690833" y="4130369"/>
+            <a:ext cx="213397" cy="1"/>
+          </a:xfrm>
+          <a:prstGeom prst="straightConnector1">
+            <a:avLst/>
+          </a:prstGeom>
+          <a:ln>
+            <a:tailEnd type="triangle"/>
+          </a:ln>
+        </p:spPr>
+        <p:style>
+          <a:lnRef idx="1">
+            <a:schemeClr val="accent1"/>
+          </a:lnRef>
+          <a:fillRef idx="0">
+            <a:schemeClr val="accent1"/>
+          </a:fillRef>
+          <a:effectRef idx="0">
+            <a:schemeClr val="accent1"/>
+          </a:effectRef>
+          <a:fontRef idx="minor">
+            <a:schemeClr val="tx1"/>
+          </a:fontRef>
+        </p:style>
+      </p:cxnSp>
+      <p:sp>
+        <p:nvSpPr>
+          <p:cNvPr id="75" name="Rounded Rectangle 74">
+            <a:extLst>
+              <a:ext uri="{FF2B5EF4-FFF2-40B4-BE49-F238E27FC236}">
+                <a16:creationId xmlns:a16="http://schemas.microsoft.com/office/drawing/2014/main" id="{3624C182-8CF6-A14E-9516-33F1AF866548}"/>
+              </a:ext>
+            </a:extLst>
+          </p:cNvPr>
+          <p:cNvSpPr/>
+          <p:nvPr/>
+        </p:nvSpPr>
+        <p:spPr>
+          <a:xfrm>
+            <a:off x="3677791" y="1315764"/>
+            <a:ext cx="7316633" cy="350728"/>
+          </a:xfrm>
+          <a:prstGeom prst="roundRect">
+            <a:avLst/>
+          </a:prstGeom>
+          <a:ln>
+            <a:noFill/>
+          </a:ln>
+        </p:spPr>
+        <p:style>
+          <a:lnRef idx="3">
+            <a:schemeClr val="lt1"/>
+          </a:lnRef>
+          <a:fillRef idx="1">
+            <a:schemeClr val="accent1"/>
+          </a:fillRef>
+          <a:effectRef idx="1">
+            <a:schemeClr val="accent1"/>
+          </a:effectRef>
+          <a:fontRef idx="minor">
+            <a:schemeClr val="lt1"/>
+          </a:fontRef>
+        </p:style>
+        <p:txBody>
+          <a:bodyPr rtlCol="0" anchor="ctr"/>
+          <a:lstStyle/>
+          <a:p>
+            <a:pPr algn="ctr"/>
+            <a:r>
+              <a:rPr lang="en-US" dirty="0"/>
+              <a:t>Processed sample</a:t>
+            </a:r>
+          </a:p>
+        </p:txBody>
+      </p:sp>
+      <p:sp>
+        <p:nvSpPr>
+          <p:cNvPr id="77" name="Rounded Rectangle 76">
+            <a:extLst>
+              <a:ext uri="{FF2B5EF4-FFF2-40B4-BE49-F238E27FC236}">
+                <a16:creationId xmlns:a16="http://schemas.microsoft.com/office/drawing/2014/main" id="{BF8A870D-E4ED-8747-9D01-B8C9EF8D9305}"/>
+              </a:ext>
+            </a:extLst>
+          </p:cNvPr>
+          <p:cNvSpPr/>
+          <p:nvPr/>
+        </p:nvSpPr>
+        <p:spPr>
+          <a:xfrm>
+            <a:off x="4900535" y="4946360"/>
+            <a:ext cx="1790295" cy="365259"/>
+          </a:xfrm>
+          <a:prstGeom prst="roundRect">
+            <a:avLst/>
+          </a:prstGeom>
+          <a:ln w="12700"/>
+        </p:spPr>
+        <p:style>
+          <a:lnRef idx="2">
+            <a:schemeClr val="dk1"/>
+          </a:lnRef>
+          <a:fillRef idx="1">
+            <a:schemeClr val="lt1"/>
+          </a:fillRef>
+          <a:effectRef idx="0">
+            <a:schemeClr val="dk1"/>
+          </a:effectRef>
+          <a:fontRef idx="minor">
+            <a:schemeClr val="dk1"/>
+          </a:fontRef>
+        </p:style>
+        <p:txBody>
+          <a:bodyPr rtlCol="0" anchor="ctr"/>
+          <a:lstStyle/>
+          <a:p>
+            <a:pPr algn="ctr"/>
+            <a:r>
+              <a:rPr lang="en-US" sz="1200" dirty="0" err="1"/>
+              <a:t>BigWig</a:t>
+            </a:r>
+            <a:r>
+              <a:rPr lang="en-US" sz="1200" dirty="0"/>
+              <a:t> files from 5’ 1bp</a:t>
+            </a:r>
+          </a:p>
+        </p:txBody>
+      </p:sp>
+      <p:cxnSp>
+        <p:nvCxnSpPr>
+          <p:cNvPr id="79" name="Elbow Connector 78">
+            <a:extLst>
+              <a:ext uri="{FF2B5EF4-FFF2-40B4-BE49-F238E27FC236}">
+                <a16:creationId xmlns:a16="http://schemas.microsoft.com/office/drawing/2014/main" id="{BBF09D12-5FE0-C64C-B528-23B6FE23761B}"/>
+              </a:ext>
+            </a:extLst>
+          </p:cNvPr>
+          <p:cNvCxnSpPr>
+            <a:cxnSpLocks/>
+            <a:stCxn id="12" idx="2"/>
+            <a:endCxn id="77" idx="1"/>
+          </p:cNvCxnSpPr>
+          <p:nvPr/>
+        </p:nvCxnSpPr>
+        <p:spPr>
+          <a:xfrm rot="16200000" flipH="1">
+            <a:off x="3602061" y="3830516"/>
+            <a:ext cx="2358866" cy="238081"/>
+          </a:xfrm>
+          <a:prstGeom prst="bentConnector2">
+            <a:avLst/>
+          </a:prstGeom>
+          <a:ln>
+            <a:tailEnd type="triangle"/>
+          </a:ln>
+        </p:spPr>
+        <p:style>
+          <a:lnRef idx="1">
+            <a:schemeClr val="accent1"/>
+          </a:lnRef>
+          <a:fillRef idx="0">
+            <a:schemeClr val="accent1"/>
+          </a:fillRef>
+          <a:effectRef idx="0">
+            <a:schemeClr val="accent1"/>
+          </a:effectRef>
+          <a:fontRef idx="minor">
+            <a:schemeClr val="tx1"/>
+          </a:fontRef>
+        </p:style>
+      </p:cxnSp>
+      <p:cxnSp>
+        <p:nvCxnSpPr>
+          <p:cNvPr id="91" name="Elbow Connector 90">
+            <a:extLst>
+              <a:ext uri="{FF2B5EF4-FFF2-40B4-BE49-F238E27FC236}">
+                <a16:creationId xmlns:a16="http://schemas.microsoft.com/office/drawing/2014/main" id="{77B71131-436D-B74E-B90E-E1ACA750E794}"/>
+              </a:ext>
+            </a:extLst>
+          </p:cNvPr>
+          <p:cNvCxnSpPr>
+            <a:cxnSpLocks/>
+            <a:stCxn id="12" idx="2"/>
+            <a:endCxn id="40" idx="1"/>
+          </p:cNvCxnSpPr>
+          <p:nvPr/>
+        </p:nvCxnSpPr>
+        <p:spPr>
+          <a:xfrm rot="16200000" flipH="1">
+            <a:off x="4595772" y="2836806"/>
+            <a:ext cx="371448" cy="238084"/>
+          </a:xfrm>
+          <a:prstGeom prst="bentConnector2">
+            <a:avLst/>
+          </a:prstGeom>
+          <a:ln>
+            <a:tailEnd type="triangle"/>
+          </a:ln>
+        </p:spPr>
+        <p:style>
+          <a:lnRef idx="1">
+            <a:schemeClr val="accent1"/>
+          </a:lnRef>
+          <a:fillRef idx="0">
+            <a:schemeClr val="accent1"/>
+          </a:fillRef>
+          <a:effectRef idx="0">
+            <a:schemeClr val="accent1"/>
+          </a:effectRef>
+          <a:fontRef idx="minor">
+            <a:schemeClr val="tx1"/>
+          </a:fontRef>
+        </p:style>
+      </p:cxnSp>
+      <p:sp>
+        <p:nvSpPr>
+          <p:cNvPr id="96" name="Rounded Rectangle 95">
+            <a:extLst>
+              <a:ext uri="{FF2B5EF4-FFF2-40B4-BE49-F238E27FC236}">
+                <a16:creationId xmlns:a16="http://schemas.microsoft.com/office/drawing/2014/main" id="{18EEE553-B81B-5B4C-87FA-B2F3F90D9852}"/>
+              </a:ext>
+            </a:extLst>
+          </p:cNvPr>
+          <p:cNvSpPr/>
+          <p:nvPr/>
+        </p:nvSpPr>
+        <p:spPr>
+          <a:xfrm>
+            <a:off x="8895396" y="3947739"/>
+            <a:ext cx="1790295" cy="365259"/>
+          </a:xfrm>
+          <a:prstGeom prst="roundRect">
+            <a:avLst/>
+          </a:prstGeom>
+          <a:ln w="12700"/>
+        </p:spPr>
+        <p:style>
+          <a:lnRef idx="2">
+            <a:schemeClr val="dk1"/>
+          </a:lnRef>
+          <a:fillRef idx="1">
+            <a:schemeClr val="lt1"/>
+          </a:fillRef>
+          <a:effectRef idx="0">
+            <a:schemeClr val="dk1"/>
+          </a:effectRef>
+          <a:fontRef idx="minor">
+            <a:schemeClr val="dk1"/>
+          </a:fontRef>
+        </p:style>
+        <p:txBody>
+          <a:bodyPr rtlCol="0" anchor="ctr"/>
+          <a:lstStyle/>
+          <a:p>
+            <a:pPr algn="ctr"/>
+            <a:r>
+              <a:rPr lang="en-US" sz="1200" dirty="0"/>
+              <a:t>Motif search</a:t>
+            </a:r>
+          </a:p>
+        </p:txBody>
+      </p:sp>
+      <p:cxnSp>
+        <p:nvCxnSpPr>
+          <p:cNvPr id="97" name="Straight Arrow Connector 96">
+            <a:extLst>
+              <a:ext uri="{FF2B5EF4-FFF2-40B4-BE49-F238E27FC236}">
+                <a16:creationId xmlns:a16="http://schemas.microsoft.com/office/drawing/2014/main" id="{DAB91A14-AD05-BE47-BB61-4CAC296AC671}"/>
+              </a:ext>
+            </a:extLst>
+          </p:cNvPr>
+          <p:cNvCxnSpPr>
+            <a:cxnSpLocks/>
+            <a:stCxn id="45" idx="3"/>
+            <a:endCxn id="96" idx="1"/>
+          </p:cNvCxnSpPr>
+          <p:nvPr/>
+        </p:nvCxnSpPr>
+        <p:spPr>
+          <a:xfrm>
+            <a:off x="8694525" y="4130369"/>
+            <a:ext cx="200871" cy="0"/>
+          </a:xfrm>
+          <a:prstGeom prst="straightConnector1">
+            <a:avLst/>
+          </a:prstGeom>
+          <a:ln>
+            <a:tailEnd type="triangle"/>
+          </a:ln>
+        </p:spPr>
+        <p:style>
+          <a:lnRef idx="1">
+            <a:schemeClr val="accent1"/>
+          </a:lnRef>
+          <a:fillRef idx="0">
+            <a:schemeClr val="accent1"/>
+          </a:fillRef>
+          <a:effectRef idx="0">
+            <a:schemeClr val="accent1"/>
+          </a:effectRef>
+          <a:fontRef idx="minor">
+            <a:schemeClr val="tx1"/>
+          </a:fontRef>
+        </p:style>
+      </p:cxnSp>
+      <p:sp>
+        <p:nvSpPr>
+          <p:cNvPr id="101" name="Rounded Rectangle 100">
+            <a:extLst>
+              <a:ext uri="{FF2B5EF4-FFF2-40B4-BE49-F238E27FC236}">
+                <a16:creationId xmlns:a16="http://schemas.microsoft.com/office/drawing/2014/main" id="{854C52C9-B94F-EC4A-B031-12E4A82CF728}"/>
+              </a:ext>
+            </a:extLst>
+          </p:cNvPr>
+          <p:cNvSpPr/>
+          <p:nvPr/>
+        </p:nvSpPr>
+        <p:spPr>
+          <a:xfrm>
+            <a:off x="6904230" y="4452001"/>
+            <a:ext cx="1790295" cy="365259"/>
+          </a:xfrm>
+          <a:prstGeom prst="roundRect">
+            <a:avLst/>
+          </a:prstGeom>
+          <a:ln w="12700"/>
+        </p:spPr>
+        <p:style>
+          <a:lnRef idx="2">
+            <a:schemeClr val="dk1"/>
+          </a:lnRef>
+          <a:fillRef idx="1">
+            <a:schemeClr val="lt1"/>
+          </a:fillRef>
+          <a:effectRef idx="0">
+            <a:schemeClr val="dk1"/>
+          </a:effectRef>
+          <a:fontRef idx="minor">
+            <a:schemeClr val="dk1"/>
+          </a:fontRef>
+        </p:style>
+        <p:txBody>
+          <a:bodyPr rtlCol="0" anchor="ctr"/>
+          <a:lstStyle/>
+          <a:p>
+            <a:pPr algn="ctr"/>
+            <a:r>
+              <a:rPr lang="en-US" sz="1200" dirty="0"/>
+              <a:t>Peak visualization</a:t>
+            </a:r>
+          </a:p>
+        </p:txBody>
+      </p:sp>
+      <p:cxnSp>
+        <p:nvCxnSpPr>
+          <p:cNvPr id="102" name="Straight Arrow Connector 101">
+            <a:extLst>
+              <a:ext uri="{FF2B5EF4-FFF2-40B4-BE49-F238E27FC236}">
+                <a16:creationId xmlns:a16="http://schemas.microsoft.com/office/drawing/2014/main" id="{721896C8-6D35-124A-B772-D82E1760801D}"/>
+              </a:ext>
+            </a:extLst>
+          </p:cNvPr>
+          <p:cNvCxnSpPr>
+            <a:cxnSpLocks/>
+            <a:stCxn id="46" idx="3"/>
+            <a:endCxn id="101" idx="1"/>
+          </p:cNvCxnSpPr>
+          <p:nvPr/>
+        </p:nvCxnSpPr>
+        <p:spPr>
+          <a:xfrm>
+            <a:off x="6690832" y="4625631"/>
+            <a:ext cx="213398" cy="9000"/>
+          </a:xfrm>
+          <a:prstGeom prst="straightConnector1">
+            <a:avLst/>
+          </a:prstGeom>
+          <a:ln>
+            <a:tailEnd type="triangle"/>
+          </a:ln>
+        </p:spPr>
+        <p:style>
+          <a:lnRef idx="1">
+            <a:schemeClr val="accent1"/>
+          </a:lnRef>
+          <a:fillRef idx="0">
+            <a:schemeClr val="accent1"/>
+          </a:fillRef>
+          <a:effectRef idx="0">
+            <a:schemeClr val="accent1"/>
+          </a:effectRef>
+          <a:fontRef idx="minor">
+            <a:schemeClr val="tx1"/>
+          </a:fontRef>
+        </p:style>
+      </p:cxnSp>
+      <p:sp>
+        <p:nvSpPr>
+          <p:cNvPr id="105" name="Rounded Rectangle 104">
+            <a:extLst>
+              <a:ext uri="{FF2B5EF4-FFF2-40B4-BE49-F238E27FC236}">
+                <a16:creationId xmlns:a16="http://schemas.microsoft.com/office/drawing/2014/main" id="{E061059A-9C59-E543-B0E7-6329E292E1DE}"/>
+              </a:ext>
+            </a:extLst>
+          </p:cNvPr>
+          <p:cNvSpPr/>
+          <p:nvPr/>
+        </p:nvSpPr>
+        <p:spPr>
+          <a:xfrm>
+            <a:off x="8895395" y="4947525"/>
+            <a:ext cx="1790295" cy="365259"/>
+          </a:xfrm>
+          <a:prstGeom prst="roundRect">
+            <a:avLst/>
+          </a:prstGeom>
+          <a:ln/>
+        </p:spPr>
+        <p:style>
+          <a:lnRef idx="2">
+            <a:schemeClr val="accent2">
+              <a:shade val="50000"/>
+            </a:schemeClr>
+          </a:lnRef>
+          <a:fillRef idx="1">
+            <a:schemeClr val="accent2"/>
+          </a:fillRef>
+          <a:effectRef idx="0">
+            <a:schemeClr val="accent2"/>
+          </a:effectRef>
+          <a:fontRef idx="minor">
+            <a:schemeClr val="lt1"/>
+          </a:fontRef>
+        </p:style>
+        <p:txBody>
+          <a:bodyPr rtlCol="0" anchor="ctr"/>
+          <a:lstStyle/>
+          <a:p>
+            <a:pPr algn="ctr"/>
+            <a:r>
+              <a:rPr lang="en-US" sz="1200" b="1" dirty="0"/>
+              <a:t>Footprint analysis</a:t>
+            </a:r>
+          </a:p>
+        </p:txBody>
+      </p:sp>
+      <p:cxnSp>
+        <p:nvCxnSpPr>
+          <p:cNvPr id="106" name="Straight Arrow Connector 105">
+            <a:extLst>
+              <a:ext uri="{FF2B5EF4-FFF2-40B4-BE49-F238E27FC236}">
+                <a16:creationId xmlns:a16="http://schemas.microsoft.com/office/drawing/2014/main" id="{F78FD154-0F81-F74B-8C6D-2D46E1DB1B08}"/>
+              </a:ext>
+            </a:extLst>
+          </p:cNvPr>
+          <p:cNvCxnSpPr>
+            <a:cxnSpLocks/>
+            <a:stCxn id="77" idx="3"/>
+            <a:endCxn id="105" idx="1"/>
+          </p:cNvCxnSpPr>
+          <p:nvPr/>
+        </p:nvCxnSpPr>
+        <p:spPr>
+          <a:xfrm>
+            <a:off x="6690830" y="5128990"/>
+            <a:ext cx="2204565" cy="1165"/>
+          </a:xfrm>
+          <a:prstGeom prst="straightConnector1">
+            <a:avLst/>
+          </a:prstGeom>
+          <a:ln>
+            <a:tailEnd type="triangle"/>
+          </a:ln>
+        </p:spPr>
+        <p:style>
+          <a:lnRef idx="1">
+            <a:schemeClr val="accent1"/>
+          </a:lnRef>
+          <a:fillRef idx="0">
+            <a:schemeClr val="accent1"/>
+          </a:fillRef>
+          <a:effectRef idx="0">
+            <a:schemeClr val="accent1"/>
+          </a:effectRef>
+          <a:fontRef idx="minor">
+            <a:schemeClr val="tx1"/>
+          </a:fontRef>
+        </p:style>
+      </p:cxnSp>
+      <p:cxnSp>
+        <p:nvCxnSpPr>
+          <p:cNvPr id="112" name="Straight Arrow Connector 111">
+            <a:extLst>
+              <a:ext uri="{FF2B5EF4-FFF2-40B4-BE49-F238E27FC236}">
+                <a16:creationId xmlns:a16="http://schemas.microsoft.com/office/drawing/2014/main" id="{FA123CDE-843E-C54A-85B5-9CB7E7CE8AB2}"/>
+              </a:ext>
+            </a:extLst>
+          </p:cNvPr>
+          <p:cNvCxnSpPr>
+            <a:cxnSpLocks/>
+            <a:stCxn id="96" idx="2"/>
+            <a:endCxn id="105" idx="0"/>
+          </p:cNvCxnSpPr>
+          <p:nvPr/>
+        </p:nvCxnSpPr>
+        <p:spPr>
+          <a:xfrm flipH="1">
+            <a:off x="9790543" y="4312998"/>
+            <a:ext cx="1" cy="634527"/>
+          </a:xfrm>
+          <a:prstGeom prst="straightConnector1">
+            <a:avLst/>
+          </a:prstGeom>
+          <a:ln>
+            <a:tailEnd type="triangle"/>
+          </a:ln>
+        </p:spPr>
+        <p:style>
+          <a:lnRef idx="1">
+            <a:schemeClr val="accent1"/>
+          </a:lnRef>
+          <a:fillRef idx="0">
+            <a:schemeClr val="accent1"/>
+          </a:fillRef>
+          <a:effectRef idx="0">
+            <a:schemeClr val="accent1"/>
+          </a:effectRef>
+          <a:fontRef idx="minor">
+            <a:schemeClr val="tx1"/>
+          </a:fontRef>
+        </p:style>
+      </p:cxnSp>
+      <p:sp>
+        <p:nvSpPr>
+          <p:cNvPr id="118" name="TextBox 117">
+            <a:extLst>
+              <a:ext uri="{FF2B5EF4-FFF2-40B4-BE49-F238E27FC236}">
+                <a16:creationId xmlns:a16="http://schemas.microsoft.com/office/drawing/2014/main" id="{AA268D84-67B6-AA4C-B829-D087552C512E}"/>
+              </a:ext>
+            </a:extLst>
+          </p:cNvPr>
+          <p:cNvSpPr txBox="1"/>
+          <p:nvPr/>
+        </p:nvSpPr>
+        <p:spPr>
+          <a:xfrm>
+            <a:off x="3866067" y="236585"/>
+            <a:ext cx="4957960" cy="646331"/>
+          </a:xfrm>
+          <a:prstGeom prst="rect">
+            <a:avLst/>
+          </a:prstGeom>
+          <a:noFill/>
+        </p:spPr>
+        <p:txBody>
+          <a:bodyPr wrap="none" rtlCol="0">
+            <a:spAutoFit/>
+          </a:bodyPr>
+          <a:lstStyle/>
+          <a:p>
+            <a:pPr marL="285750" indent="-285750">
+              <a:buFontTx/>
+              <a:buChar char="-"/>
+            </a:pPr>
+            <a:r>
+              <a:rPr lang="en-US" dirty="0"/>
+              <a:t>Bunch of bash and R scripts</a:t>
+            </a:r>
+          </a:p>
+          <a:p>
+            <a:pPr marL="285750" indent="-285750">
+              <a:buFontTx/>
+              <a:buChar char="-"/>
+            </a:pPr>
+            <a:r>
+              <a:rPr lang="en-US" dirty="0"/>
+              <a:t>Snakemake-based automatic parallel processing</a:t>
+            </a:r>
+          </a:p>
+        </p:txBody>
+      </p:sp>
+    </p:spTree>
+    <p:extLst>
+      <p:ext uri="{BB962C8B-B14F-4D97-AF65-F5344CB8AC3E}">
+        <p14:creationId xmlns:p14="http://schemas.microsoft.com/office/powerpoint/2010/main" val="624347621"/>
+      </p:ext>
+    </p:extLst>
+  </p:cSld>
+  <p:clrMapOvr>
+    <a:masterClrMapping/>
+  </p:clrMapOvr>
+</p:sld>
+</file>
+
+<file path=ppt/slides/slide5.xml><?xml version="1.0" encoding="utf-8"?>
+<p:sld xmlns:a="http://schemas.openxmlformats.org/drawingml/2006/main" xmlns:r="http://schemas.openxmlformats.org/officeDocument/2006/relationships" xmlns:p="http://schemas.openxmlformats.org/presentationml/2006/main">
+  <p:cSld>
+    <p:spTree>
+      <p:nvGrpSpPr>
+        <p:cNvPr id="1" name=""/>
+        <p:cNvGrpSpPr/>
+        <p:nvPr/>
+      </p:nvGrpSpPr>
+      <p:grpSpPr>
+        <a:xfrm>
+          <a:off x="0" y="0"/>
+          <a:ext cx="0" cy="0"/>
+          <a:chOff x="0" y="0"/>
+          <a:chExt cx="0" cy="0"/>
+        </a:xfrm>
+      </p:grpSpPr>
       <p:pic>
         <p:nvPicPr>
-          <p:cNvPr id="26" name="Graphic 25">
-            <a:extLst>
-              <a:ext uri="{FF2B5EF4-FFF2-40B4-BE49-F238E27FC236}">
-                <a16:creationId xmlns:a16="http://schemas.microsoft.com/office/drawing/2014/main" id="{DC4D5CA4-3C6E-8346-984D-213271980B68}"/>
+          <p:cNvPr id="20" name="Graphic 19">
+            <a:extLst>
+              <a:ext uri="{FF2B5EF4-FFF2-40B4-BE49-F238E27FC236}">
+                <a16:creationId xmlns:a16="http://schemas.microsoft.com/office/drawing/2014/main" id="{5B820E99-7EB8-CD40-B892-6084204CD87E}"/>
               </a:ext>
             </a:extLst>
           </p:cNvPr>
@@ -3785,173 +5630,765 @@
         </p:blipFill>
         <p:spPr>
           <a:xfrm>
-            <a:off x="3880553" y="0"/>
-            <a:ext cx="3840480" cy="6858000"/>
+            <a:off x="3208834" y="82550"/>
+            <a:ext cx="5041900" cy="6692900"/>
           </a:xfrm>
           <a:prstGeom prst="rect">
             <a:avLst/>
           </a:prstGeom>
         </p:spPr>
       </p:pic>
-      <p:sp>
-        <p:nvSpPr>
-          <p:cNvPr id="27" name="Rounded Rectangle 26">
-            <a:extLst>
-              <a:ext uri="{FF2B5EF4-FFF2-40B4-BE49-F238E27FC236}">
-                <a16:creationId xmlns:a16="http://schemas.microsoft.com/office/drawing/2014/main" id="{962C8CFA-59D0-4C48-B582-D20271227B1A}"/>
-              </a:ext>
-            </a:extLst>
-          </p:cNvPr>
-          <p:cNvSpPr/>
+      <p:grpSp>
+        <p:nvGrpSpPr>
+          <p:cNvPr id="3" name="Group 2">
+            <a:extLst>
+              <a:ext uri="{FF2B5EF4-FFF2-40B4-BE49-F238E27FC236}">
+                <a16:creationId xmlns:a16="http://schemas.microsoft.com/office/drawing/2014/main" id="{42982567-BB46-724E-885A-E2C0D7FAC603}"/>
+              </a:ext>
+            </a:extLst>
+          </p:cNvPr>
+          <p:cNvGrpSpPr/>
           <p:nvPr/>
-        </p:nvSpPr>
-        <p:spPr>
+        </p:nvGrpSpPr>
+        <p:grpSpPr>
           <a:xfrm>
-            <a:off x="9444624" y="6363222"/>
-            <a:ext cx="751562" cy="313151"/>
-          </a:xfrm>
-          <a:prstGeom prst="roundRect">
+            <a:off x="2993444" y="1076316"/>
+            <a:ext cx="1025259" cy="729336"/>
+            <a:chOff x="7216902" y="281431"/>
+            <a:chExt cx="751562" cy="729336"/>
+          </a:xfrm>
+        </p:grpSpPr>
+        <p:sp>
+          <p:nvSpPr>
+            <p:cNvPr id="4" name="Rounded Rectangle 3">
+              <a:extLst>
+                <a:ext uri="{FF2B5EF4-FFF2-40B4-BE49-F238E27FC236}">
+                  <a16:creationId xmlns:a16="http://schemas.microsoft.com/office/drawing/2014/main" id="{C0C46DFC-5DB2-1F46-92BF-5163C83D43BC}"/>
+                </a:ext>
+              </a:extLst>
+            </p:cNvPr>
+            <p:cNvSpPr/>
+            <p:nvPr/>
+          </p:nvSpPr>
+          <p:spPr>
+            <a:xfrm>
+              <a:off x="7216902" y="281431"/>
+              <a:ext cx="751562" cy="194442"/>
+            </a:xfrm>
+            <a:prstGeom prst="roundRect">
+              <a:avLst/>
+            </a:prstGeom>
+            <a:ln w="28575"/>
+          </p:spPr>
+          <p:style>
+            <a:lnRef idx="2">
+              <a:schemeClr val="accent1"/>
+            </a:lnRef>
+            <a:fillRef idx="1">
+              <a:schemeClr val="lt1"/>
+            </a:fillRef>
+            <a:effectRef idx="0">
+              <a:schemeClr val="accent1"/>
+            </a:effectRef>
+            <a:fontRef idx="minor">
+              <a:schemeClr val="dk1"/>
+            </a:fontRef>
+          </p:style>
+          <p:txBody>
+            <a:bodyPr rtlCol="0" anchor="ctr"/>
+            <a:lstStyle/>
+            <a:p>
+              <a:pPr algn="ctr"/>
+              <a:r>
+                <a:rPr lang="en-US" altLang="ko-KR" sz="1400" dirty="0"/>
+                <a:t>Folder</a:t>
+              </a:r>
+              <a:endParaRPr lang="en-US" sz="1400" dirty="0"/>
+            </a:p>
+          </p:txBody>
+        </p:sp>
+        <p:sp>
+          <p:nvSpPr>
+            <p:cNvPr id="5" name="Rounded Rectangle 4">
+              <a:extLst>
+                <a:ext uri="{FF2B5EF4-FFF2-40B4-BE49-F238E27FC236}">
+                  <a16:creationId xmlns:a16="http://schemas.microsoft.com/office/drawing/2014/main" id="{1C6854D0-121F-2846-841E-E6A79637D7CB}"/>
+                </a:ext>
+              </a:extLst>
+            </p:cNvPr>
+            <p:cNvSpPr/>
+            <p:nvPr/>
+          </p:nvSpPr>
+          <p:spPr>
+            <a:xfrm>
+              <a:off x="7216902" y="548878"/>
+              <a:ext cx="751562" cy="194442"/>
+            </a:xfrm>
+            <a:prstGeom prst="roundRect">
+              <a:avLst/>
+            </a:prstGeom>
+            <a:ln w="28575">
+              <a:solidFill>
+                <a:schemeClr val="accent2"/>
+              </a:solidFill>
+            </a:ln>
+          </p:spPr>
+          <p:style>
+            <a:lnRef idx="2">
+              <a:schemeClr val="accent1"/>
+            </a:lnRef>
+            <a:fillRef idx="1">
+              <a:schemeClr val="lt1"/>
+            </a:fillRef>
+            <a:effectRef idx="0">
+              <a:schemeClr val="accent1"/>
+            </a:effectRef>
+            <a:fontRef idx="minor">
+              <a:schemeClr val="dk1"/>
+            </a:fontRef>
+          </p:style>
+          <p:txBody>
+            <a:bodyPr rtlCol="0" anchor="ctr"/>
+            <a:lstStyle/>
+            <a:p>
+              <a:pPr algn="ctr"/>
+              <a:r>
+                <a:rPr lang="en-US" altLang="ko-KR" sz="1400" dirty="0"/>
+                <a:t>File</a:t>
+              </a:r>
+              <a:endParaRPr lang="en-US" sz="1400" dirty="0"/>
+            </a:p>
+          </p:txBody>
+        </p:sp>
+        <p:sp>
+          <p:nvSpPr>
+            <p:cNvPr id="6" name="Rounded Rectangle 5">
+              <a:extLst>
+                <a:ext uri="{FF2B5EF4-FFF2-40B4-BE49-F238E27FC236}">
+                  <a16:creationId xmlns:a16="http://schemas.microsoft.com/office/drawing/2014/main" id="{11974E57-87B5-1C43-A1AB-D4FD7B643CCF}"/>
+                </a:ext>
+              </a:extLst>
+            </p:cNvPr>
+            <p:cNvSpPr/>
+            <p:nvPr/>
+          </p:nvSpPr>
+          <p:spPr>
+            <a:xfrm>
+              <a:off x="7216902" y="816325"/>
+              <a:ext cx="751562" cy="194442"/>
+            </a:xfrm>
+            <a:prstGeom prst="roundRect">
+              <a:avLst/>
+            </a:prstGeom>
+            <a:ln w="28575">
+              <a:solidFill>
+                <a:schemeClr val="tx1"/>
+              </a:solidFill>
+            </a:ln>
+          </p:spPr>
+          <p:style>
+            <a:lnRef idx="2">
+              <a:schemeClr val="accent1"/>
+            </a:lnRef>
+            <a:fillRef idx="1">
+              <a:schemeClr val="lt1"/>
+            </a:fillRef>
+            <a:effectRef idx="0">
+              <a:schemeClr val="accent1"/>
+            </a:effectRef>
+            <a:fontRef idx="minor">
+              <a:schemeClr val="dk1"/>
+            </a:fontRef>
+          </p:style>
+          <p:txBody>
+            <a:bodyPr rtlCol="0" anchor="ctr"/>
+            <a:lstStyle/>
+            <a:p>
+              <a:pPr algn="ctr"/>
+              <a:r>
+                <a:rPr lang="en-US" altLang="ko-KR" sz="1400" dirty="0"/>
+                <a:t>Text field</a:t>
+              </a:r>
+              <a:endParaRPr lang="en-US" sz="1400" dirty="0"/>
+            </a:p>
+          </p:txBody>
+        </p:sp>
+      </p:grpSp>
+      <p:sp>
+        <p:nvSpPr>
+          <p:cNvPr id="7" name="TextBox 6">
+            <a:extLst>
+              <a:ext uri="{FF2B5EF4-FFF2-40B4-BE49-F238E27FC236}">
+                <a16:creationId xmlns:a16="http://schemas.microsoft.com/office/drawing/2014/main" id="{BEA6BC71-6FA5-7447-A684-5B275D64F68B}"/>
+              </a:ext>
+            </a:extLst>
+          </p:cNvPr>
+          <p:cNvSpPr txBox="1"/>
+          <p:nvPr/>
+        </p:nvSpPr>
+        <p:spPr>
+          <a:xfrm>
+            <a:off x="221569" y="193455"/>
+            <a:ext cx="3147657" cy="400110"/>
+          </a:xfrm>
+          <a:prstGeom prst="rect">
             <a:avLst/>
           </a:prstGeom>
-          <a:ln w="28575"/>
-        </p:spPr>
-        <p:style>
-          <a:lnRef idx="2">
-            <a:schemeClr val="accent1"/>
-          </a:lnRef>
-          <a:fillRef idx="1">
-            <a:schemeClr val="lt1"/>
-          </a:fillRef>
-          <a:effectRef idx="0">
-            <a:schemeClr val="accent1"/>
-          </a:effectRef>
-          <a:fontRef idx="minor">
-            <a:schemeClr val="dk1"/>
-          </a:fontRef>
-        </p:style>
-        <p:txBody>
-          <a:bodyPr rtlCol="0" anchor="ctr"/>
-          <a:lstStyle/>
-          <a:p>
-            <a:pPr algn="ctr"/>
-            <a:r>
-              <a:rPr lang="en-US" altLang="ko-KR" sz="1400" dirty="0"/>
-              <a:t>Folder</a:t>
-            </a:r>
-            <a:endParaRPr lang="en-US" sz="1400" dirty="0"/>
-          </a:p>
-        </p:txBody>
-      </p:sp>
-      <p:sp>
-        <p:nvSpPr>
-          <p:cNvPr id="28" name="Rounded Rectangle 27">
-            <a:extLst>
-              <a:ext uri="{FF2B5EF4-FFF2-40B4-BE49-F238E27FC236}">
-                <a16:creationId xmlns:a16="http://schemas.microsoft.com/office/drawing/2014/main" id="{E1B3A745-5709-E74E-875D-6DAE35534B8B}"/>
-              </a:ext>
-            </a:extLst>
-          </p:cNvPr>
-          <p:cNvSpPr/>
+          <a:noFill/>
+        </p:spPr>
+        <p:txBody>
+          <a:bodyPr wrap="none" rtlCol="0">
+            <a:spAutoFit/>
+          </a:bodyPr>
+          <a:lstStyle/>
+          <a:p>
+            <a:r>
+              <a:rPr lang="en-US" sz="2000" b="1" dirty="0"/>
+              <a:t>Processed Sample Directory</a:t>
+            </a:r>
+          </a:p>
+        </p:txBody>
+      </p:sp>
+      <p:sp>
+        <p:nvSpPr>
+          <p:cNvPr id="8" name="TextBox 7">
+            <a:extLst>
+              <a:ext uri="{FF2B5EF4-FFF2-40B4-BE49-F238E27FC236}">
+                <a16:creationId xmlns:a16="http://schemas.microsoft.com/office/drawing/2014/main" id="{FED7C377-7C6B-3C4A-8E00-293DB6954AC3}"/>
+              </a:ext>
+            </a:extLst>
+          </p:cNvPr>
+          <p:cNvSpPr txBox="1"/>
           <p:nvPr/>
         </p:nvSpPr>
         <p:spPr>
           <a:xfrm>
-            <a:off x="10333446" y="6363222"/>
-            <a:ext cx="751562" cy="313151"/>
-          </a:xfrm>
-          <a:prstGeom prst="roundRect">
+            <a:off x="8178025" y="445145"/>
+            <a:ext cx="1416670" cy="276999"/>
+          </a:xfrm>
+          <a:prstGeom prst="rect">
             <a:avLst/>
           </a:prstGeom>
-          <a:ln w="28575">
-            <a:solidFill>
-              <a:schemeClr val="accent2"/>
-            </a:solidFill>
-          </a:ln>
-        </p:spPr>
-        <p:style>
-          <a:lnRef idx="2">
-            <a:schemeClr val="accent1"/>
-          </a:lnRef>
-          <a:fillRef idx="1">
-            <a:schemeClr val="lt1"/>
-          </a:fillRef>
-          <a:effectRef idx="0">
-            <a:schemeClr val="accent1"/>
-          </a:effectRef>
-          <a:fontRef idx="minor">
-            <a:schemeClr val="dk1"/>
-          </a:fontRef>
-        </p:style>
-        <p:txBody>
-          <a:bodyPr rtlCol="0" anchor="ctr"/>
-          <a:lstStyle/>
-          <a:p>
-            <a:pPr algn="ctr"/>
-            <a:r>
-              <a:rPr lang="en-US" altLang="ko-KR" sz="1400" dirty="0"/>
-              <a:t>File</a:t>
-            </a:r>
-            <a:endParaRPr lang="en-US" sz="1400" dirty="0"/>
-          </a:p>
-        </p:txBody>
-      </p:sp>
-      <p:sp>
-        <p:nvSpPr>
-          <p:cNvPr id="29" name="Rounded Rectangle 28">
-            <a:extLst>
-              <a:ext uri="{FF2B5EF4-FFF2-40B4-BE49-F238E27FC236}">
-                <a16:creationId xmlns:a16="http://schemas.microsoft.com/office/drawing/2014/main" id="{6870567D-BCB4-2D40-9FEF-2A5CC62CE578}"/>
-              </a:ext>
-            </a:extLst>
-          </p:cNvPr>
-          <p:cNvSpPr/>
+          <a:noFill/>
+        </p:spPr>
+        <p:txBody>
+          <a:bodyPr wrap="none" rtlCol="0">
+            <a:spAutoFit/>
+          </a:bodyPr>
+          <a:lstStyle/>
+          <a:p>
+            <a:r>
+              <a:rPr lang="en-US" sz="1200" dirty="0"/>
+              <a:t>Sample information</a:t>
+            </a:r>
+          </a:p>
+        </p:txBody>
+      </p:sp>
+      <p:sp>
+        <p:nvSpPr>
+          <p:cNvPr id="9" name="TextBox 8">
+            <a:extLst>
+              <a:ext uri="{FF2B5EF4-FFF2-40B4-BE49-F238E27FC236}">
+                <a16:creationId xmlns:a16="http://schemas.microsoft.com/office/drawing/2014/main" id="{1CB3B0F9-BB95-1F4D-9AA7-C98A71E2AD81}"/>
+              </a:ext>
+            </a:extLst>
+          </p:cNvPr>
+          <p:cNvSpPr txBox="1"/>
           <p:nvPr/>
         </p:nvSpPr>
         <p:spPr>
           <a:xfrm>
-            <a:off x="11222268" y="6363222"/>
-            <a:ext cx="751562" cy="313151"/>
-          </a:xfrm>
-          <a:prstGeom prst="roundRect">
+            <a:off x="8173297" y="1240753"/>
+            <a:ext cx="1112420" cy="461665"/>
+          </a:xfrm>
+          <a:prstGeom prst="rect">
             <a:avLst/>
           </a:prstGeom>
-          <a:ln w="28575">
-            <a:solidFill>
-              <a:schemeClr val="tx1"/>
-            </a:solidFill>
-          </a:ln>
-        </p:spPr>
-        <p:style>
-          <a:lnRef idx="2">
-            <a:schemeClr val="accent1"/>
-          </a:lnRef>
-          <a:fillRef idx="1">
-            <a:schemeClr val="lt1"/>
-          </a:fillRef>
-          <a:effectRef idx="0">
-            <a:schemeClr val="accent1"/>
-          </a:effectRef>
-          <a:fontRef idx="minor">
-            <a:schemeClr val="dk1"/>
-          </a:fontRef>
-        </p:style>
-        <p:txBody>
-          <a:bodyPr rtlCol="0" anchor="ctr"/>
-          <a:lstStyle/>
-          <a:p>
-            <a:pPr algn="ctr"/>
-            <a:r>
-              <a:rPr lang="en-US" altLang="ko-KR" sz="1400" dirty="0"/>
-              <a:t>Text</a:t>
-            </a:r>
-            <a:endParaRPr lang="en-US" sz="1400" dirty="0"/>
+          <a:noFill/>
+        </p:spPr>
+        <p:txBody>
+          <a:bodyPr wrap="none" rtlCol="0">
+            <a:spAutoFit/>
+          </a:bodyPr>
+          <a:lstStyle/>
+          <a:p>
+            <a:r>
+              <a:rPr lang="en-US" sz="1200" dirty="0"/>
+              <a:t>Quality control</a:t>
+            </a:r>
+          </a:p>
+          <a:p>
+            <a:r>
+              <a:rPr lang="en-US" sz="1200" dirty="0"/>
+              <a:t>&amp; k-mer bias</a:t>
+            </a:r>
+          </a:p>
+        </p:txBody>
+      </p:sp>
+      <p:sp>
+        <p:nvSpPr>
+          <p:cNvPr id="10" name="TextBox 9">
+            <a:extLst>
+              <a:ext uri="{FF2B5EF4-FFF2-40B4-BE49-F238E27FC236}">
+                <a16:creationId xmlns:a16="http://schemas.microsoft.com/office/drawing/2014/main" id="{64A27E09-6F76-564E-BCD7-6FF7069ABD88}"/>
+              </a:ext>
+            </a:extLst>
+          </p:cNvPr>
+          <p:cNvSpPr txBox="1"/>
+          <p:nvPr/>
+        </p:nvSpPr>
+        <p:spPr>
+          <a:xfrm>
+            <a:off x="8173297" y="2100382"/>
+            <a:ext cx="1241237" cy="276999"/>
+          </a:xfrm>
+          <a:prstGeom prst="rect">
+            <a:avLst/>
+          </a:prstGeom>
+          <a:noFill/>
+        </p:spPr>
+        <p:txBody>
+          <a:bodyPr wrap="none" rtlCol="0">
+            <a:spAutoFit/>
+          </a:bodyPr>
+          <a:lstStyle/>
+          <a:p>
+            <a:r>
+              <a:rPr lang="en-US" sz="1200" dirty="0"/>
+              <a:t>Fragment groups</a:t>
+            </a:r>
+          </a:p>
+        </p:txBody>
+      </p:sp>
+      <p:sp>
+        <p:nvSpPr>
+          <p:cNvPr id="11" name="TextBox 10">
+            <a:extLst>
+              <a:ext uri="{FF2B5EF4-FFF2-40B4-BE49-F238E27FC236}">
+                <a16:creationId xmlns:a16="http://schemas.microsoft.com/office/drawing/2014/main" id="{C84EFE1F-2F6E-E741-A962-E3A1224E17B9}"/>
+              </a:ext>
+            </a:extLst>
+          </p:cNvPr>
+          <p:cNvSpPr txBox="1"/>
+          <p:nvPr/>
+        </p:nvSpPr>
+        <p:spPr>
+          <a:xfrm>
+            <a:off x="8173297" y="2595208"/>
+            <a:ext cx="1444819" cy="276999"/>
+          </a:xfrm>
+          <a:prstGeom prst="rect">
+            <a:avLst/>
+          </a:prstGeom>
+          <a:noFill/>
+        </p:spPr>
+        <p:txBody>
+          <a:bodyPr wrap="none" rtlCol="0">
+            <a:spAutoFit/>
+          </a:bodyPr>
+          <a:lstStyle/>
+          <a:p>
+            <a:r>
+              <a:rPr lang="en-US" sz="1200" dirty="0"/>
+              <a:t>Homer tag directory</a:t>
+            </a:r>
+          </a:p>
+        </p:txBody>
+      </p:sp>
+      <p:sp>
+        <p:nvSpPr>
+          <p:cNvPr id="12" name="TextBox 11">
+            <a:extLst>
+              <a:ext uri="{FF2B5EF4-FFF2-40B4-BE49-F238E27FC236}">
+                <a16:creationId xmlns:a16="http://schemas.microsoft.com/office/drawing/2014/main" id="{D0D7838D-8D58-D043-9B8A-1EF1B124A206}"/>
+              </a:ext>
+            </a:extLst>
+          </p:cNvPr>
+          <p:cNvSpPr txBox="1"/>
+          <p:nvPr/>
+        </p:nvSpPr>
+        <p:spPr>
+          <a:xfrm>
+            <a:off x="8173297" y="3231837"/>
+            <a:ext cx="2419830" cy="276999"/>
+          </a:xfrm>
+          <a:prstGeom prst="rect">
+            <a:avLst/>
+          </a:prstGeom>
+          <a:noFill/>
+        </p:spPr>
+        <p:txBody>
+          <a:bodyPr wrap="none" rtlCol="0">
+            <a:spAutoFit/>
+          </a:bodyPr>
+          <a:lstStyle/>
+          <a:p>
+            <a:r>
+              <a:rPr lang="en-US" sz="1200" dirty="0"/>
+              <a:t>TF peak calling using NFR fragments</a:t>
+            </a:r>
+          </a:p>
+        </p:txBody>
+      </p:sp>
+      <p:sp>
+        <p:nvSpPr>
+          <p:cNvPr id="13" name="TextBox 12">
+            <a:extLst>
+              <a:ext uri="{FF2B5EF4-FFF2-40B4-BE49-F238E27FC236}">
+                <a16:creationId xmlns:a16="http://schemas.microsoft.com/office/drawing/2014/main" id="{F016CF88-CEB8-B840-9C06-CB1032318315}"/>
+              </a:ext>
+            </a:extLst>
+          </p:cNvPr>
+          <p:cNvSpPr txBox="1"/>
+          <p:nvPr/>
+        </p:nvSpPr>
+        <p:spPr>
+          <a:xfrm>
+            <a:off x="8189923" y="3732224"/>
+            <a:ext cx="1432123" cy="276999"/>
+          </a:xfrm>
+          <a:prstGeom prst="rect">
+            <a:avLst/>
+          </a:prstGeom>
+          <a:noFill/>
+        </p:spPr>
+        <p:txBody>
+          <a:bodyPr wrap="none" rtlCol="0">
+            <a:spAutoFit/>
+          </a:bodyPr>
+          <a:lstStyle/>
+          <a:p>
+            <a:r>
+              <a:rPr lang="en-US" sz="1200" dirty="0"/>
+              <a:t>Histone peak calling</a:t>
+            </a:r>
+          </a:p>
+        </p:txBody>
+      </p:sp>
+      <p:sp>
+        <p:nvSpPr>
+          <p:cNvPr id="14" name="TextBox 13">
+            <a:extLst>
+              <a:ext uri="{FF2B5EF4-FFF2-40B4-BE49-F238E27FC236}">
+                <a16:creationId xmlns:a16="http://schemas.microsoft.com/office/drawing/2014/main" id="{C8A4BF9D-5AF7-DE47-9ACE-DE5BE8EA74CA}"/>
+              </a:ext>
+            </a:extLst>
+          </p:cNvPr>
+          <p:cNvSpPr txBox="1"/>
+          <p:nvPr/>
+        </p:nvSpPr>
+        <p:spPr>
+          <a:xfrm>
+            <a:off x="8189923" y="4430245"/>
+            <a:ext cx="2310825" cy="276999"/>
+          </a:xfrm>
+          <a:prstGeom prst="rect">
+            <a:avLst/>
+          </a:prstGeom>
+          <a:noFill/>
+        </p:spPr>
+        <p:txBody>
+          <a:bodyPr wrap="none" rtlCol="0">
+            <a:spAutoFit/>
+          </a:bodyPr>
+          <a:lstStyle/>
+          <a:p>
+            <a:r>
+              <a:rPr lang="en-US" sz="1200" dirty="0"/>
+              <a:t>TF peak calling using all fragments</a:t>
+            </a:r>
+          </a:p>
+        </p:txBody>
+      </p:sp>
+      <p:sp>
+        <p:nvSpPr>
+          <p:cNvPr id="15" name="TextBox 14">
+            <a:extLst>
+              <a:ext uri="{FF2B5EF4-FFF2-40B4-BE49-F238E27FC236}">
+                <a16:creationId xmlns:a16="http://schemas.microsoft.com/office/drawing/2014/main" id="{5FE837FD-B554-E64E-ADAD-4781FAC168D7}"/>
+              </a:ext>
+            </a:extLst>
+          </p:cNvPr>
+          <p:cNvSpPr txBox="1"/>
+          <p:nvPr/>
+        </p:nvSpPr>
+        <p:spPr>
+          <a:xfrm>
+            <a:off x="8173297" y="4794590"/>
+            <a:ext cx="1935210" cy="461665"/>
+          </a:xfrm>
+          <a:prstGeom prst="rect">
+            <a:avLst/>
+          </a:prstGeom>
+          <a:noFill/>
+        </p:spPr>
+        <p:txBody>
+          <a:bodyPr wrap="none" rtlCol="0">
+            <a:spAutoFit/>
+          </a:bodyPr>
+          <a:lstStyle/>
+          <a:p>
+            <a:r>
+              <a:rPr lang="en-US" sz="1200" dirty="0"/>
+              <a:t>bigwig file (resized) using</a:t>
+            </a:r>
+          </a:p>
+          <a:p>
+            <a:r>
+              <a:rPr lang="en-US" sz="1200" dirty="0"/>
+              <a:t>distinct groups of fragments</a:t>
+            </a:r>
+          </a:p>
+        </p:txBody>
+      </p:sp>
+      <p:sp>
+        <p:nvSpPr>
+          <p:cNvPr id="16" name="TextBox 15">
+            <a:extLst>
+              <a:ext uri="{FF2B5EF4-FFF2-40B4-BE49-F238E27FC236}">
+                <a16:creationId xmlns:a16="http://schemas.microsoft.com/office/drawing/2014/main" id="{02E4E861-AFD4-6448-8592-214DAA32AE5B}"/>
+              </a:ext>
+            </a:extLst>
+          </p:cNvPr>
+          <p:cNvSpPr txBox="1"/>
+          <p:nvPr/>
+        </p:nvSpPr>
+        <p:spPr>
+          <a:xfrm>
+            <a:off x="8173297" y="5340248"/>
+            <a:ext cx="1683474" cy="276999"/>
+          </a:xfrm>
+          <a:prstGeom prst="rect">
+            <a:avLst/>
+          </a:prstGeom>
+          <a:noFill/>
+        </p:spPr>
+        <p:txBody>
+          <a:bodyPr wrap="none" rtlCol="0">
+            <a:spAutoFit/>
+          </a:bodyPr>
+          <a:lstStyle/>
+          <a:p>
+            <a:r>
+              <a:rPr lang="en-US" sz="1200" dirty="0"/>
+              <a:t>bigwig file (5’-ends 1bp)</a:t>
+            </a:r>
+          </a:p>
+        </p:txBody>
+      </p:sp>
+      <p:sp>
+        <p:nvSpPr>
+          <p:cNvPr id="17" name="TextBox 16">
+            <a:extLst>
+              <a:ext uri="{FF2B5EF4-FFF2-40B4-BE49-F238E27FC236}">
+                <a16:creationId xmlns:a16="http://schemas.microsoft.com/office/drawing/2014/main" id="{53894847-0F70-D345-8C68-2E62E1AE8BCA}"/>
+              </a:ext>
+            </a:extLst>
+          </p:cNvPr>
+          <p:cNvSpPr txBox="1"/>
+          <p:nvPr/>
+        </p:nvSpPr>
+        <p:spPr>
+          <a:xfrm>
+            <a:off x="8173297" y="5812713"/>
+            <a:ext cx="2533322" cy="276999"/>
+          </a:xfrm>
+          <a:prstGeom prst="rect">
+            <a:avLst/>
+          </a:prstGeom>
+          <a:noFill/>
+        </p:spPr>
+        <p:txBody>
+          <a:bodyPr wrap="none" rtlCol="0">
+            <a:spAutoFit/>
+          </a:bodyPr>
+          <a:lstStyle/>
+          <a:p>
+            <a:r>
+              <a:rPr lang="en-US" sz="1200" dirty="0"/>
+              <a:t>bigwig file using all original fragments</a:t>
+            </a:r>
+          </a:p>
+        </p:txBody>
+      </p:sp>
+      <p:sp>
+        <p:nvSpPr>
+          <p:cNvPr id="18" name="TextBox 17">
+            <a:extLst>
+              <a:ext uri="{FF2B5EF4-FFF2-40B4-BE49-F238E27FC236}">
+                <a16:creationId xmlns:a16="http://schemas.microsoft.com/office/drawing/2014/main" id="{6CF62DB2-052A-314B-9366-E09A352D74B8}"/>
+              </a:ext>
+            </a:extLst>
+          </p:cNvPr>
+          <p:cNvSpPr txBox="1"/>
+          <p:nvPr/>
+        </p:nvSpPr>
+        <p:spPr>
+          <a:xfrm>
+            <a:off x="8173297" y="6285179"/>
+            <a:ext cx="2024593" cy="276999"/>
+          </a:xfrm>
+          <a:prstGeom prst="rect">
+            <a:avLst/>
+          </a:prstGeom>
+          <a:noFill/>
+        </p:spPr>
+        <p:txBody>
+          <a:bodyPr wrap="none" rtlCol="0">
+            <a:spAutoFit/>
+          </a:bodyPr>
+          <a:lstStyle/>
+          <a:p>
+            <a:r>
+              <a:rPr lang="en-US" sz="1200" dirty="0"/>
+              <a:t>fragment center x length file</a:t>
+            </a:r>
+          </a:p>
+        </p:txBody>
+      </p:sp>
+      <p:sp>
+        <p:nvSpPr>
+          <p:cNvPr id="21" name="TextBox 20">
+            <a:extLst>
+              <a:ext uri="{FF2B5EF4-FFF2-40B4-BE49-F238E27FC236}">
+                <a16:creationId xmlns:a16="http://schemas.microsoft.com/office/drawing/2014/main" id="{2BEECC53-D832-7C40-BB15-7B84739A8BC2}"/>
+              </a:ext>
+            </a:extLst>
+          </p:cNvPr>
+          <p:cNvSpPr txBox="1"/>
+          <p:nvPr/>
+        </p:nvSpPr>
+        <p:spPr>
+          <a:xfrm>
+            <a:off x="380302" y="5458518"/>
+            <a:ext cx="3909853" cy="923330"/>
+          </a:xfrm>
+          <a:prstGeom prst="rect">
+            <a:avLst/>
+          </a:prstGeom>
+          <a:noFill/>
+        </p:spPr>
+        <p:txBody>
+          <a:bodyPr wrap="none" rtlCol="0">
+            <a:spAutoFit/>
+          </a:bodyPr>
+          <a:lstStyle/>
+          <a:p>
+            <a:pPr marL="285750" indent="-285750">
+              <a:buFontTx/>
+              <a:buChar char="-"/>
+            </a:pPr>
+            <a:r>
+              <a:rPr lang="en-US" dirty="0"/>
+              <a:t>Still exploring phase for best analysis</a:t>
+            </a:r>
+          </a:p>
+          <a:p>
+            <a:pPr marL="285750" indent="-285750">
+              <a:buFontTx/>
+              <a:buChar char="-"/>
+            </a:pPr>
+            <a:r>
+              <a:rPr lang="en-US" dirty="0"/>
+              <a:t>Overlap &amp; redundancy</a:t>
+            </a:r>
+          </a:p>
+          <a:p>
+            <a:pPr marL="285750" indent="-285750">
+              <a:buFontTx/>
+              <a:buChar char="-"/>
+            </a:pPr>
+            <a:r>
+              <a:rPr lang="en-US" dirty="0"/>
+              <a:t>Can be more concise</a:t>
+            </a:r>
           </a:p>
         </p:txBody>
       </p:sp>
     </p:spTree>
     <p:extLst>
       <p:ext uri="{BB962C8B-B14F-4D97-AF65-F5344CB8AC3E}">
-        <p14:creationId xmlns:p14="http://schemas.microsoft.com/office/powerpoint/2010/main" val="624347621"/>
+        <p14:creationId xmlns:p14="http://schemas.microsoft.com/office/powerpoint/2010/main" val="1763736869"/>
+      </p:ext>
+    </p:extLst>
+  </p:cSld>
+  <p:clrMapOvr>
+    <a:masterClrMapping/>
+  </p:clrMapOvr>
+</p:sld>
+</file>
+
+<file path=ppt/slides/slide6.xml><?xml version="1.0" encoding="utf-8"?>
+<p:sld xmlns:a="http://schemas.openxmlformats.org/drawingml/2006/main" xmlns:r="http://schemas.openxmlformats.org/officeDocument/2006/relationships" xmlns:p="http://schemas.openxmlformats.org/presentationml/2006/main">
+  <p:cSld>
+    <p:spTree>
+      <p:nvGrpSpPr>
+        <p:cNvPr id="1" name=""/>
+        <p:cNvGrpSpPr/>
+        <p:nvPr/>
+      </p:nvGrpSpPr>
+      <p:grpSpPr>
+        <a:xfrm>
+          <a:off x="0" y="0"/>
+          <a:ext cx="0" cy="0"/>
+          <a:chOff x="0" y="0"/>
+          <a:chExt cx="0" cy="0"/>
+        </a:xfrm>
+      </p:grpSpPr>
+      <p:sp>
+        <p:nvSpPr>
+          <p:cNvPr id="2" name="Title 1">
+            <a:extLst>
+              <a:ext uri="{FF2B5EF4-FFF2-40B4-BE49-F238E27FC236}">
+                <a16:creationId xmlns:a16="http://schemas.microsoft.com/office/drawing/2014/main" id="{D20B8484-315E-3F4E-BC16-8E1FACD2892A}"/>
+              </a:ext>
+            </a:extLst>
+          </p:cNvPr>
+          <p:cNvSpPr>
+            <a:spLocks noGrp="1"/>
+          </p:cNvSpPr>
+          <p:nvPr>
+            <p:ph type="title"/>
+          </p:nvPr>
+        </p:nvSpPr>
+        <p:spPr/>
+        <p:txBody>
+          <a:bodyPr/>
+          <a:lstStyle/>
+          <a:p>
+            <a:endParaRPr lang="en-US" dirty="0"/>
+          </a:p>
+        </p:txBody>
+      </p:sp>
+      <p:sp>
+        <p:nvSpPr>
+          <p:cNvPr id="3" name="Content Placeholder 2">
+            <a:extLst>
+              <a:ext uri="{FF2B5EF4-FFF2-40B4-BE49-F238E27FC236}">
+                <a16:creationId xmlns:a16="http://schemas.microsoft.com/office/drawing/2014/main" id="{410B95BE-D594-C947-900D-D12FE954DC41}"/>
+              </a:ext>
+            </a:extLst>
+          </p:cNvPr>
+          <p:cNvSpPr>
+            <a:spLocks noGrp="1"/>
+          </p:cNvSpPr>
+          <p:nvPr>
+            <p:ph idx="1"/>
+          </p:nvPr>
+        </p:nvSpPr>
+        <p:spPr/>
+        <p:txBody>
+          <a:bodyPr/>
+          <a:lstStyle/>
+          <a:p>
+            <a:endParaRPr lang="en-US" dirty="0"/>
+          </a:p>
+        </p:txBody>
+      </p:sp>
+    </p:spTree>
+    <p:extLst>
+      <p:ext uri="{BB962C8B-B14F-4D97-AF65-F5344CB8AC3E}">
+        <p14:creationId xmlns:p14="http://schemas.microsoft.com/office/powerpoint/2010/main" val="1900252905"/>
       </p:ext>
     </p:extLst>
   </p:cSld>

--- a/Plan/schema.pptx
+++ b/Plan/schema.pptx
@@ -264,7 +264,7 @@
           <a:p>
             <a:fld id="{E1A2546D-C337-864E-97E4-436D2A8FC99A}" type="datetimeFigureOut">
               <a:rPr lang="en-US" smtClean="0"/>
-              <a:t>7/30/20</a:t>
+              <a:t>7/31/20</a:t>
             </a:fld>
             <a:endParaRPr lang="en-US"/>
           </a:p>
@@ -462,7 +462,7 @@
           <a:p>
             <a:fld id="{E1A2546D-C337-864E-97E4-436D2A8FC99A}" type="datetimeFigureOut">
               <a:rPr lang="en-US" smtClean="0"/>
-              <a:t>7/30/20</a:t>
+              <a:t>7/31/20</a:t>
             </a:fld>
             <a:endParaRPr lang="en-US"/>
           </a:p>
@@ -670,7 +670,7 @@
           <a:p>
             <a:fld id="{E1A2546D-C337-864E-97E4-436D2A8FC99A}" type="datetimeFigureOut">
               <a:rPr lang="en-US" smtClean="0"/>
-              <a:t>7/30/20</a:t>
+              <a:t>7/31/20</a:t>
             </a:fld>
             <a:endParaRPr lang="en-US"/>
           </a:p>
@@ -868,7 +868,7 @@
           <a:p>
             <a:fld id="{E1A2546D-C337-864E-97E4-436D2A8FC99A}" type="datetimeFigureOut">
               <a:rPr lang="en-US" smtClean="0"/>
-              <a:t>7/30/20</a:t>
+              <a:t>7/31/20</a:t>
             </a:fld>
             <a:endParaRPr lang="en-US"/>
           </a:p>
@@ -1143,7 +1143,7 @@
           <a:p>
             <a:fld id="{E1A2546D-C337-864E-97E4-436D2A8FC99A}" type="datetimeFigureOut">
               <a:rPr lang="en-US" smtClean="0"/>
-              <a:t>7/30/20</a:t>
+              <a:t>7/31/20</a:t>
             </a:fld>
             <a:endParaRPr lang="en-US"/>
           </a:p>
@@ -1408,7 +1408,7 @@
           <a:p>
             <a:fld id="{E1A2546D-C337-864E-97E4-436D2A8FC99A}" type="datetimeFigureOut">
               <a:rPr lang="en-US" smtClean="0"/>
-              <a:t>7/30/20</a:t>
+              <a:t>7/31/20</a:t>
             </a:fld>
             <a:endParaRPr lang="en-US"/>
           </a:p>
@@ -1820,7 +1820,7 @@
           <a:p>
             <a:fld id="{E1A2546D-C337-864E-97E4-436D2A8FC99A}" type="datetimeFigureOut">
               <a:rPr lang="en-US" smtClean="0"/>
-              <a:t>7/30/20</a:t>
+              <a:t>7/31/20</a:t>
             </a:fld>
             <a:endParaRPr lang="en-US"/>
           </a:p>
@@ -1961,7 +1961,7 @@
           <a:p>
             <a:fld id="{E1A2546D-C337-864E-97E4-436D2A8FC99A}" type="datetimeFigureOut">
               <a:rPr lang="en-US" smtClean="0"/>
-              <a:t>7/30/20</a:t>
+              <a:t>7/31/20</a:t>
             </a:fld>
             <a:endParaRPr lang="en-US"/>
           </a:p>
@@ -2074,7 +2074,7 @@
           <a:p>
             <a:fld id="{E1A2546D-C337-864E-97E4-436D2A8FC99A}" type="datetimeFigureOut">
               <a:rPr lang="en-US" smtClean="0"/>
-              <a:t>7/30/20</a:t>
+              <a:t>7/31/20</a:t>
             </a:fld>
             <a:endParaRPr lang="en-US"/>
           </a:p>
@@ -2385,7 +2385,7 @@
           <a:p>
             <a:fld id="{E1A2546D-C337-864E-97E4-436D2A8FC99A}" type="datetimeFigureOut">
               <a:rPr lang="en-US" smtClean="0"/>
-              <a:t>7/30/20</a:t>
+              <a:t>7/31/20</a:t>
             </a:fld>
             <a:endParaRPr lang="en-US"/>
           </a:p>
@@ -2673,7 +2673,7 @@
           <a:p>
             <a:fld id="{E1A2546D-C337-864E-97E4-436D2A8FC99A}" type="datetimeFigureOut">
               <a:rPr lang="en-US" smtClean="0"/>
-              <a:t>7/30/20</a:t>
+              <a:t>7/31/20</a:t>
             </a:fld>
             <a:endParaRPr lang="en-US"/>
           </a:p>
@@ -2914,7 +2914,7 @@
           <a:p>
             <a:fld id="{E1A2546D-C337-864E-97E4-436D2A8FC99A}" type="datetimeFigureOut">
               <a:rPr lang="en-US" smtClean="0"/>
-              <a:t>7/30/20</a:t>
+              <a:t>7/31/20</a:t>
             </a:fld>
             <a:endParaRPr lang="en-US"/>
           </a:p>
@@ -3713,10 +3713,15 @@
             <p:ph idx="1"/>
           </p:nvPr>
         </p:nvSpPr>
-        <p:spPr/>
+        <p:spPr>
+          <a:xfrm>
+            <a:off x="838200" y="1524000"/>
+            <a:ext cx="10515600" cy="4968875"/>
+          </a:xfrm>
+        </p:spPr>
         <p:txBody>
           <a:bodyPr>
-            <a:normAutofit fontScale="62500" lnSpcReduction="20000"/>
+            <a:normAutofit fontScale="70000" lnSpcReduction="20000"/>
           </a:bodyPr>
           <a:lstStyle/>
           <a:p>
@@ -3814,6 +3819,13 @@
           <a:p>
             <a:pPr lvl="1"/>
             <a:r>
+              <a:rPr lang="en-US" dirty="0"/>
+              <a:t>How to share our tool effectively with others?</a:t>
+            </a:r>
+          </a:p>
+          <a:p>
+            <a:pPr lvl="1"/>
+            <a:r>
               <a:rPr lang="en-US" dirty="0" err="1"/>
               <a:t>Conda</a:t>
             </a:r>
@@ -3836,13 +3848,8 @@
             <a:pPr lvl="1"/>
             <a:r>
               <a:rPr lang="en-US" dirty="0"/>
-              <a:t>Other than histone modification from histone CUT&amp;</a:t>
-            </a:r>
-            <a:r>
-              <a:rPr lang="en-US"/>
-              <a:t>RUN?</a:t>
-            </a:r>
-            <a:endParaRPr lang="en-US" dirty="0"/>
+              <a:t>Other than histone modification from histone CUT&amp;RUN?</a:t>
+            </a:r>
           </a:p>
         </p:txBody>
       </p:sp>

--- a/Plan/schema.pptx
+++ b/Plan/schema.pptx
@@ -11,6 +11,7 @@
     <p:sldId id="256" r:id="rId5"/>
     <p:sldId id="257" r:id="rId6"/>
     <p:sldId id="262" r:id="rId7"/>
+    <p:sldId id="263" r:id="rId8"/>
   </p:sldIdLst>
   <p:sldSz cx="12192000" cy="6858000"/>
   <p:notesSz cx="6858000" cy="9144000"/>
@@ -264,7 +265,7 @@
           <a:p>
             <a:fld id="{E1A2546D-C337-864E-97E4-436D2A8FC99A}" type="datetimeFigureOut">
               <a:rPr lang="en-US" smtClean="0"/>
-              <a:t>7/31/20</a:t>
+              <a:t>8/6/20</a:t>
             </a:fld>
             <a:endParaRPr lang="en-US"/>
           </a:p>
@@ -462,7 +463,7 @@
           <a:p>
             <a:fld id="{E1A2546D-C337-864E-97E4-436D2A8FC99A}" type="datetimeFigureOut">
               <a:rPr lang="en-US" smtClean="0"/>
-              <a:t>7/31/20</a:t>
+              <a:t>8/6/20</a:t>
             </a:fld>
             <a:endParaRPr lang="en-US"/>
           </a:p>
@@ -670,7 +671,7 @@
           <a:p>
             <a:fld id="{E1A2546D-C337-864E-97E4-436D2A8FC99A}" type="datetimeFigureOut">
               <a:rPr lang="en-US" smtClean="0"/>
-              <a:t>7/31/20</a:t>
+              <a:t>8/6/20</a:t>
             </a:fld>
             <a:endParaRPr lang="en-US"/>
           </a:p>
@@ -868,7 +869,7 @@
           <a:p>
             <a:fld id="{E1A2546D-C337-864E-97E4-436D2A8FC99A}" type="datetimeFigureOut">
               <a:rPr lang="en-US" smtClean="0"/>
-              <a:t>7/31/20</a:t>
+              <a:t>8/6/20</a:t>
             </a:fld>
             <a:endParaRPr lang="en-US"/>
           </a:p>
@@ -1143,7 +1144,7 @@
           <a:p>
             <a:fld id="{E1A2546D-C337-864E-97E4-436D2A8FC99A}" type="datetimeFigureOut">
               <a:rPr lang="en-US" smtClean="0"/>
-              <a:t>7/31/20</a:t>
+              <a:t>8/6/20</a:t>
             </a:fld>
             <a:endParaRPr lang="en-US"/>
           </a:p>
@@ -1408,7 +1409,7 @@
           <a:p>
             <a:fld id="{E1A2546D-C337-864E-97E4-436D2A8FC99A}" type="datetimeFigureOut">
               <a:rPr lang="en-US" smtClean="0"/>
-              <a:t>7/31/20</a:t>
+              <a:t>8/6/20</a:t>
             </a:fld>
             <a:endParaRPr lang="en-US"/>
           </a:p>
@@ -1820,7 +1821,7 @@
           <a:p>
             <a:fld id="{E1A2546D-C337-864E-97E4-436D2A8FC99A}" type="datetimeFigureOut">
               <a:rPr lang="en-US" smtClean="0"/>
-              <a:t>7/31/20</a:t>
+              <a:t>8/6/20</a:t>
             </a:fld>
             <a:endParaRPr lang="en-US"/>
           </a:p>
@@ -1961,7 +1962,7 @@
           <a:p>
             <a:fld id="{E1A2546D-C337-864E-97E4-436D2A8FC99A}" type="datetimeFigureOut">
               <a:rPr lang="en-US" smtClean="0"/>
-              <a:t>7/31/20</a:t>
+              <a:t>8/6/20</a:t>
             </a:fld>
             <a:endParaRPr lang="en-US"/>
           </a:p>
@@ -2074,7 +2075,7 @@
           <a:p>
             <a:fld id="{E1A2546D-C337-864E-97E4-436D2A8FC99A}" type="datetimeFigureOut">
               <a:rPr lang="en-US" smtClean="0"/>
-              <a:t>7/31/20</a:t>
+              <a:t>8/6/20</a:t>
             </a:fld>
             <a:endParaRPr lang="en-US"/>
           </a:p>
@@ -2385,7 +2386,7 @@
           <a:p>
             <a:fld id="{E1A2546D-C337-864E-97E4-436D2A8FC99A}" type="datetimeFigureOut">
               <a:rPr lang="en-US" smtClean="0"/>
-              <a:t>7/31/20</a:t>
+              <a:t>8/6/20</a:t>
             </a:fld>
             <a:endParaRPr lang="en-US"/>
           </a:p>
@@ -2673,7 +2674,7 @@
           <a:p>
             <a:fld id="{E1A2546D-C337-864E-97E4-436D2A8FC99A}" type="datetimeFigureOut">
               <a:rPr lang="en-US" smtClean="0"/>
-              <a:t>7/31/20</a:t>
+              <a:t>8/6/20</a:t>
             </a:fld>
             <a:endParaRPr lang="en-US"/>
           </a:p>
@@ -2914,7 +2915,7 @@
           <a:p>
             <a:fld id="{E1A2546D-C337-864E-97E4-436D2A8FC99A}" type="datetimeFigureOut">
               <a:rPr lang="en-US" smtClean="0"/>
-              <a:t>7/31/20</a:t>
+              <a:t>8/6/20</a:t>
             </a:fld>
             <a:endParaRPr lang="en-US"/>
           </a:p>
@@ -4291,7 +4292,7 @@
         </p:nvSpPr>
         <p:spPr>
           <a:xfrm>
-            <a:off x="3677791" y="2404865"/>
+            <a:off x="3677791" y="1830357"/>
             <a:ext cx="1969325" cy="365259"/>
           </a:xfrm>
           <a:prstGeom prst="roundRect">
@@ -4346,8 +4347,8 @@
         </p:nvSpPr>
         <p:spPr>
           <a:xfrm>
-            <a:off x="3677791" y="1863007"/>
-            <a:ext cx="1969325" cy="365259"/>
+            <a:off x="4900535" y="2429818"/>
+            <a:ext cx="1790295" cy="365259"/>
           </a:xfrm>
           <a:prstGeom prst="roundRect">
             <a:avLst/>
@@ -4375,14 +4376,7 @@
             <a:pPr algn="ctr"/>
             <a:r>
               <a:rPr lang="en-US" sz="1200" dirty="0"/>
-              <a:t>*Nucleotide base frequency</a:t>
-            </a:r>
-          </a:p>
-          <a:p>
-            <a:pPr algn="ctr"/>
-            <a:r>
-              <a:rPr lang="en-US" sz="1200" dirty="0"/>
-              <a:t>at 5’-ends of reads</a:t>
+              <a:t>Nucleotide base frequency at frag. ends</a:t>
             </a:r>
           </a:p>
         </p:txBody>
@@ -4398,17 +4392,17 @@
           </p:cNvPr>
           <p:cNvCxnSpPr>
             <a:cxnSpLocks/>
-            <a:stCxn id="16" idx="3"/>
+            <a:stCxn id="12" idx="2"/>
             <a:endCxn id="33" idx="1"/>
           </p:cNvCxnSpPr>
           <p:nvPr/>
         </p:nvCxnSpPr>
         <p:spPr>
-          <a:xfrm flipV="1">
-            <a:off x="3117176" y="2045637"/>
-            <a:ext cx="560615" cy="2560202"/>
-          </a:xfrm>
-          <a:prstGeom prst="bentConnector3">
+          <a:xfrm rot="16200000" flipH="1">
+            <a:off x="4573078" y="2284991"/>
+            <a:ext cx="416832" cy="238081"/>
+          </a:xfrm>
+          <a:prstGeom prst="bentConnector2">
             <a:avLst/>
           </a:prstGeom>
           <a:ln>
@@ -4448,8 +4442,8 @@
         </p:nvCxnSpPr>
         <p:spPr>
           <a:xfrm flipV="1">
-            <a:off x="3117176" y="2587495"/>
-            <a:ext cx="560615" cy="2018344"/>
+            <a:off x="3117176" y="2012987"/>
+            <a:ext cx="560615" cy="2592852"/>
           </a:xfrm>
           <a:prstGeom prst="bentConnector3">
             <a:avLst>
@@ -4793,8 +4787,8 @@
         </p:nvCxnSpPr>
         <p:spPr>
           <a:xfrm rot="16200000" flipH="1">
-            <a:off x="4344188" y="3088390"/>
-            <a:ext cx="874617" cy="238084"/>
+            <a:off x="4056934" y="2801136"/>
+            <a:ext cx="1449125" cy="238084"/>
           </a:xfrm>
           <a:prstGeom prst="bentConnector2">
             <a:avLst/>
@@ -4836,8 +4830,8 @@
         </p:nvCxnSpPr>
         <p:spPr>
           <a:xfrm rot="16200000" flipH="1">
-            <a:off x="4101373" y="3331205"/>
-            <a:ext cx="1360246" cy="238084"/>
+            <a:off x="3814119" y="3043951"/>
+            <a:ext cx="1934754" cy="238084"/>
           </a:xfrm>
           <a:prstGeom prst="bentConnector2">
             <a:avLst/>
@@ -4879,8 +4873,8 @@
         </p:nvCxnSpPr>
         <p:spPr>
           <a:xfrm rot="16200000" flipH="1">
-            <a:off x="3853742" y="3578835"/>
-            <a:ext cx="1855507" cy="238083"/>
+            <a:off x="3566488" y="3291581"/>
+            <a:ext cx="2430015" cy="238083"/>
           </a:xfrm>
           <a:prstGeom prst="bentConnector2">
             <a:avLst/>
@@ -4922,8 +4916,8 @@
         </p:nvCxnSpPr>
         <p:spPr>
           <a:xfrm rot="16200000" flipH="1">
-            <a:off x="3350383" y="4082195"/>
-            <a:ext cx="2862225" cy="238082"/>
+            <a:off x="3063129" y="3794941"/>
+            <a:ext cx="3436733" cy="238082"/>
           </a:xfrm>
           <a:prstGeom prst="bentConnector2">
             <a:avLst/>
@@ -4947,41 +4941,6 @@
           </a:fontRef>
         </p:style>
       </p:cxnSp>
-      <p:sp>
-        <p:nvSpPr>
-          <p:cNvPr id="63" name="TextBox 62">
-            <a:extLst>
-              <a:ext uri="{FF2B5EF4-FFF2-40B4-BE49-F238E27FC236}">
-                <a16:creationId xmlns:a16="http://schemas.microsoft.com/office/drawing/2014/main" id="{3B6D663B-A05A-A647-88EA-BC162F5E9E27}"/>
-              </a:ext>
-            </a:extLst>
-          </p:cNvPr>
-          <p:cNvSpPr txBox="1"/>
-          <p:nvPr/>
-        </p:nvSpPr>
-        <p:spPr>
-          <a:xfrm>
-            <a:off x="5770634" y="1898052"/>
-            <a:ext cx="3879845" cy="276999"/>
-          </a:xfrm>
-          <a:prstGeom prst="rect">
-            <a:avLst/>
-          </a:prstGeom>
-          <a:noFill/>
-        </p:spPr>
-        <p:txBody>
-          <a:bodyPr wrap="none" rtlCol="0">
-            <a:spAutoFit/>
-          </a:bodyPr>
-          <a:lstStyle/>
-          <a:p>
-            <a:r>
-              <a:rPr lang="en-US" sz="1200" dirty="0"/>
-              <a:t>*planned to move downstream below fragment generation</a:t>
-            </a:r>
-          </a:p>
-        </p:txBody>
-      </p:sp>
       <p:cxnSp>
         <p:nvCxnSpPr>
           <p:cNvPr id="69" name="Straight Arrow Connector 68">
@@ -5144,8 +5103,8 @@
         </p:nvCxnSpPr>
         <p:spPr>
           <a:xfrm rot="16200000" flipH="1">
-            <a:off x="3602061" y="3830516"/>
-            <a:ext cx="2358866" cy="238081"/>
+            <a:off x="3314807" y="3543262"/>
+            <a:ext cx="2933374" cy="238081"/>
           </a:xfrm>
           <a:prstGeom prst="bentConnector2">
             <a:avLst/>
@@ -5187,8 +5146,8 @@
         </p:nvCxnSpPr>
         <p:spPr>
           <a:xfrm rot="16200000" flipH="1">
-            <a:off x="4595772" y="2836806"/>
-            <a:ext cx="371448" cy="238084"/>
+            <a:off x="4308518" y="2549552"/>
+            <a:ext cx="945956" cy="238084"/>
           </a:xfrm>
           <a:prstGeom prst="bentConnector2">
             <a:avLst/>
@@ -6344,10 +6303,10 @@
       </p:grpSpPr>
       <p:sp>
         <p:nvSpPr>
-          <p:cNvPr id="2" name="Title 1">
-            <a:extLst>
-              <a:ext uri="{FF2B5EF4-FFF2-40B4-BE49-F238E27FC236}">
-                <a16:creationId xmlns:a16="http://schemas.microsoft.com/office/drawing/2014/main" id="{D20B8484-315E-3F4E-BC16-8E1FACD2892A}"/>
+          <p:cNvPr id="4" name="Title 3">
+            <a:extLst>
+              <a:ext uri="{FF2B5EF4-FFF2-40B4-BE49-F238E27FC236}">
+                <a16:creationId xmlns:a16="http://schemas.microsoft.com/office/drawing/2014/main" id="{5C53D689-9AD5-654A-84B8-9EEDB644EFDE}"/>
               </a:ext>
             </a:extLst>
           </p:cNvPr>
@@ -6363,16 +6322,16 @@
           <a:bodyPr/>
           <a:lstStyle/>
           <a:p>
-            <a:endParaRPr lang="en-US" dirty="0"/>
-          </a:p>
-        </p:txBody>
-      </p:sp>
-      <p:sp>
-        <p:nvSpPr>
-          <p:cNvPr id="3" name="Content Placeholder 2">
-            <a:extLst>
-              <a:ext uri="{FF2B5EF4-FFF2-40B4-BE49-F238E27FC236}">
-                <a16:creationId xmlns:a16="http://schemas.microsoft.com/office/drawing/2014/main" id="{410B95BE-D594-C947-900D-D12FE954DC41}"/>
+            <a:endParaRPr lang="en-US"/>
+          </a:p>
+        </p:txBody>
+      </p:sp>
+      <p:sp>
+        <p:nvSpPr>
+          <p:cNvPr id="5" name="Text Placeholder 4">
+            <a:extLst>
+              <a:ext uri="{FF2B5EF4-FFF2-40B4-BE49-F238E27FC236}">
+                <a16:creationId xmlns:a16="http://schemas.microsoft.com/office/drawing/2014/main" id="{7FA8E3FA-6E27-CA47-A74E-A6B2FE72BA0F}"/>
               </a:ext>
             </a:extLst>
           </p:cNvPr>
@@ -6380,7 +6339,7 @@
             <a:spLocks noGrp="1"/>
           </p:cNvSpPr>
           <p:nvPr>
-            <p:ph idx="1"/>
+            <p:ph type="body" idx="1"/>
           </p:nvPr>
         </p:nvSpPr>
         <p:spPr/>
@@ -6388,7 +6347,10 @@
           <a:bodyPr/>
           <a:lstStyle/>
           <a:p>
-            <a:endParaRPr lang="en-US" dirty="0"/>
+            <a:r>
+              <a:rPr lang="en-US" dirty="0"/>
+              <a:t>previous version</a:t>
+            </a:r>
           </a:p>
         </p:txBody>
       </p:sp>
@@ -6396,6 +6358,1732 @@
     <p:extLst>
       <p:ext uri="{BB962C8B-B14F-4D97-AF65-F5344CB8AC3E}">
         <p14:creationId xmlns:p14="http://schemas.microsoft.com/office/powerpoint/2010/main" val="1900252905"/>
+      </p:ext>
+    </p:extLst>
+  </p:cSld>
+  <p:clrMapOvr>
+    <a:masterClrMapping/>
+  </p:clrMapOvr>
+</p:sld>
+</file>
+
+<file path=ppt/slides/slide7.xml><?xml version="1.0" encoding="utf-8"?>
+<p:sld xmlns:a="http://schemas.openxmlformats.org/drawingml/2006/main" xmlns:r="http://schemas.openxmlformats.org/officeDocument/2006/relationships" xmlns:p="http://schemas.openxmlformats.org/presentationml/2006/main">
+  <p:cSld>
+    <p:spTree>
+      <p:nvGrpSpPr>
+        <p:cNvPr id="1" name=""/>
+        <p:cNvGrpSpPr/>
+        <p:nvPr/>
+      </p:nvGrpSpPr>
+      <p:grpSpPr>
+        <a:xfrm>
+          <a:off x="0" y="0"/>
+          <a:ext cx="0" cy="0"/>
+          <a:chOff x="0" y="0"/>
+          <a:chExt cx="0" cy="0"/>
+        </a:xfrm>
+      </p:grpSpPr>
+      <p:sp>
+        <p:nvSpPr>
+          <p:cNvPr id="13" name="Down Arrow 12">
+            <a:extLst>
+              <a:ext uri="{FF2B5EF4-FFF2-40B4-BE49-F238E27FC236}">
+                <a16:creationId xmlns:a16="http://schemas.microsoft.com/office/drawing/2014/main" id="{29D41109-E348-9648-B36A-D5AF1498CB45}"/>
+              </a:ext>
+            </a:extLst>
+          </p:cNvPr>
+          <p:cNvSpPr/>
+          <p:nvPr/>
+        </p:nvSpPr>
+        <p:spPr>
+          <a:xfrm>
+            <a:off x="1865319" y="1427305"/>
+            <a:ext cx="642257" cy="2940239"/>
+          </a:xfrm>
+          <a:prstGeom prst="downArrow">
+            <a:avLst/>
+          </a:prstGeom>
+          <a:solidFill>
+            <a:schemeClr val="bg1">
+              <a:lumMod val="75000"/>
+            </a:schemeClr>
+          </a:solidFill>
+          <a:ln>
+            <a:noFill/>
+          </a:ln>
+        </p:spPr>
+        <p:style>
+          <a:lnRef idx="2">
+            <a:schemeClr val="accent1">
+              <a:shade val="50000"/>
+            </a:schemeClr>
+          </a:lnRef>
+          <a:fillRef idx="1">
+            <a:schemeClr val="accent1"/>
+          </a:fillRef>
+          <a:effectRef idx="0">
+            <a:schemeClr val="accent1"/>
+          </a:effectRef>
+          <a:fontRef idx="minor">
+            <a:schemeClr val="lt1"/>
+          </a:fontRef>
+        </p:style>
+        <p:txBody>
+          <a:bodyPr rtlCol="0" anchor="ctr"/>
+          <a:lstStyle/>
+          <a:p>
+            <a:pPr algn="ctr"/>
+            <a:endParaRPr lang="en-US"/>
+          </a:p>
+        </p:txBody>
+      </p:sp>
+      <p:sp>
+        <p:nvSpPr>
+          <p:cNvPr id="2" name="Rounded Rectangle 1">
+            <a:extLst>
+              <a:ext uri="{FF2B5EF4-FFF2-40B4-BE49-F238E27FC236}">
+                <a16:creationId xmlns:a16="http://schemas.microsoft.com/office/drawing/2014/main" id="{DC796C03-4AD6-2341-ABE2-6195814B7A0F}"/>
+              </a:ext>
+            </a:extLst>
+          </p:cNvPr>
+          <p:cNvSpPr/>
+          <p:nvPr/>
+        </p:nvSpPr>
+        <p:spPr>
+          <a:xfrm>
+            <a:off x="1353690" y="1253134"/>
+            <a:ext cx="1763486" cy="429925"/>
+          </a:xfrm>
+          <a:prstGeom prst="roundRect">
+            <a:avLst/>
+          </a:prstGeom>
+        </p:spPr>
+        <p:style>
+          <a:lnRef idx="2">
+            <a:schemeClr val="accent1">
+              <a:shade val="50000"/>
+            </a:schemeClr>
+          </a:lnRef>
+          <a:fillRef idx="1">
+            <a:schemeClr val="accent1"/>
+          </a:fillRef>
+          <a:effectRef idx="0">
+            <a:schemeClr val="accent1"/>
+          </a:effectRef>
+          <a:fontRef idx="minor">
+            <a:schemeClr val="lt1"/>
+          </a:fontRef>
+        </p:style>
+        <p:txBody>
+          <a:bodyPr rtlCol="0" anchor="ctr"/>
+          <a:lstStyle/>
+          <a:p>
+            <a:pPr algn="ctr"/>
+            <a:r>
+              <a:rPr lang="en-US" sz="1600" dirty="0" err="1"/>
+              <a:t>Fastq</a:t>
+            </a:r>
+            <a:endParaRPr lang="en-US" sz="1600" dirty="0"/>
+          </a:p>
+        </p:txBody>
+      </p:sp>
+      <p:sp>
+        <p:nvSpPr>
+          <p:cNvPr id="6" name="Rectangle 5">
+            <a:extLst>
+              <a:ext uri="{FF2B5EF4-FFF2-40B4-BE49-F238E27FC236}">
+                <a16:creationId xmlns:a16="http://schemas.microsoft.com/office/drawing/2014/main" id="{DDD14D0E-C085-FE4B-B881-F1F43870D1B5}"/>
+              </a:ext>
+            </a:extLst>
+          </p:cNvPr>
+          <p:cNvSpPr/>
+          <p:nvPr/>
+        </p:nvSpPr>
+        <p:spPr>
+          <a:xfrm>
+            <a:off x="1353690" y="1876016"/>
+            <a:ext cx="1763486" cy="429925"/>
+          </a:xfrm>
+          <a:prstGeom prst="rect">
+            <a:avLst/>
+          </a:prstGeom>
+        </p:spPr>
+        <p:style>
+          <a:lnRef idx="2">
+            <a:schemeClr val="accent1">
+              <a:shade val="50000"/>
+            </a:schemeClr>
+          </a:lnRef>
+          <a:fillRef idx="1">
+            <a:schemeClr val="accent1"/>
+          </a:fillRef>
+          <a:effectRef idx="0">
+            <a:schemeClr val="accent1"/>
+          </a:effectRef>
+          <a:fontRef idx="minor">
+            <a:schemeClr val="lt1"/>
+          </a:fontRef>
+        </p:style>
+        <p:txBody>
+          <a:bodyPr rtlCol="0" anchor="ctr"/>
+          <a:lstStyle/>
+          <a:p>
+            <a:pPr algn="ctr"/>
+            <a:r>
+              <a:rPr lang="en-US" sz="1600" dirty="0"/>
+              <a:t>Adapter trimming</a:t>
+            </a:r>
+          </a:p>
+        </p:txBody>
+      </p:sp>
+      <p:sp>
+        <p:nvSpPr>
+          <p:cNvPr id="8" name="Rectangle 7">
+            <a:extLst>
+              <a:ext uri="{FF2B5EF4-FFF2-40B4-BE49-F238E27FC236}">
+                <a16:creationId xmlns:a16="http://schemas.microsoft.com/office/drawing/2014/main" id="{4712950F-06F1-3C42-959D-3DF59017BB2A}"/>
+              </a:ext>
+            </a:extLst>
+          </p:cNvPr>
+          <p:cNvSpPr/>
+          <p:nvPr/>
+        </p:nvSpPr>
+        <p:spPr>
+          <a:xfrm>
+            <a:off x="1353690" y="2498898"/>
+            <a:ext cx="1763486" cy="429925"/>
+          </a:xfrm>
+          <a:prstGeom prst="rect">
+            <a:avLst/>
+          </a:prstGeom>
+        </p:spPr>
+        <p:style>
+          <a:lnRef idx="2">
+            <a:schemeClr val="accent1">
+              <a:shade val="50000"/>
+            </a:schemeClr>
+          </a:lnRef>
+          <a:fillRef idx="1">
+            <a:schemeClr val="accent1"/>
+          </a:fillRef>
+          <a:effectRef idx="0">
+            <a:schemeClr val="accent1"/>
+          </a:effectRef>
+          <a:fontRef idx="minor">
+            <a:schemeClr val="lt1"/>
+          </a:fontRef>
+        </p:style>
+        <p:txBody>
+          <a:bodyPr rtlCol="0" anchor="ctr"/>
+          <a:lstStyle/>
+          <a:p>
+            <a:pPr algn="ctr"/>
+            <a:r>
+              <a:rPr lang="en-US" sz="1600" dirty="0"/>
+              <a:t>Alignment</a:t>
+            </a:r>
+          </a:p>
+        </p:txBody>
+      </p:sp>
+      <p:sp>
+        <p:nvSpPr>
+          <p:cNvPr id="9" name="Rectangle 8">
+            <a:extLst>
+              <a:ext uri="{FF2B5EF4-FFF2-40B4-BE49-F238E27FC236}">
+                <a16:creationId xmlns:a16="http://schemas.microsoft.com/office/drawing/2014/main" id="{9C704494-A68D-DE4E-BCA2-21E5C34913DA}"/>
+              </a:ext>
+            </a:extLst>
+          </p:cNvPr>
+          <p:cNvSpPr/>
+          <p:nvPr/>
+        </p:nvSpPr>
+        <p:spPr>
+          <a:xfrm>
+            <a:off x="1353690" y="3121780"/>
+            <a:ext cx="1763486" cy="429925"/>
+          </a:xfrm>
+          <a:prstGeom prst="rect">
+            <a:avLst/>
+          </a:prstGeom>
+        </p:spPr>
+        <p:style>
+          <a:lnRef idx="2">
+            <a:schemeClr val="accent1">
+              <a:shade val="50000"/>
+            </a:schemeClr>
+          </a:lnRef>
+          <a:fillRef idx="1">
+            <a:schemeClr val="accent1"/>
+          </a:fillRef>
+          <a:effectRef idx="0">
+            <a:schemeClr val="accent1"/>
+          </a:effectRef>
+          <a:fontRef idx="minor">
+            <a:schemeClr val="lt1"/>
+          </a:fontRef>
+        </p:style>
+        <p:txBody>
+          <a:bodyPr rtlCol="0" anchor="ctr"/>
+          <a:lstStyle/>
+          <a:p>
+            <a:pPr algn="ctr"/>
+            <a:r>
+              <a:rPr lang="en-US" sz="1600" dirty="0"/>
+              <a:t>Filtering</a:t>
+            </a:r>
+          </a:p>
+        </p:txBody>
+      </p:sp>
+      <p:sp>
+        <p:nvSpPr>
+          <p:cNvPr id="10" name="Rectangle 9">
+            <a:extLst>
+              <a:ext uri="{FF2B5EF4-FFF2-40B4-BE49-F238E27FC236}">
+                <a16:creationId xmlns:a16="http://schemas.microsoft.com/office/drawing/2014/main" id="{24659264-2055-7E4A-940E-CC1AE876CF13}"/>
+              </a:ext>
+            </a:extLst>
+          </p:cNvPr>
+          <p:cNvSpPr/>
+          <p:nvPr/>
+        </p:nvSpPr>
+        <p:spPr>
+          <a:xfrm>
+            <a:off x="1353690" y="3744662"/>
+            <a:ext cx="1763486" cy="429925"/>
+          </a:xfrm>
+          <a:prstGeom prst="rect">
+            <a:avLst/>
+          </a:prstGeom>
+          <a:solidFill>
+            <a:schemeClr val="accent1">
+              <a:lumMod val="40000"/>
+              <a:lumOff val="60000"/>
+            </a:schemeClr>
+          </a:solidFill>
+        </p:spPr>
+        <p:style>
+          <a:lnRef idx="2">
+            <a:schemeClr val="accent1">
+              <a:shade val="50000"/>
+            </a:schemeClr>
+          </a:lnRef>
+          <a:fillRef idx="1">
+            <a:schemeClr val="accent1"/>
+          </a:fillRef>
+          <a:effectRef idx="0">
+            <a:schemeClr val="accent1"/>
+          </a:effectRef>
+          <a:fontRef idx="minor">
+            <a:schemeClr val="lt1"/>
+          </a:fontRef>
+        </p:style>
+        <p:txBody>
+          <a:bodyPr rtlCol="0" anchor="ctr"/>
+          <a:lstStyle/>
+          <a:p>
+            <a:pPr algn="ctr"/>
+            <a:r>
+              <a:rPr lang="en-US" sz="1600" dirty="0"/>
+              <a:t>Deduplication </a:t>
+            </a:r>
+            <a:r>
+              <a:rPr lang="en-US" sz="1400" dirty="0"/>
+              <a:t>(optional)</a:t>
+            </a:r>
+          </a:p>
+        </p:txBody>
+      </p:sp>
+      <p:sp>
+        <p:nvSpPr>
+          <p:cNvPr id="15" name="TextBox 14">
+            <a:extLst>
+              <a:ext uri="{FF2B5EF4-FFF2-40B4-BE49-F238E27FC236}">
+                <a16:creationId xmlns:a16="http://schemas.microsoft.com/office/drawing/2014/main" id="{53BB6745-9937-664C-8D49-4D327DFB336E}"/>
+              </a:ext>
+            </a:extLst>
+          </p:cNvPr>
+          <p:cNvSpPr txBox="1"/>
+          <p:nvPr/>
+        </p:nvSpPr>
+        <p:spPr>
+          <a:xfrm>
+            <a:off x="318454" y="221196"/>
+            <a:ext cx="2849819" cy="400110"/>
+          </a:xfrm>
+          <a:prstGeom prst="rect">
+            <a:avLst/>
+          </a:prstGeom>
+          <a:noFill/>
+        </p:spPr>
+        <p:txBody>
+          <a:bodyPr wrap="none" rtlCol="0">
+            <a:spAutoFit/>
+          </a:bodyPr>
+          <a:lstStyle/>
+          <a:p>
+            <a:r>
+              <a:rPr lang="en-US" sz="2000" b="1" dirty="0"/>
+              <a:t>Current status of Cutlery</a:t>
+            </a:r>
+          </a:p>
+        </p:txBody>
+      </p:sp>
+      <p:sp>
+        <p:nvSpPr>
+          <p:cNvPr id="16" name="Rounded Rectangle 15">
+            <a:extLst>
+              <a:ext uri="{FF2B5EF4-FFF2-40B4-BE49-F238E27FC236}">
+                <a16:creationId xmlns:a16="http://schemas.microsoft.com/office/drawing/2014/main" id="{94DA1DF1-187C-9B45-A37F-29C99D68EC4C}"/>
+              </a:ext>
+            </a:extLst>
+          </p:cNvPr>
+          <p:cNvSpPr/>
+          <p:nvPr/>
+        </p:nvSpPr>
+        <p:spPr>
+          <a:xfrm>
+            <a:off x="1353690" y="4390876"/>
+            <a:ext cx="1763486" cy="429925"/>
+          </a:xfrm>
+          <a:prstGeom prst="roundRect">
+            <a:avLst/>
+          </a:prstGeom>
+        </p:spPr>
+        <p:style>
+          <a:lnRef idx="2">
+            <a:schemeClr val="accent1">
+              <a:shade val="50000"/>
+            </a:schemeClr>
+          </a:lnRef>
+          <a:fillRef idx="1">
+            <a:schemeClr val="accent1"/>
+          </a:fillRef>
+          <a:effectRef idx="0">
+            <a:schemeClr val="accent1"/>
+          </a:effectRef>
+          <a:fontRef idx="minor">
+            <a:schemeClr val="lt1"/>
+          </a:fontRef>
+        </p:style>
+        <p:txBody>
+          <a:bodyPr rtlCol="0" anchor="ctr"/>
+          <a:lstStyle/>
+          <a:p>
+            <a:pPr algn="ctr"/>
+            <a:r>
+              <a:rPr lang="en-US" sz="1600" dirty="0"/>
+              <a:t>Processed BAM</a:t>
+            </a:r>
+          </a:p>
+        </p:txBody>
+      </p:sp>
+      <p:sp>
+        <p:nvSpPr>
+          <p:cNvPr id="12" name="Rounded Rectangle 11">
+            <a:extLst>
+              <a:ext uri="{FF2B5EF4-FFF2-40B4-BE49-F238E27FC236}">
+                <a16:creationId xmlns:a16="http://schemas.microsoft.com/office/drawing/2014/main" id="{C636F5E8-01EE-DA4F-8B2C-6DE5FD254760}"/>
+              </a:ext>
+            </a:extLst>
+          </p:cNvPr>
+          <p:cNvSpPr/>
+          <p:nvPr/>
+        </p:nvSpPr>
+        <p:spPr>
+          <a:xfrm>
+            <a:off x="3677791" y="2404865"/>
+            <a:ext cx="1969325" cy="365259"/>
+          </a:xfrm>
+          <a:prstGeom prst="roundRect">
+            <a:avLst/>
+          </a:prstGeom>
+          <a:ln w="12700"/>
+        </p:spPr>
+        <p:style>
+          <a:lnRef idx="2">
+            <a:schemeClr val="dk1"/>
+          </a:lnRef>
+          <a:fillRef idx="1">
+            <a:schemeClr val="lt1"/>
+          </a:fillRef>
+          <a:effectRef idx="0">
+            <a:schemeClr val="dk1"/>
+          </a:effectRef>
+          <a:fontRef idx="minor">
+            <a:schemeClr val="dk1"/>
+          </a:fontRef>
+        </p:style>
+        <p:txBody>
+          <a:bodyPr rtlCol="0" anchor="ctr"/>
+          <a:lstStyle/>
+          <a:p>
+            <a:pPr algn="ctr"/>
+            <a:r>
+              <a:rPr lang="en-US" sz="1200" dirty="0"/>
+              <a:t>Fragment groups</a:t>
+            </a:r>
+          </a:p>
+          <a:p>
+            <a:pPr algn="ctr"/>
+            <a:r>
+              <a:rPr lang="en-US" sz="1200" dirty="0"/>
+              <a:t>NFR/NUC/all</a:t>
+            </a:r>
+          </a:p>
+        </p:txBody>
+      </p:sp>
+      <p:sp>
+        <p:nvSpPr>
+          <p:cNvPr id="33" name="Rounded Rectangle 32">
+            <a:extLst>
+              <a:ext uri="{FF2B5EF4-FFF2-40B4-BE49-F238E27FC236}">
+                <a16:creationId xmlns:a16="http://schemas.microsoft.com/office/drawing/2014/main" id="{A74FD820-3E35-A348-AD45-2B74B4368DF9}"/>
+              </a:ext>
+            </a:extLst>
+          </p:cNvPr>
+          <p:cNvSpPr/>
+          <p:nvPr/>
+        </p:nvSpPr>
+        <p:spPr>
+          <a:xfrm>
+            <a:off x="3677791" y="1863007"/>
+            <a:ext cx="1969325" cy="365259"/>
+          </a:xfrm>
+          <a:prstGeom prst="roundRect">
+            <a:avLst/>
+          </a:prstGeom>
+          <a:ln w="12700"/>
+        </p:spPr>
+        <p:style>
+          <a:lnRef idx="2">
+            <a:schemeClr val="dk1"/>
+          </a:lnRef>
+          <a:fillRef idx="1">
+            <a:schemeClr val="lt1"/>
+          </a:fillRef>
+          <a:effectRef idx="0">
+            <a:schemeClr val="dk1"/>
+          </a:effectRef>
+          <a:fontRef idx="minor">
+            <a:schemeClr val="dk1"/>
+          </a:fontRef>
+        </p:style>
+        <p:txBody>
+          <a:bodyPr rtlCol="0" anchor="ctr"/>
+          <a:lstStyle/>
+          <a:p>
+            <a:pPr algn="ctr"/>
+            <a:r>
+              <a:rPr lang="en-US" sz="1200" dirty="0"/>
+              <a:t>*Nucleotide base frequency</a:t>
+            </a:r>
+          </a:p>
+          <a:p>
+            <a:pPr algn="ctr"/>
+            <a:r>
+              <a:rPr lang="en-US" sz="1200" dirty="0"/>
+              <a:t>at 5’-ends of reads</a:t>
+            </a:r>
+          </a:p>
+        </p:txBody>
+      </p:sp>
+      <p:cxnSp>
+        <p:nvCxnSpPr>
+          <p:cNvPr id="35" name="Elbow Connector 34">
+            <a:extLst>
+              <a:ext uri="{FF2B5EF4-FFF2-40B4-BE49-F238E27FC236}">
+                <a16:creationId xmlns:a16="http://schemas.microsoft.com/office/drawing/2014/main" id="{90B62CFA-C649-834A-9B96-C3BE2178FF0C}"/>
+              </a:ext>
+            </a:extLst>
+          </p:cNvPr>
+          <p:cNvCxnSpPr>
+            <a:cxnSpLocks/>
+            <a:stCxn id="16" idx="3"/>
+            <a:endCxn id="33" idx="1"/>
+          </p:cNvCxnSpPr>
+          <p:nvPr/>
+        </p:nvCxnSpPr>
+        <p:spPr>
+          <a:xfrm flipV="1">
+            <a:off x="3117176" y="2045637"/>
+            <a:ext cx="560615" cy="2560202"/>
+          </a:xfrm>
+          <a:prstGeom prst="bentConnector3">
+            <a:avLst/>
+          </a:prstGeom>
+          <a:ln>
+            <a:tailEnd type="triangle"/>
+          </a:ln>
+        </p:spPr>
+        <p:style>
+          <a:lnRef idx="1">
+            <a:schemeClr val="accent1"/>
+          </a:lnRef>
+          <a:fillRef idx="0">
+            <a:schemeClr val="accent1"/>
+          </a:fillRef>
+          <a:effectRef idx="0">
+            <a:schemeClr val="accent1"/>
+          </a:effectRef>
+          <a:fontRef idx="minor">
+            <a:schemeClr val="tx1"/>
+          </a:fontRef>
+        </p:style>
+      </p:cxnSp>
+      <p:cxnSp>
+        <p:nvCxnSpPr>
+          <p:cNvPr id="37" name="Elbow Connector 36">
+            <a:extLst>
+              <a:ext uri="{FF2B5EF4-FFF2-40B4-BE49-F238E27FC236}">
+                <a16:creationId xmlns:a16="http://schemas.microsoft.com/office/drawing/2014/main" id="{064CCD20-D52F-2A42-89D6-9B12024436B8}"/>
+              </a:ext>
+            </a:extLst>
+          </p:cNvPr>
+          <p:cNvCxnSpPr>
+            <a:cxnSpLocks/>
+            <a:stCxn id="16" idx="3"/>
+            <a:endCxn id="12" idx="1"/>
+          </p:cNvCxnSpPr>
+          <p:nvPr/>
+        </p:nvCxnSpPr>
+        <p:spPr>
+          <a:xfrm flipV="1">
+            <a:off x="3117176" y="2587495"/>
+            <a:ext cx="560615" cy="2018344"/>
+          </a:xfrm>
+          <a:prstGeom prst="bentConnector3">
+            <a:avLst>
+              <a:gd name="adj1" fmla="val 50000"/>
+            </a:avLst>
+          </a:prstGeom>
+          <a:ln>
+            <a:tailEnd type="triangle"/>
+          </a:ln>
+        </p:spPr>
+        <p:style>
+          <a:lnRef idx="1">
+            <a:schemeClr val="accent1"/>
+          </a:lnRef>
+          <a:fillRef idx="0">
+            <a:schemeClr val="accent1"/>
+          </a:fillRef>
+          <a:effectRef idx="0">
+            <a:schemeClr val="accent1"/>
+          </a:effectRef>
+          <a:fontRef idx="minor">
+            <a:schemeClr val="tx1"/>
+          </a:fontRef>
+        </p:style>
+      </p:cxnSp>
+      <p:sp>
+        <p:nvSpPr>
+          <p:cNvPr id="40" name="Rounded Rectangle 39">
+            <a:extLst>
+              <a:ext uri="{FF2B5EF4-FFF2-40B4-BE49-F238E27FC236}">
+                <a16:creationId xmlns:a16="http://schemas.microsoft.com/office/drawing/2014/main" id="{556B9274-7C3E-2B4D-BAF8-83B2025CEAA2}"/>
+              </a:ext>
+            </a:extLst>
+          </p:cNvPr>
+          <p:cNvSpPr/>
+          <p:nvPr/>
+        </p:nvSpPr>
+        <p:spPr>
+          <a:xfrm>
+            <a:off x="4900538" y="2958942"/>
+            <a:ext cx="1790295" cy="365259"/>
+          </a:xfrm>
+          <a:prstGeom prst="roundRect">
+            <a:avLst/>
+          </a:prstGeom>
+          <a:ln w="12700"/>
+        </p:spPr>
+        <p:style>
+          <a:lnRef idx="2">
+            <a:schemeClr val="dk1"/>
+          </a:lnRef>
+          <a:fillRef idx="1">
+            <a:schemeClr val="lt1"/>
+          </a:fillRef>
+          <a:effectRef idx="0">
+            <a:schemeClr val="dk1"/>
+          </a:effectRef>
+          <a:fontRef idx="minor">
+            <a:schemeClr val="dk1"/>
+          </a:fontRef>
+        </p:style>
+        <p:txBody>
+          <a:bodyPr rtlCol="0" anchor="ctr"/>
+          <a:lstStyle/>
+          <a:p>
+            <a:pPr algn="ctr"/>
+            <a:r>
+              <a:rPr lang="en-US" sz="1200" dirty="0"/>
+              <a:t>Fragment length distribution</a:t>
+            </a:r>
+          </a:p>
+        </p:txBody>
+      </p:sp>
+      <p:sp>
+        <p:nvSpPr>
+          <p:cNvPr id="41" name="Rounded Rectangle 40">
+            <a:extLst>
+              <a:ext uri="{FF2B5EF4-FFF2-40B4-BE49-F238E27FC236}">
+                <a16:creationId xmlns:a16="http://schemas.microsoft.com/office/drawing/2014/main" id="{6717D7D3-1822-BE4D-A50D-348F6F15C7E5}"/>
+              </a:ext>
+            </a:extLst>
+          </p:cNvPr>
+          <p:cNvSpPr/>
+          <p:nvPr/>
+        </p:nvSpPr>
+        <p:spPr>
+          <a:xfrm>
+            <a:off x="4900538" y="3462111"/>
+            <a:ext cx="1790295" cy="365259"/>
+          </a:xfrm>
+          <a:prstGeom prst="roundRect">
+            <a:avLst/>
+          </a:prstGeom>
+          <a:ln w="12700"/>
+        </p:spPr>
+        <p:style>
+          <a:lnRef idx="2">
+            <a:schemeClr val="dk1"/>
+          </a:lnRef>
+          <a:fillRef idx="1">
+            <a:schemeClr val="lt1"/>
+          </a:fillRef>
+          <a:effectRef idx="0">
+            <a:schemeClr val="dk1"/>
+          </a:effectRef>
+          <a:fontRef idx="minor">
+            <a:schemeClr val="dk1"/>
+          </a:fontRef>
+        </p:style>
+        <p:txBody>
+          <a:bodyPr rtlCol="0" anchor="ctr"/>
+          <a:lstStyle/>
+          <a:p>
+            <a:pPr algn="ctr"/>
+            <a:r>
+              <a:rPr lang="en-US" sz="1200" dirty="0"/>
+              <a:t>K-mer frequency</a:t>
+            </a:r>
+          </a:p>
+        </p:txBody>
+      </p:sp>
+      <p:sp>
+        <p:nvSpPr>
+          <p:cNvPr id="42" name="Rounded Rectangle 41">
+            <a:extLst>
+              <a:ext uri="{FF2B5EF4-FFF2-40B4-BE49-F238E27FC236}">
+                <a16:creationId xmlns:a16="http://schemas.microsoft.com/office/drawing/2014/main" id="{2B5430D3-E119-9F4D-AA05-69D5E125DC5F}"/>
+              </a:ext>
+            </a:extLst>
+          </p:cNvPr>
+          <p:cNvSpPr/>
+          <p:nvPr/>
+        </p:nvSpPr>
+        <p:spPr>
+          <a:xfrm>
+            <a:off x="4900538" y="3947740"/>
+            <a:ext cx="1790295" cy="365259"/>
+          </a:xfrm>
+          <a:prstGeom prst="roundRect">
+            <a:avLst/>
+          </a:prstGeom>
+          <a:ln w="12700"/>
+        </p:spPr>
+        <p:style>
+          <a:lnRef idx="2">
+            <a:schemeClr val="dk1"/>
+          </a:lnRef>
+          <a:fillRef idx="1">
+            <a:schemeClr val="lt1"/>
+          </a:fillRef>
+          <a:effectRef idx="0">
+            <a:schemeClr val="dk1"/>
+          </a:effectRef>
+          <a:fontRef idx="minor">
+            <a:schemeClr val="dk1"/>
+          </a:fontRef>
+        </p:style>
+        <p:txBody>
+          <a:bodyPr rtlCol="0" anchor="ctr"/>
+          <a:lstStyle/>
+          <a:p>
+            <a:pPr algn="ctr"/>
+            <a:r>
+              <a:rPr lang="en-US" sz="1200" dirty="0"/>
+              <a:t>Homer tag directories</a:t>
+            </a:r>
+          </a:p>
+        </p:txBody>
+      </p:sp>
+      <p:sp>
+        <p:nvSpPr>
+          <p:cNvPr id="45" name="Rounded Rectangle 44">
+            <a:extLst>
+              <a:ext uri="{FF2B5EF4-FFF2-40B4-BE49-F238E27FC236}">
+                <a16:creationId xmlns:a16="http://schemas.microsoft.com/office/drawing/2014/main" id="{E5414DB8-4E5B-EA46-B800-9B24A1566670}"/>
+              </a:ext>
+            </a:extLst>
+          </p:cNvPr>
+          <p:cNvSpPr/>
+          <p:nvPr/>
+        </p:nvSpPr>
+        <p:spPr>
+          <a:xfrm>
+            <a:off x="6904230" y="3947739"/>
+            <a:ext cx="1790295" cy="365259"/>
+          </a:xfrm>
+          <a:prstGeom prst="roundRect">
+            <a:avLst/>
+          </a:prstGeom>
+          <a:ln w="12700"/>
+        </p:spPr>
+        <p:style>
+          <a:lnRef idx="2">
+            <a:schemeClr val="dk1"/>
+          </a:lnRef>
+          <a:fillRef idx="1">
+            <a:schemeClr val="lt1"/>
+          </a:fillRef>
+          <a:effectRef idx="0">
+            <a:schemeClr val="dk1"/>
+          </a:effectRef>
+          <a:fontRef idx="minor">
+            <a:schemeClr val="dk1"/>
+          </a:fontRef>
+        </p:style>
+        <p:txBody>
+          <a:bodyPr rtlCol="0" anchor="ctr"/>
+          <a:lstStyle/>
+          <a:p>
+            <a:pPr algn="ctr"/>
+            <a:r>
+              <a:rPr lang="en-US" sz="1200" dirty="0"/>
+              <a:t>Homer peak calling</a:t>
+            </a:r>
+          </a:p>
+        </p:txBody>
+      </p:sp>
+      <p:sp>
+        <p:nvSpPr>
+          <p:cNvPr id="46" name="Rounded Rectangle 45">
+            <a:extLst>
+              <a:ext uri="{FF2B5EF4-FFF2-40B4-BE49-F238E27FC236}">
+                <a16:creationId xmlns:a16="http://schemas.microsoft.com/office/drawing/2014/main" id="{A19DEB9A-A216-6C44-BA3B-1382C5A0B0F9}"/>
+              </a:ext>
+            </a:extLst>
+          </p:cNvPr>
+          <p:cNvSpPr/>
+          <p:nvPr/>
+        </p:nvSpPr>
+        <p:spPr>
+          <a:xfrm>
+            <a:off x="4900537" y="4443001"/>
+            <a:ext cx="1790295" cy="365259"/>
+          </a:xfrm>
+          <a:prstGeom prst="roundRect">
+            <a:avLst/>
+          </a:prstGeom>
+          <a:ln w="12700"/>
+        </p:spPr>
+        <p:style>
+          <a:lnRef idx="2">
+            <a:schemeClr val="dk1"/>
+          </a:lnRef>
+          <a:fillRef idx="1">
+            <a:schemeClr val="lt1"/>
+          </a:fillRef>
+          <a:effectRef idx="0">
+            <a:schemeClr val="dk1"/>
+          </a:effectRef>
+          <a:fontRef idx="minor">
+            <a:schemeClr val="dk1"/>
+          </a:fontRef>
+        </p:style>
+        <p:txBody>
+          <a:bodyPr rtlCol="0" anchor="ctr"/>
+          <a:lstStyle/>
+          <a:p>
+            <a:pPr algn="ctr"/>
+            <a:r>
+              <a:rPr lang="en-US" sz="1200" dirty="0" err="1"/>
+              <a:t>BigWig</a:t>
+            </a:r>
+            <a:r>
+              <a:rPr lang="en-US" sz="1200" dirty="0"/>
+              <a:t> files from fragments</a:t>
+            </a:r>
+          </a:p>
+        </p:txBody>
+      </p:sp>
+      <p:sp>
+        <p:nvSpPr>
+          <p:cNvPr id="47" name="Rounded Rectangle 46">
+            <a:extLst>
+              <a:ext uri="{FF2B5EF4-FFF2-40B4-BE49-F238E27FC236}">
+                <a16:creationId xmlns:a16="http://schemas.microsoft.com/office/drawing/2014/main" id="{F97BDE05-C7EA-4A4E-81D8-A0C92CAEBFB2}"/>
+              </a:ext>
+            </a:extLst>
+          </p:cNvPr>
+          <p:cNvSpPr/>
+          <p:nvPr/>
+        </p:nvSpPr>
+        <p:spPr>
+          <a:xfrm>
+            <a:off x="4900536" y="5449719"/>
+            <a:ext cx="1790295" cy="365259"/>
+          </a:xfrm>
+          <a:prstGeom prst="roundRect">
+            <a:avLst/>
+          </a:prstGeom>
+          <a:ln w="12700"/>
+        </p:spPr>
+        <p:style>
+          <a:lnRef idx="2">
+            <a:schemeClr val="dk1"/>
+          </a:lnRef>
+          <a:fillRef idx="1">
+            <a:schemeClr val="lt1"/>
+          </a:fillRef>
+          <a:effectRef idx="0">
+            <a:schemeClr val="dk1"/>
+          </a:effectRef>
+          <a:fontRef idx="minor">
+            <a:schemeClr val="dk1"/>
+          </a:fontRef>
+        </p:style>
+        <p:txBody>
+          <a:bodyPr rtlCol="0" anchor="ctr"/>
+          <a:lstStyle/>
+          <a:p>
+            <a:pPr algn="ctr"/>
+            <a:r>
+              <a:rPr lang="en-US" sz="1200" dirty="0"/>
+              <a:t>FCL file (</a:t>
+            </a:r>
+            <a:r>
+              <a:rPr lang="en-US" sz="1200" dirty="0" err="1"/>
+              <a:t>fcl.bed.gz</a:t>
+            </a:r>
+            <a:r>
+              <a:rPr lang="en-US" sz="1200" dirty="0"/>
+              <a:t>)</a:t>
+            </a:r>
+          </a:p>
+        </p:txBody>
+      </p:sp>
+      <p:cxnSp>
+        <p:nvCxnSpPr>
+          <p:cNvPr id="51" name="Elbow Connector 50">
+            <a:extLst>
+              <a:ext uri="{FF2B5EF4-FFF2-40B4-BE49-F238E27FC236}">
+                <a16:creationId xmlns:a16="http://schemas.microsoft.com/office/drawing/2014/main" id="{CF7EA071-CADC-3243-8D19-73781C350622}"/>
+              </a:ext>
+            </a:extLst>
+          </p:cNvPr>
+          <p:cNvCxnSpPr>
+            <a:cxnSpLocks/>
+            <a:stCxn id="12" idx="2"/>
+            <a:endCxn id="41" idx="1"/>
+          </p:cNvCxnSpPr>
+          <p:nvPr/>
+        </p:nvCxnSpPr>
+        <p:spPr>
+          <a:xfrm rot="16200000" flipH="1">
+            <a:off x="4344188" y="3088390"/>
+            <a:ext cx="874617" cy="238084"/>
+          </a:xfrm>
+          <a:prstGeom prst="bentConnector2">
+            <a:avLst/>
+          </a:prstGeom>
+          <a:ln>
+            <a:tailEnd type="triangle"/>
+          </a:ln>
+        </p:spPr>
+        <p:style>
+          <a:lnRef idx="1">
+            <a:schemeClr val="accent1"/>
+          </a:lnRef>
+          <a:fillRef idx="0">
+            <a:schemeClr val="accent1"/>
+          </a:fillRef>
+          <a:effectRef idx="0">
+            <a:schemeClr val="accent1"/>
+          </a:effectRef>
+          <a:fontRef idx="minor">
+            <a:schemeClr val="tx1"/>
+          </a:fontRef>
+        </p:style>
+      </p:cxnSp>
+      <p:cxnSp>
+        <p:nvCxnSpPr>
+          <p:cNvPr id="54" name="Elbow Connector 53">
+            <a:extLst>
+              <a:ext uri="{FF2B5EF4-FFF2-40B4-BE49-F238E27FC236}">
+                <a16:creationId xmlns:a16="http://schemas.microsoft.com/office/drawing/2014/main" id="{A542672C-B143-C348-9C40-E3AE09899B31}"/>
+              </a:ext>
+            </a:extLst>
+          </p:cNvPr>
+          <p:cNvCxnSpPr>
+            <a:cxnSpLocks/>
+            <a:stCxn id="12" idx="2"/>
+            <a:endCxn id="42" idx="1"/>
+          </p:cNvCxnSpPr>
+          <p:nvPr/>
+        </p:nvCxnSpPr>
+        <p:spPr>
+          <a:xfrm rot="16200000" flipH="1">
+            <a:off x="4101373" y="3331205"/>
+            <a:ext cx="1360246" cy="238084"/>
+          </a:xfrm>
+          <a:prstGeom prst="bentConnector2">
+            <a:avLst/>
+          </a:prstGeom>
+          <a:ln>
+            <a:tailEnd type="triangle"/>
+          </a:ln>
+        </p:spPr>
+        <p:style>
+          <a:lnRef idx="1">
+            <a:schemeClr val="accent1"/>
+          </a:lnRef>
+          <a:fillRef idx="0">
+            <a:schemeClr val="accent1"/>
+          </a:fillRef>
+          <a:effectRef idx="0">
+            <a:schemeClr val="accent1"/>
+          </a:effectRef>
+          <a:fontRef idx="minor">
+            <a:schemeClr val="tx1"/>
+          </a:fontRef>
+        </p:style>
+      </p:cxnSp>
+      <p:cxnSp>
+        <p:nvCxnSpPr>
+          <p:cNvPr id="57" name="Elbow Connector 56">
+            <a:extLst>
+              <a:ext uri="{FF2B5EF4-FFF2-40B4-BE49-F238E27FC236}">
+                <a16:creationId xmlns:a16="http://schemas.microsoft.com/office/drawing/2014/main" id="{2AE8E41E-C624-904A-B6F3-461B5E02C9F6}"/>
+              </a:ext>
+            </a:extLst>
+          </p:cNvPr>
+          <p:cNvCxnSpPr>
+            <a:cxnSpLocks/>
+            <a:stCxn id="12" idx="2"/>
+            <a:endCxn id="46" idx="1"/>
+          </p:cNvCxnSpPr>
+          <p:nvPr/>
+        </p:nvCxnSpPr>
+        <p:spPr>
+          <a:xfrm rot="16200000" flipH="1">
+            <a:off x="3853742" y="3578835"/>
+            <a:ext cx="1855507" cy="238083"/>
+          </a:xfrm>
+          <a:prstGeom prst="bentConnector2">
+            <a:avLst/>
+          </a:prstGeom>
+          <a:ln>
+            <a:tailEnd type="triangle"/>
+          </a:ln>
+        </p:spPr>
+        <p:style>
+          <a:lnRef idx="1">
+            <a:schemeClr val="accent1"/>
+          </a:lnRef>
+          <a:fillRef idx="0">
+            <a:schemeClr val="accent1"/>
+          </a:fillRef>
+          <a:effectRef idx="0">
+            <a:schemeClr val="accent1"/>
+          </a:effectRef>
+          <a:fontRef idx="minor">
+            <a:schemeClr val="tx1"/>
+          </a:fontRef>
+        </p:style>
+      </p:cxnSp>
+      <p:cxnSp>
+        <p:nvCxnSpPr>
+          <p:cNvPr id="60" name="Elbow Connector 59">
+            <a:extLst>
+              <a:ext uri="{FF2B5EF4-FFF2-40B4-BE49-F238E27FC236}">
+                <a16:creationId xmlns:a16="http://schemas.microsoft.com/office/drawing/2014/main" id="{7E91A5E6-9CC1-1840-8714-764176AF5D29}"/>
+              </a:ext>
+            </a:extLst>
+          </p:cNvPr>
+          <p:cNvCxnSpPr>
+            <a:cxnSpLocks/>
+            <a:stCxn id="12" idx="2"/>
+            <a:endCxn id="47" idx="1"/>
+          </p:cNvCxnSpPr>
+          <p:nvPr/>
+        </p:nvCxnSpPr>
+        <p:spPr>
+          <a:xfrm rot="16200000" flipH="1">
+            <a:off x="3350383" y="4082195"/>
+            <a:ext cx="2862225" cy="238082"/>
+          </a:xfrm>
+          <a:prstGeom prst="bentConnector2">
+            <a:avLst/>
+          </a:prstGeom>
+          <a:ln>
+            <a:tailEnd type="triangle"/>
+          </a:ln>
+        </p:spPr>
+        <p:style>
+          <a:lnRef idx="1">
+            <a:schemeClr val="accent1"/>
+          </a:lnRef>
+          <a:fillRef idx="0">
+            <a:schemeClr val="accent1"/>
+          </a:fillRef>
+          <a:effectRef idx="0">
+            <a:schemeClr val="accent1"/>
+          </a:effectRef>
+          <a:fontRef idx="minor">
+            <a:schemeClr val="tx1"/>
+          </a:fontRef>
+        </p:style>
+      </p:cxnSp>
+      <p:sp>
+        <p:nvSpPr>
+          <p:cNvPr id="63" name="TextBox 62">
+            <a:extLst>
+              <a:ext uri="{FF2B5EF4-FFF2-40B4-BE49-F238E27FC236}">
+                <a16:creationId xmlns:a16="http://schemas.microsoft.com/office/drawing/2014/main" id="{3B6D663B-A05A-A647-88EA-BC162F5E9E27}"/>
+              </a:ext>
+            </a:extLst>
+          </p:cNvPr>
+          <p:cNvSpPr txBox="1"/>
+          <p:nvPr/>
+        </p:nvSpPr>
+        <p:spPr>
+          <a:xfrm>
+            <a:off x="5770634" y="1898052"/>
+            <a:ext cx="3879845" cy="276999"/>
+          </a:xfrm>
+          <a:prstGeom prst="rect">
+            <a:avLst/>
+          </a:prstGeom>
+          <a:noFill/>
+        </p:spPr>
+        <p:txBody>
+          <a:bodyPr wrap="none" rtlCol="0">
+            <a:spAutoFit/>
+          </a:bodyPr>
+          <a:lstStyle/>
+          <a:p>
+            <a:r>
+              <a:rPr lang="en-US" sz="1200" dirty="0"/>
+              <a:t>*planned to move downstream below fragment generation</a:t>
+            </a:r>
+          </a:p>
+        </p:txBody>
+      </p:sp>
+      <p:cxnSp>
+        <p:nvCxnSpPr>
+          <p:cNvPr id="69" name="Straight Arrow Connector 68">
+            <a:extLst>
+              <a:ext uri="{FF2B5EF4-FFF2-40B4-BE49-F238E27FC236}">
+                <a16:creationId xmlns:a16="http://schemas.microsoft.com/office/drawing/2014/main" id="{DF2E58FF-6012-9741-9011-1CE8A9024EDA}"/>
+              </a:ext>
+            </a:extLst>
+          </p:cNvPr>
+          <p:cNvCxnSpPr>
+            <a:stCxn id="42" idx="3"/>
+            <a:endCxn id="45" idx="1"/>
+          </p:cNvCxnSpPr>
+          <p:nvPr/>
+        </p:nvCxnSpPr>
+        <p:spPr>
+          <a:xfrm flipV="1">
+            <a:off x="6690833" y="4130369"/>
+            <a:ext cx="213397" cy="1"/>
+          </a:xfrm>
+          <a:prstGeom prst="straightConnector1">
+            <a:avLst/>
+          </a:prstGeom>
+          <a:ln>
+            <a:tailEnd type="triangle"/>
+          </a:ln>
+        </p:spPr>
+        <p:style>
+          <a:lnRef idx="1">
+            <a:schemeClr val="accent1"/>
+          </a:lnRef>
+          <a:fillRef idx="0">
+            <a:schemeClr val="accent1"/>
+          </a:fillRef>
+          <a:effectRef idx="0">
+            <a:schemeClr val="accent1"/>
+          </a:effectRef>
+          <a:fontRef idx="minor">
+            <a:schemeClr val="tx1"/>
+          </a:fontRef>
+        </p:style>
+      </p:cxnSp>
+      <p:sp>
+        <p:nvSpPr>
+          <p:cNvPr id="75" name="Rounded Rectangle 74">
+            <a:extLst>
+              <a:ext uri="{FF2B5EF4-FFF2-40B4-BE49-F238E27FC236}">
+                <a16:creationId xmlns:a16="http://schemas.microsoft.com/office/drawing/2014/main" id="{3624C182-8CF6-A14E-9516-33F1AF866548}"/>
+              </a:ext>
+            </a:extLst>
+          </p:cNvPr>
+          <p:cNvSpPr/>
+          <p:nvPr/>
+        </p:nvSpPr>
+        <p:spPr>
+          <a:xfrm>
+            <a:off x="3677791" y="1315764"/>
+            <a:ext cx="7316633" cy="350728"/>
+          </a:xfrm>
+          <a:prstGeom prst="roundRect">
+            <a:avLst/>
+          </a:prstGeom>
+          <a:ln>
+            <a:noFill/>
+          </a:ln>
+        </p:spPr>
+        <p:style>
+          <a:lnRef idx="3">
+            <a:schemeClr val="lt1"/>
+          </a:lnRef>
+          <a:fillRef idx="1">
+            <a:schemeClr val="accent1"/>
+          </a:fillRef>
+          <a:effectRef idx="1">
+            <a:schemeClr val="accent1"/>
+          </a:effectRef>
+          <a:fontRef idx="minor">
+            <a:schemeClr val="lt1"/>
+          </a:fontRef>
+        </p:style>
+        <p:txBody>
+          <a:bodyPr rtlCol="0" anchor="ctr"/>
+          <a:lstStyle/>
+          <a:p>
+            <a:pPr algn="ctr"/>
+            <a:r>
+              <a:rPr lang="en-US" dirty="0"/>
+              <a:t>Processed sample</a:t>
+            </a:r>
+          </a:p>
+        </p:txBody>
+      </p:sp>
+      <p:sp>
+        <p:nvSpPr>
+          <p:cNvPr id="77" name="Rounded Rectangle 76">
+            <a:extLst>
+              <a:ext uri="{FF2B5EF4-FFF2-40B4-BE49-F238E27FC236}">
+                <a16:creationId xmlns:a16="http://schemas.microsoft.com/office/drawing/2014/main" id="{BF8A870D-E4ED-8747-9D01-B8C9EF8D9305}"/>
+              </a:ext>
+            </a:extLst>
+          </p:cNvPr>
+          <p:cNvSpPr/>
+          <p:nvPr/>
+        </p:nvSpPr>
+        <p:spPr>
+          <a:xfrm>
+            <a:off x="4900535" y="4946360"/>
+            <a:ext cx="1790295" cy="365259"/>
+          </a:xfrm>
+          <a:prstGeom prst="roundRect">
+            <a:avLst/>
+          </a:prstGeom>
+          <a:ln w="12700"/>
+        </p:spPr>
+        <p:style>
+          <a:lnRef idx="2">
+            <a:schemeClr val="dk1"/>
+          </a:lnRef>
+          <a:fillRef idx="1">
+            <a:schemeClr val="lt1"/>
+          </a:fillRef>
+          <a:effectRef idx="0">
+            <a:schemeClr val="dk1"/>
+          </a:effectRef>
+          <a:fontRef idx="minor">
+            <a:schemeClr val="dk1"/>
+          </a:fontRef>
+        </p:style>
+        <p:txBody>
+          <a:bodyPr rtlCol="0" anchor="ctr"/>
+          <a:lstStyle/>
+          <a:p>
+            <a:pPr algn="ctr"/>
+            <a:r>
+              <a:rPr lang="en-US" sz="1200" dirty="0" err="1"/>
+              <a:t>BigWig</a:t>
+            </a:r>
+            <a:r>
+              <a:rPr lang="en-US" sz="1200" dirty="0"/>
+              <a:t> files from 5’ 1bp</a:t>
+            </a:r>
+          </a:p>
+        </p:txBody>
+      </p:sp>
+      <p:cxnSp>
+        <p:nvCxnSpPr>
+          <p:cNvPr id="79" name="Elbow Connector 78">
+            <a:extLst>
+              <a:ext uri="{FF2B5EF4-FFF2-40B4-BE49-F238E27FC236}">
+                <a16:creationId xmlns:a16="http://schemas.microsoft.com/office/drawing/2014/main" id="{BBF09D12-5FE0-C64C-B528-23B6FE23761B}"/>
+              </a:ext>
+            </a:extLst>
+          </p:cNvPr>
+          <p:cNvCxnSpPr>
+            <a:cxnSpLocks/>
+            <a:stCxn id="12" idx="2"/>
+            <a:endCxn id="77" idx="1"/>
+          </p:cNvCxnSpPr>
+          <p:nvPr/>
+        </p:nvCxnSpPr>
+        <p:spPr>
+          <a:xfrm rot="16200000" flipH="1">
+            <a:off x="3602061" y="3830516"/>
+            <a:ext cx="2358866" cy="238081"/>
+          </a:xfrm>
+          <a:prstGeom prst="bentConnector2">
+            <a:avLst/>
+          </a:prstGeom>
+          <a:ln>
+            <a:tailEnd type="triangle"/>
+          </a:ln>
+        </p:spPr>
+        <p:style>
+          <a:lnRef idx="1">
+            <a:schemeClr val="accent1"/>
+          </a:lnRef>
+          <a:fillRef idx="0">
+            <a:schemeClr val="accent1"/>
+          </a:fillRef>
+          <a:effectRef idx="0">
+            <a:schemeClr val="accent1"/>
+          </a:effectRef>
+          <a:fontRef idx="minor">
+            <a:schemeClr val="tx1"/>
+          </a:fontRef>
+        </p:style>
+      </p:cxnSp>
+      <p:cxnSp>
+        <p:nvCxnSpPr>
+          <p:cNvPr id="91" name="Elbow Connector 90">
+            <a:extLst>
+              <a:ext uri="{FF2B5EF4-FFF2-40B4-BE49-F238E27FC236}">
+                <a16:creationId xmlns:a16="http://schemas.microsoft.com/office/drawing/2014/main" id="{77B71131-436D-B74E-B90E-E1ACA750E794}"/>
+              </a:ext>
+            </a:extLst>
+          </p:cNvPr>
+          <p:cNvCxnSpPr>
+            <a:cxnSpLocks/>
+            <a:stCxn id="12" idx="2"/>
+            <a:endCxn id="40" idx="1"/>
+          </p:cNvCxnSpPr>
+          <p:nvPr/>
+        </p:nvCxnSpPr>
+        <p:spPr>
+          <a:xfrm rot="16200000" flipH="1">
+            <a:off x="4595772" y="2836806"/>
+            <a:ext cx="371448" cy="238084"/>
+          </a:xfrm>
+          <a:prstGeom prst="bentConnector2">
+            <a:avLst/>
+          </a:prstGeom>
+          <a:ln>
+            <a:tailEnd type="triangle"/>
+          </a:ln>
+        </p:spPr>
+        <p:style>
+          <a:lnRef idx="1">
+            <a:schemeClr val="accent1"/>
+          </a:lnRef>
+          <a:fillRef idx="0">
+            <a:schemeClr val="accent1"/>
+          </a:fillRef>
+          <a:effectRef idx="0">
+            <a:schemeClr val="accent1"/>
+          </a:effectRef>
+          <a:fontRef idx="minor">
+            <a:schemeClr val="tx1"/>
+          </a:fontRef>
+        </p:style>
+      </p:cxnSp>
+      <p:sp>
+        <p:nvSpPr>
+          <p:cNvPr id="96" name="Rounded Rectangle 95">
+            <a:extLst>
+              <a:ext uri="{FF2B5EF4-FFF2-40B4-BE49-F238E27FC236}">
+                <a16:creationId xmlns:a16="http://schemas.microsoft.com/office/drawing/2014/main" id="{18EEE553-B81B-5B4C-87FA-B2F3F90D9852}"/>
+              </a:ext>
+            </a:extLst>
+          </p:cNvPr>
+          <p:cNvSpPr/>
+          <p:nvPr/>
+        </p:nvSpPr>
+        <p:spPr>
+          <a:xfrm>
+            <a:off x="8895396" y="3947739"/>
+            <a:ext cx="1790295" cy="365259"/>
+          </a:xfrm>
+          <a:prstGeom prst="roundRect">
+            <a:avLst/>
+          </a:prstGeom>
+          <a:ln w="12700"/>
+        </p:spPr>
+        <p:style>
+          <a:lnRef idx="2">
+            <a:schemeClr val="dk1"/>
+          </a:lnRef>
+          <a:fillRef idx="1">
+            <a:schemeClr val="lt1"/>
+          </a:fillRef>
+          <a:effectRef idx="0">
+            <a:schemeClr val="dk1"/>
+          </a:effectRef>
+          <a:fontRef idx="minor">
+            <a:schemeClr val="dk1"/>
+          </a:fontRef>
+        </p:style>
+        <p:txBody>
+          <a:bodyPr rtlCol="0" anchor="ctr"/>
+          <a:lstStyle/>
+          <a:p>
+            <a:pPr algn="ctr"/>
+            <a:r>
+              <a:rPr lang="en-US" sz="1200" dirty="0"/>
+              <a:t>Motif search</a:t>
+            </a:r>
+          </a:p>
+        </p:txBody>
+      </p:sp>
+      <p:cxnSp>
+        <p:nvCxnSpPr>
+          <p:cNvPr id="97" name="Straight Arrow Connector 96">
+            <a:extLst>
+              <a:ext uri="{FF2B5EF4-FFF2-40B4-BE49-F238E27FC236}">
+                <a16:creationId xmlns:a16="http://schemas.microsoft.com/office/drawing/2014/main" id="{DAB91A14-AD05-BE47-BB61-4CAC296AC671}"/>
+              </a:ext>
+            </a:extLst>
+          </p:cNvPr>
+          <p:cNvCxnSpPr>
+            <a:cxnSpLocks/>
+            <a:stCxn id="45" idx="3"/>
+            <a:endCxn id="96" idx="1"/>
+          </p:cNvCxnSpPr>
+          <p:nvPr/>
+        </p:nvCxnSpPr>
+        <p:spPr>
+          <a:xfrm>
+            <a:off x="8694525" y="4130369"/>
+            <a:ext cx="200871" cy="0"/>
+          </a:xfrm>
+          <a:prstGeom prst="straightConnector1">
+            <a:avLst/>
+          </a:prstGeom>
+          <a:ln>
+            <a:tailEnd type="triangle"/>
+          </a:ln>
+        </p:spPr>
+        <p:style>
+          <a:lnRef idx="1">
+            <a:schemeClr val="accent1"/>
+          </a:lnRef>
+          <a:fillRef idx="0">
+            <a:schemeClr val="accent1"/>
+          </a:fillRef>
+          <a:effectRef idx="0">
+            <a:schemeClr val="accent1"/>
+          </a:effectRef>
+          <a:fontRef idx="minor">
+            <a:schemeClr val="tx1"/>
+          </a:fontRef>
+        </p:style>
+      </p:cxnSp>
+      <p:sp>
+        <p:nvSpPr>
+          <p:cNvPr id="101" name="Rounded Rectangle 100">
+            <a:extLst>
+              <a:ext uri="{FF2B5EF4-FFF2-40B4-BE49-F238E27FC236}">
+                <a16:creationId xmlns:a16="http://schemas.microsoft.com/office/drawing/2014/main" id="{854C52C9-B94F-EC4A-B031-12E4A82CF728}"/>
+              </a:ext>
+            </a:extLst>
+          </p:cNvPr>
+          <p:cNvSpPr/>
+          <p:nvPr/>
+        </p:nvSpPr>
+        <p:spPr>
+          <a:xfrm>
+            <a:off x="6904230" y="4452001"/>
+            <a:ext cx="1790295" cy="365259"/>
+          </a:xfrm>
+          <a:prstGeom prst="roundRect">
+            <a:avLst/>
+          </a:prstGeom>
+          <a:ln w="12700"/>
+        </p:spPr>
+        <p:style>
+          <a:lnRef idx="2">
+            <a:schemeClr val="dk1"/>
+          </a:lnRef>
+          <a:fillRef idx="1">
+            <a:schemeClr val="lt1"/>
+          </a:fillRef>
+          <a:effectRef idx="0">
+            <a:schemeClr val="dk1"/>
+          </a:effectRef>
+          <a:fontRef idx="minor">
+            <a:schemeClr val="dk1"/>
+          </a:fontRef>
+        </p:style>
+        <p:txBody>
+          <a:bodyPr rtlCol="0" anchor="ctr"/>
+          <a:lstStyle/>
+          <a:p>
+            <a:pPr algn="ctr"/>
+            <a:r>
+              <a:rPr lang="en-US" sz="1200" dirty="0"/>
+              <a:t>Peak visualization</a:t>
+            </a:r>
+          </a:p>
+        </p:txBody>
+      </p:sp>
+      <p:cxnSp>
+        <p:nvCxnSpPr>
+          <p:cNvPr id="102" name="Straight Arrow Connector 101">
+            <a:extLst>
+              <a:ext uri="{FF2B5EF4-FFF2-40B4-BE49-F238E27FC236}">
+                <a16:creationId xmlns:a16="http://schemas.microsoft.com/office/drawing/2014/main" id="{721896C8-6D35-124A-B772-D82E1760801D}"/>
+              </a:ext>
+            </a:extLst>
+          </p:cNvPr>
+          <p:cNvCxnSpPr>
+            <a:cxnSpLocks/>
+            <a:stCxn id="46" idx="3"/>
+            <a:endCxn id="101" idx="1"/>
+          </p:cNvCxnSpPr>
+          <p:nvPr/>
+        </p:nvCxnSpPr>
+        <p:spPr>
+          <a:xfrm>
+            <a:off x="6690832" y="4625631"/>
+            <a:ext cx="213398" cy="9000"/>
+          </a:xfrm>
+          <a:prstGeom prst="straightConnector1">
+            <a:avLst/>
+          </a:prstGeom>
+          <a:ln>
+            <a:tailEnd type="triangle"/>
+          </a:ln>
+        </p:spPr>
+        <p:style>
+          <a:lnRef idx="1">
+            <a:schemeClr val="accent1"/>
+          </a:lnRef>
+          <a:fillRef idx="0">
+            <a:schemeClr val="accent1"/>
+          </a:fillRef>
+          <a:effectRef idx="0">
+            <a:schemeClr val="accent1"/>
+          </a:effectRef>
+          <a:fontRef idx="minor">
+            <a:schemeClr val="tx1"/>
+          </a:fontRef>
+        </p:style>
+      </p:cxnSp>
+      <p:sp>
+        <p:nvSpPr>
+          <p:cNvPr id="105" name="Rounded Rectangle 104">
+            <a:extLst>
+              <a:ext uri="{FF2B5EF4-FFF2-40B4-BE49-F238E27FC236}">
+                <a16:creationId xmlns:a16="http://schemas.microsoft.com/office/drawing/2014/main" id="{E061059A-9C59-E543-B0E7-6329E292E1DE}"/>
+              </a:ext>
+            </a:extLst>
+          </p:cNvPr>
+          <p:cNvSpPr/>
+          <p:nvPr/>
+        </p:nvSpPr>
+        <p:spPr>
+          <a:xfrm>
+            <a:off x="8895395" y="4947525"/>
+            <a:ext cx="1790295" cy="365259"/>
+          </a:xfrm>
+          <a:prstGeom prst="roundRect">
+            <a:avLst/>
+          </a:prstGeom>
+          <a:ln/>
+        </p:spPr>
+        <p:style>
+          <a:lnRef idx="2">
+            <a:schemeClr val="accent2">
+              <a:shade val="50000"/>
+            </a:schemeClr>
+          </a:lnRef>
+          <a:fillRef idx="1">
+            <a:schemeClr val="accent2"/>
+          </a:fillRef>
+          <a:effectRef idx="0">
+            <a:schemeClr val="accent2"/>
+          </a:effectRef>
+          <a:fontRef idx="minor">
+            <a:schemeClr val="lt1"/>
+          </a:fontRef>
+        </p:style>
+        <p:txBody>
+          <a:bodyPr rtlCol="0" anchor="ctr"/>
+          <a:lstStyle/>
+          <a:p>
+            <a:pPr algn="ctr"/>
+            <a:r>
+              <a:rPr lang="en-US" sz="1200" b="1" dirty="0"/>
+              <a:t>Footprint analysis</a:t>
+            </a:r>
+          </a:p>
+        </p:txBody>
+      </p:sp>
+      <p:cxnSp>
+        <p:nvCxnSpPr>
+          <p:cNvPr id="106" name="Straight Arrow Connector 105">
+            <a:extLst>
+              <a:ext uri="{FF2B5EF4-FFF2-40B4-BE49-F238E27FC236}">
+                <a16:creationId xmlns:a16="http://schemas.microsoft.com/office/drawing/2014/main" id="{F78FD154-0F81-F74B-8C6D-2D46E1DB1B08}"/>
+              </a:ext>
+            </a:extLst>
+          </p:cNvPr>
+          <p:cNvCxnSpPr>
+            <a:cxnSpLocks/>
+            <a:stCxn id="77" idx="3"/>
+            <a:endCxn id="105" idx="1"/>
+          </p:cNvCxnSpPr>
+          <p:nvPr/>
+        </p:nvCxnSpPr>
+        <p:spPr>
+          <a:xfrm>
+            <a:off x="6690830" y="5128990"/>
+            <a:ext cx="2204565" cy="1165"/>
+          </a:xfrm>
+          <a:prstGeom prst="straightConnector1">
+            <a:avLst/>
+          </a:prstGeom>
+          <a:ln>
+            <a:tailEnd type="triangle"/>
+          </a:ln>
+        </p:spPr>
+        <p:style>
+          <a:lnRef idx="1">
+            <a:schemeClr val="accent1"/>
+          </a:lnRef>
+          <a:fillRef idx="0">
+            <a:schemeClr val="accent1"/>
+          </a:fillRef>
+          <a:effectRef idx="0">
+            <a:schemeClr val="accent1"/>
+          </a:effectRef>
+          <a:fontRef idx="minor">
+            <a:schemeClr val="tx1"/>
+          </a:fontRef>
+        </p:style>
+      </p:cxnSp>
+      <p:cxnSp>
+        <p:nvCxnSpPr>
+          <p:cNvPr id="112" name="Straight Arrow Connector 111">
+            <a:extLst>
+              <a:ext uri="{FF2B5EF4-FFF2-40B4-BE49-F238E27FC236}">
+                <a16:creationId xmlns:a16="http://schemas.microsoft.com/office/drawing/2014/main" id="{FA123CDE-843E-C54A-85B5-9CB7E7CE8AB2}"/>
+              </a:ext>
+            </a:extLst>
+          </p:cNvPr>
+          <p:cNvCxnSpPr>
+            <a:cxnSpLocks/>
+            <a:stCxn id="96" idx="2"/>
+            <a:endCxn id="105" idx="0"/>
+          </p:cNvCxnSpPr>
+          <p:nvPr/>
+        </p:nvCxnSpPr>
+        <p:spPr>
+          <a:xfrm flipH="1">
+            <a:off x="9790543" y="4312998"/>
+            <a:ext cx="1" cy="634527"/>
+          </a:xfrm>
+          <a:prstGeom prst="straightConnector1">
+            <a:avLst/>
+          </a:prstGeom>
+          <a:ln>
+            <a:tailEnd type="triangle"/>
+          </a:ln>
+        </p:spPr>
+        <p:style>
+          <a:lnRef idx="1">
+            <a:schemeClr val="accent1"/>
+          </a:lnRef>
+          <a:fillRef idx="0">
+            <a:schemeClr val="accent1"/>
+          </a:fillRef>
+          <a:effectRef idx="0">
+            <a:schemeClr val="accent1"/>
+          </a:effectRef>
+          <a:fontRef idx="minor">
+            <a:schemeClr val="tx1"/>
+          </a:fontRef>
+        </p:style>
+      </p:cxnSp>
+      <p:sp>
+        <p:nvSpPr>
+          <p:cNvPr id="118" name="TextBox 117">
+            <a:extLst>
+              <a:ext uri="{FF2B5EF4-FFF2-40B4-BE49-F238E27FC236}">
+                <a16:creationId xmlns:a16="http://schemas.microsoft.com/office/drawing/2014/main" id="{AA268D84-67B6-AA4C-B829-D087552C512E}"/>
+              </a:ext>
+            </a:extLst>
+          </p:cNvPr>
+          <p:cNvSpPr txBox="1"/>
+          <p:nvPr/>
+        </p:nvSpPr>
+        <p:spPr>
+          <a:xfrm>
+            <a:off x="3866067" y="236585"/>
+            <a:ext cx="4957960" cy="646331"/>
+          </a:xfrm>
+          <a:prstGeom prst="rect">
+            <a:avLst/>
+          </a:prstGeom>
+          <a:noFill/>
+        </p:spPr>
+        <p:txBody>
+          <a:bodyPr wrap="none" rtlCol="0">
+            <a:spAutoFit/>
+          </a:bodyPr>
+          <a:lstStyle/>
+          <a:p>
+            <a:pPr marL="285750" indent="-285750">
+              <a:buFontTx/>
+              <a:buChar char="-"/>
+            </a:pPr>
+            <a:r>
+              <a:rPr lang="en-US" dirty="0"/>
+              <a:t>Bunch of bash and R scripts</a:t>
+            </a:r>
+          </a:p>
+          <a:p>
+            <a:pPr marL="285750" indent="-285750">
+              <a:buFontTx/>
+              <a:buChar char="-"/>
+            </a:pPr>
+            <a:r>
+              <a:rPr lang="en-US" dirty="0"/>
+              <a:t>Snakemake-based automatic parallel processing</a:t>
+            </a:r>
+          </a:p>
+        </p:txBody>
+      </p:sp>
+    </p:spTree>
+    <p:extLst>
+      <p:ext uri="{BB962C8B-B14F-4D97-AF65-F5344CB8AC3E}">
+        <p14:creationId xmlns:p14="http://schemas.microsoft.com/office/powerpoint/2010/main" val="1396112812"/>
       </p:ext>
     </p:extLst>
   </p:cSld>

--- a/Plan/schema.pptx
+++ b/Plan/schema.pptx
@@ -265,7 +265,7 @@
           <a:p>
             <a:fld id="{E1A2546D-C337-864E-97E4-436D2A8FC99A}" type="datetimeFigureOut">
               <a:rPr lang="en-US" smtClean="0"/>
-              <a:t>8/6/20</a:t>
+              <a:t>10/16/20</a:t>
             </a:fld>
             <a:endParaRPr lang="en-US"/>
           </a:p>
@@ -463,7 +463,7 @@
           <a:p>
             <a:fld id="{E1A2546D-C337-864E-97E4-436D2A8FC99A}" type="datetimeFigureOut">
               <a:rPr lang="en-US" smtClean="0"/>
-              <a:t>8/6/20</a:t>
+              <a:t>10/16/20</a:t>
             </a:fld>
             <a:endParaRPr lang="en-US"/>
           </a:p>
@@ -671,7 +671,7 @@
           <a:p>
             <a:fld id="{E1A2546D-C337-864E-97E4-436D2A8FC99A}" type="datetimeFigureOut">
               <a:rPr lang="en-US" smtClean="0"/>
-              <a:t>8/6/20</a:t>
+              <a:t>10/16/20</a:t>
             </a:fld>
             <a:endParaRPr lang="en-US"/>
           </a:p>
@@ -869,7 +869,7 @@
           <a:p>
             <a:fld id="{E1A2546D-C337-864E-97E4-436D2A8FC99A}" type="datetimeFigureOut">
               <a:rPr lang="en-US" smtClean="0"/>
-              <a:t>8/6/20</a:t>
+              <a:t>10/16/20</a:t>
             </a:fld>
             <a:endParaRPr lang="en-US"/>
           </a:p>
@@ -1144,7 +1144,7 @@
           <a:p>
             <a:fld id="{E1A2546D-C337-864E-97E4-436D2A8FC99A}" type="datetimeFigureOut">
               <a:rPr lang="en-US" smtClean="0"/>
-              <a:t>8/6/20</a:t>
+              <a:t>10/16/20</a:t>
             </a:fld>
             <a:endParaRPr lang="en-US"/>
           </a:p>
@@ -1409,7 +1409,7 @@
           <a:p>
             <a:fld id="{E1A2546D-C337-864E-97E4-436D2A8FC99A}" type="datetimeFigureOut">
               <a:rPr lang="en-US" smtClean="0"/>
-              <a:t>8/6/20</a:t>
+              <a:t>10/16/20</a:t>
             </a:fld>
             <a:endParaRPr lang="en-US"/>
           </a:p>
@@ -1821,7 +1821,7 @@
           <a:p>
             <a:fld id="{E1A2546D-C337-864E-97E4-436D2A8FC99A}" type="datetimeFigureOut">
               <a:rPr lang="en-US" smtClean="0"/>
-              <a:t>8/6/20</a:t>
+              <a:t>10/16/20</a:t>
             </a:fld>
             <a:endParaRPr lang="en-US"/>
           </a:p>
@@ -1962,7 +1962,7 @@
           <a:p>
             <a:fld id="{E1A2546D-C337-864E-97E4-436D2A8FC99A}" type="datetimeFigureOut">
               <a:rPr lang="en-US" smtClean="0"/>
-              <a:t>8/6/20</a:t>
+              <a:t>10/16/20</a:t>
             </a:fld>
             <a:endParaRPr lang="en-US"/>
           </a:p>
@@ -2075,7 +2075,7 @@
           <a:p>
             <a:fld id="{E1A2546D-C337-864E-97E4-436D2A8FC99A}" type="datetimeFigureOut">
               <a:rPr lang="en-US" smtClean="0"/>
-              <a:t>8/6/20</a:t>
+              <a:t>10/16/20</a:t>
             </a:fld>
             <a:endParaRPr lang="en-US"/>
           </a:p>
@@ -2386,7 +2386,7 @@
           <a:p>
             <a:fld id="{E1A2546D-C337-864E-97E4-436D2A8FC99A}" type="datetimeFigureOut">
               <a:rPr lang="en-US" smtClean="0"/>
-              <a:t>8/6/20</a:t>
+              <a:t>10/16/20</a:t>
             </a:fld>
             <a:endParaRPr lang="en-US"/>
           </a:p>
@@ -2674,7 +2674,7 @@
           <a:p>
             <a:fld id="{E1A2546D-C337-864E-97E4-436D2A8FC99A}" type="datetimeFigureOut">
               <a:rPr lang="en-US" smtClean="0"/>
-              <a:t>8/6/20</a:t>
+              <a:t>10/16/20</a:t>
             </a:fld>
             <a:endParaRPr lang="en-US"/>
           </a:p>
@@ -2915,7 +2915,7 @@
           <a:p>
             <a:fld id="{E1A2546D-C337-864E-97E4-436D2A8FC99A}" type="datetimeFigureOut">
               <a:rPr lang="en-US" smtClean="0"/>
-              <a:t>8/6/20</a:t>
+              <a:t>10/16/20</a:t>
             </a:fld>
             <a:endParaRPr lang="en-US"/>
           </a:p>
@@ -4231,55 +4231,6 @@
       </p:sp>
       <p:sp>
         <p:nvSpPr>
-          <p:cNvPr id="16" name="Rounded Rectangle 15">
-            <a:extLst>
-              <a:ext uri="{FF2B5EF4-FFF2-40B4-BE49-F238E27FC236}">
-                <a16:creationId xmlns:a16="http://schemas.microsoft.com/office/drawing/2014/main" id="{94DA1DF1-187C-9B45-A37F-29C99D68EC4C}"/>
-              </a:ext>
-            </a:extLst>
-          </p:cNvPr>
-          <p:cNvSpPr/>
-          <p:nvPr/>
-        </p:nvSpPr>
-        <p:spPr>
-          <a:xfrm>
-            <a:off x="1353690" y="4390876"/>
-            <a:ext cx="1763486" cy="429925"/>
-          </a:xfrm>
-          <a:prstGeom prst="roundRect">
-            <a:avLst/>
-          </a:prstGeom>
-        </p:spPr>
-        <p:style>
-          <a:lnRef idx="2">
-            <a:schemeClr val="accent1">
-              <a:shade val="50000"/>
-            </a:schemeClr>
-          </a:lnRef>
-          <a:fillRef idx="1">
-            <a:schemeClr val="accent1"/>
-          </a:fillRef>
-          <a:effectRef idx="0">
-            <a:schemeClr val="accent1"/>
-          </a:effectRef>
-          <a:fontRef idx="minor">
-            <a:schemeClr val="lt1"/>
-          </a:fontRef>
-        </p:style>
-        <p:txBody>
-          <a:bodyPr rtlCol="0" anchor="ctr"/>
-          <a:lstStyle/>
-          <a:p>
-            <a:pPr algn="ctr"/>
-            <a:r>
-              <a:rPr lang="en-US" sz="1600" dirty="0"/>
-              <a:t>Processed BAM</a:t>
-            </a:r>
-          </a:p>
-        </p:txBody>
-      </p:sp>
-      <p:sp>
-        <p:nvSpPr>
           <p:cNvPr id="12" name="Rounded Rectangle 11">
             <a:extLst>
               <a:ext uri="{FF2B5EF4-FFF2-40B4-BE49-F238E27FC236}">
@@ -4435,19 +4386,20 @@
           </p:cNvPr>
           <p:cNvCxnSpPr>
             <a:cxnSpLocks/>
-            <a:stCxn id="16" idx="3"/>
+            <a:stCxn id="13" idx="2"/>
             <a:endCxn id="12" idx="1"/>
           </p:cNvCxnSpPr>
           <p:nvPr/>
         </p:nvCxnSpPr>
         <p:spPr>
-          <a:xfrm flipV="1">
-            <a:off x="3117176" y="2012987"/>
-            <a:ext cx="560615" cy="2592852"/>
-          </a:xfrm>
-          <a:prstGeom prst="bentConnector3">
+          <a:xfrm rot="5400000" flipH="1" flipV="1">
+            <a:off x="1754840" y="2444594"/>
+            <a:ext cx="2354557" cy="1491343"/>
+          </a:xfrm>
+          <a:prstGeom prst="bentConnector4">
             <a:avLst>
-              <a:gd name="adj1" fmla="val 50000"/>
+              <a:gd name="adj1" fmla="val -9709"/>
+              <a:gd name="adj2" fmla="val 78649"/>
             </a:avLst>
           </a:prstGeom>
           <a:ln>
@@ -5534,6 +5486,76 @@
             <a:r>
               <a:rPr lang="en-US" dirty="0"/>
               <a:t>Snakemake-based automatic parallel processing</a:t>
+            </a:r>
+          </a:p>
+        </p:txBody>
+      </p:sp>
+      <p:sp>
+        <p:nvSpPr>
+          <p:cNvPr id="38" name="TextBox 37">
+            <a:extLst>
+              <a:ext uri="{FF2B5EF4-FFF2-40B4-BE49-F238E27FC236}">
+                <a16:creationId xmlns:a16="http://schemas.microsoft.com/office/drawing/2014/main" id="{4B48B5C7-302B-3742-9A15-635644F1863A}"/>
+              </a:ext>
+            </a:extLst>
+          </p:cNvPr>
+          <p:cNvSpPr txBox="1"/>
+          <p:nvPr/>
+        </p:nvSpPr>
+        <p:spPr>
+          <a:xfrm>
+            <a:off x="230241" y="537478"/>
+            <a:ext cx="1120820" cy="369332"/>
+          </a:xfrm>
+          <a:prstGeom prst="rect">
+            <a:avLst/>
+          </a:prstGeom>
+          <a:noFill/>
+        </p:spPr>
+        <p:txBody>
+          <a:bodyPr wrap="none" rtlCol="0">
+            <a:spAutoFit/>
+          </a:bodyPr>
+          <a:lstStyle/>
+          <a:p>
+            <a:r>
+              <a:rPr lang="en-US" dirty="0"/>
+              <a:t>20200806</a:t>
+            </a:r>
+          </a:p>
+        </p:txBody>
+      </p:sp>
+      <p:sp>
+        <p:nvSpPr>
+          <p:cNvPr id="3" name="TextBox 2">
+            <a:extLst>
+              <a:ext uri="{FF2B5EF4-FFF2-40B4-BE49-F238E27FC236}">
+                <a16:creationId xmlns:a16="http://schemas.microsoft.com/office/drawing/2014/main" id="{A124EDA9-190B-1F49-8EC2-6C1FDBCF8917}"/>
+              </a:ext>
+            </a:extLst>
+          </p:cNvPr>
+          <p:cNvSpPr txBox="1"/>
+          <p:nvPr/>
+        </p:nvSpPr>
+        <p:spPr>
+          <a:xfrm>
+            <a:off x="5647116" y="1867007"/>
+            <a:ext cx="1357936" cy="276999"/>
+          </a:xfrm>
+          <a:prstGeom prst="rect">
+            <a:avLst/>
+          </a:prstGeom>
+          <a:noFill/>
+        </p:spPr>
+        <p:txBody>
+          <a:bodyPr wrap="none" rtlCol="0">
+            <a:spAutoFit/>
+          </a:bodyPr>
+          <a:lstStyle/>
+          <a:p>
+            <a:r>
+              <a:rPr lang="en-US" sz="1200" dirty="0"/>
+              <a:t>(including spike-in)</a:t>
             </a:r>
           </a:p>
         </p:txBody>
@@ -6271,6 +6293,41 @@
           </a:p>
         </p:txBody>
       </p:sp>
+      <p:sp>
+        <p:nvSpPr>
+          <p:cNvPr id="2" name="TextBox 1">
+            <a:extLst>
+              <a:ext uri="{FF2B5EF4-FFF2-40B4-BE49-F238E27FC236}">
+                <a16:creationId xmlns:a16="http://schemas.microsoft.com/office/drawing/2014/main" id="{F9A097BA-92B2-FD4F-A85C-474316924C0B}"/>
+              </a:ext>
+            </a:extLst>
+          </p:cNvPr>
+          <p:cNvSpPr txBox="1"/>
+          <p:nvPr/>
+        </p:nvSpPr>
+        <p:spPr>
+          <a:xfrm>
+            <a:off x="230241" y="537478"/>
+            <a:ext cx="1120820" cy="369332"/>
+          </a:xfrm>
+          <a:prstGeom prst="rect">
+            <a:avLst/>
+          </a:prstGeom>
+          <a:noFill/>
+        </p:spPr>
+        <p:txBody>
+          <a:bodyPr wrap="none" rtlCol="0">
+            <a:spAutoFit/>
+          </a:bodyPr>
+          <a:lstStyle/>
+          <a:p>
+            <a:r>
+              <a:rPr lang="en-US" dirty="0"/>
+              <a:t>20200806</a:t>
+            </a:r>
+          </a:p>
+        </p:txBody>
+      </p:sp>
     </p:spTree>
     <p:extLst>
       <p:ext uri="{BB962C8B-B14F-4D97-AF65-F5344CB8AC3E}">
@@ -8076,6 +8133,41 @@
             <a:r>
               <a:rPr lang="en-US" dirty="0"/>
               <a:t>Snakemake-based automatic parallel processing</a:t>
+            </a:r>
+          </a:p>
+        </p:txBody>
+      </p:sp>
+      <p:sp>
+        <p:nvSpPr>
+          <p:cNvPr id="38" name="TextBox 37">
+            <a:extLst>
+              <a:ext uri="{FF2B5EF4-FFF2-40B4-BE49-F238E27FC236}">
+                <a16:creationId xmlns:a16="http://schemas.microsoft.com/office/drawing/2014/main" id="{59CC6905-E7AF-DD4F-B1D6-D4916EC21670}"/>
+              </a:ext>
+            </a:extLst>
+          </p:cNvPr>
+          <p:cNvSpPr txBox="1"/>
+          <p:nvPr/>
+        </p:nvSpPr>
+        <p:spPr>
+          <a:xfrm>
+            <a:off x="230241" y="537478"/>
+            <a:ext cx="1792157" cy="369332"/>
+          </a:xfrm>
+          <a:prstGeom prst="rect">
+            <a:avLst/>
+          </a:prstGeom>
+          <a:noFill/>
+        </p:spPr>
+        <p:txBody>
+          <a:bodyPr wrap="none" rtlCol="0">
+            <a:spAutoFit/>
+          </a:bodyPr>
+          <a:lstStyle/>
+          <a:p>
+            <a:r>
+              <a:rPr lang="en-US" dirty="0"/>
+              <a:t>Before 20200806</a:t>
             </a:r>
           </a:p>
         </p:txBody>

--- a/Plan/schema.pptx
+++ b/Plan/schema.pptx
@@ -265,7 +265,7 @@
           <a:p>
             <a:fld id="{E1A2546D-C337-864E-97E4-436D2A8FC99A}" type="datetimeFigureOut">
               <a:rPr lang="en-US" smtClean="0"/>
-              <a:t>10/16/20</a:t>
+              <a:t>11/18/20</a:t>
             </a:fld>
             <a:endParaRPr lang="en-US"/>
           </a:p>
@@ -463,7 +463,7 @@
           <a:p>
             <a:fld id="{E1A2546D-C337-864E-97E4-436D2A8FC99A}" type="datetimeFigureOut">
               <a:rPr lang="en-US" smtClean="0"/>
-              <a:t>10/16/20</a:t>
+              <a:t>11/18/20</a:t>
             </a:fld>
             <a:endParaRPr lang="en-US"/>
           </a:p>
@@ -671,7 +671,7 @@
           <a:p>
             <a:fld id="{E1A2546D-C337-864E-97E4-436D2A8FC99A}" type="datetimeFigureOut">
               <a:rPr lang="en-US" smtClean="0"/>
-              <a:t>10/16/20</a:t>
+              <a:t>11/18/20</a:t>
             </a:fld>
             <a:endParaRPr lang="en-US"/>
           </a:p>
@@ -869,7 +869,7 @@
           <a:p>
             <a:fld id="{E1A2546D-C337-864E-97E4-436D2A8FC99A}" type="datetimeFigureOut">
               <a:rPr lang="en-US" smtClean="0"/>
-              <a:t>10/16/20</a:t>
+              <a:t>11/18/20</a:t>
             </a:fld>
             <a:endParaRPr lang="en-US"/>
           </a:p>
@@ -1144,7 +1144,7 @@
           <a:p>
             <a:fld id="{E1A2546D-C337-864E-97E4-436D2A8FC99A}" type="datetimeFigureOut">
               <a:rPr lang="en-US" smtClean="0"/>
-              <a:t>10/16/20</a:t>
+              <a:t>11/18/20</a:t>
             </a:fld>
             <a:endParaRPr lang="en-US"/>
           </a:p>
@@ -1409,7 +1409,7 @@
           <a:p>
             <a:fld id="{E1A2546D-C337-864E-97E4-436D2A8FC99A}" type="datetimeFigureOut">
               <a:rPr lang="en-US" smtClean="0"/>
-              <a:t>10/16/20</a:t>
+              <a:t>11/18/20</a:t>
             </a:fld>
             <a:endParaRPr lang="en-US"/>
           </a:p>
@@ -1821,7 +1821,7 @@
           <a:p>
             <a:fld id="{E1A2546D-C337-864E-97E4-436D2A8FC99A}" type="datetimeFigureOut">
               <a:rPr lang="en-US" smtClean="0"/>
-              <a:t>10/16/20</a:t>
+              <a:t>11/18/20</a:t>
             </a:fld>
             <a:endParaRPr lang="en-US"/>
           </a:p>
@@ -1962,7 +1962,7 @@
           <a:p>
             <a:fld id="{E1A2546D-C337-864E-97E4-436D2A8FC99A}" type="datetimeFigureOut">
               <a:rPr lang="en-US" smtClean="0"/>
-              <a:t>10/16/20</a:t>
+              <a:t>11/18/20</a:t>
             </a:fld>
             <a:endParaRPr lang="en-US"/>
           </a:p>
@@ -2075,7 +2075,7 @@
           <a:p>
             <a:fld id="{E1A2546D-C337-864E-97E4-436D2A8FC99A}" type="datetimeFigureOut">
               <a:rPr lang="en-US" smtClean="0"/>
-              <a:t>10/16/20</a:t>
+              <a:t>11/18/20</a:t>
             </a:fld>
             <a:endParaRPr lang="en-US"/>
           </a:p>
@@ -2386,7 +2386,7 @@
           <a:p>
             <a:fld id="{E1A2546D-C337-864E-97E4-436D2A8FC99A}" type="datetimeFigureOut">
               <a:rPr lang="en-US" smtClean="0"/>
-              <a:t>10/16/20</a:t>
+              <a:t>11/18/20</a:t>
             </a:fld>
             <a:endParaRPr lang="en-US"/>
           </a:p>
@@ -2674,7 +2674,7 @@
           <a:p>
             <a:fld id="{E1A2546D-C337-864E-97E4-436D2A8FC99A}" type="datetimeFigureOut">
               <a:rPr lang="en-US" smtClean="0"/>
-              <a:t>10/16/20</a:t>
+              <a:t>11/18/20</a:t>
             </a:fld>
             <a:endParaRPr lang="en-US"/>
           </a:p>
@@ -2915,7 +2915,7 @@
           <a:p>
             <a:fld id="{E1A2546D-C337-864E-97E4-436D2A8FC99A}" type="datetimeFigureOut">
               <a:rPr lang="en-US" smtClean="0"/>
-              <a:t>10/16/20</a:t>
+              <a:t>11/18/20</a:t>
             </a:fld>
             <a:endParaRPr lang="en-US"/>
           </a:p>
@@ -3429,7 +3429,367 @@
         </p:blipFill>
         <p:spPr>
           <a:xfrm>
+            <a:off x="9753600" y="5713025"/>
+            <a:ext cx="914400" cy="914400"/>
+          </a:xfrm>
+          <a:prstGeom prst="rect">
+            <a:avLst/>
+          </a:prstGeom>
+        </p:spPr>
+      </p:pic>
+      <p:pic>
+        <p:nvPicPr>
+          <p:cNvPr id="3" name="Graphic 2" descr="Fork and knife">
+            <a:extLst>
+              <a:ext uri="{FF2B5EF4-FFF2-40B4-BE49-F238E27FC236}">
+                <a16:creationId xmlns:a16="http://schemas.microsoft.com/office/drawing/2014/main" id="{D771DED1-3735-7D41-AB2F-2E4B3E0A0DD5}"/>
+              </a:ext>
+            </a:extLst>
+          </p:cNvPr>
+          <p:cNvPicPr>
+            <a:picLocks noChangeAspect="1"/>
+          </p:cNvPicPr>
+          <p:nvPr/>
+        </p:nvPicPr>
+        <p:blipFill>
+          <a:blip r:embed="rId4">
+            <a:extLst>
+              <a:ext uri="{96DAC541-7B7A-43D3-8B79-37D633B846F1}">
+                <asvg:svgBlip xmlns:asvg="http://schemas.microsoft.com/office/drawing/2016/SVG/main" r:embed="rId5"/>
+              </a:ext>
+            </a:extLst>
+          </a:blip>
+          <a:stretch>
+            <a:fillRect/>
+          </a:stretch>
+        </p:blipFill>
+        <p:spPr>
+          <a:xfrm>
             <a:off x="609600" y="1858963"/>
+            <a:ext cx="914400" cy="914400"/>
+          </a:xfrm>
+          <a:prstGeom prst="rect">
+            <a:avLst/>
+          </a:prstGeom>
+        </p:spPr>
+      </p:pic>
+      <p:pic>
+        <p:nvPicPr>
+          <p:cNvPr id="8" name="Graphic 7" descr="Fork and knife">
+            <a:extLst>
+              <a:ext uri="{FF2B5EF4-FFF2-40B4-BE49-F238E27FC236}">
+                <a16:creationId xmlns:a16="http://schemas.microsoft.com/office/drawing/2014/main" id="{32E41A72-1887-A140-B22D-B97139FA83A4}"/>
+              </a:ext>
+            </a:extLst>
+          </p:cNvPr>
+          <p:cNvPicPr>
+            <a:picLocks noChangeAspect="1"/>
+          </p:cNvPicPr>
+          <p:nvPr/>
+        </p:nvPicPr>
+        <p:blipFill>
+          <a:blip r:embed="rId6">
+            <a:extLst>
+              <a:ext uri="{96DAC541-7B7A-43D3-8B79-37D633B846F1}">
+                <asvg:svgBlip xmlns:asvg="http://schemas.microsoft.com/office/drawing/2016/SVG/main" r:embed="rId7"/>
+              </a:ext>
+            </a:extLst>
+          </a:blip>
+          <a:stretch>
+            <a:fillRect/>
+          </a:stretch>
+        </p:blipFill>
+        <p:spPr>
+          <a:xfrm>
+            <a:off x="10853353" y="5713025"/>
+            <a:ext cx="914400" cy="914400"/>
+          </a:xfrm>
+          <a:prstGeom prst="rect">
+            <a:avLst/>
+          </a:prstGeom>
+        </p:spPr>
+      </p:pic>
+      <p:pic>
+        <p:nvPicPr>
+          <p:cNvPr id="10" name="Graphic 9" descr="Chopsticks">
+            <a:extLst>
+              <a:ext uri="{FF2B5EF4-FFF2-40B4-BE49-F238E27FC236}">
+                <a16:creationId xmlns:a16="http://schemas.microsoft.com/office/drawing/2014/main" id="{E82D0726-A767-4041-92CD-E2A69F9078D6}"/>
+              </a:ext>
+            </a:extLst>
+          </p:cNvPr>
+          <p:cNvPicPr>
+            <a:picLocks noChangeAspect="1"/>
+          </p:cNvPicPr>
+          <p:nvPr/>
+        </p:nvPicPr>
+        <p:blipFill>
+          <a:blip r:embed="rId8">
+            <a:extLst>
+              <a:ext uri="{96DAC541-7B7A-43D3-8B79-37D633B846F1}">
+                <asvg:svgBlip xmlns:asvg="http://schemas.microsoft.com/office/drawing/2016/SVG/main" r:embed="rId9"/>
+              </a:ext>
+            </a:extLst>
+          </a:blip>
+          <a:stretch>
+            <a:fillRect/>
+          </a:stretch>
+        </p:blipFill>
+        <p:spPr>
+          <a:xfrm>
+            <a:off x="4227498" y="5745674"/>
+            <a:ext cx="914400" cy="914400"/>
+          </a:xfrm>
+          <a:prstGeom prst="rect">
+            <a:avLst/>
+          </a:prstGeom>
+        </p:spPr>
+      </p:pic>
+      <p:pic>
+        <p:nvPicPr>
+          <p:cNvPr id="12" name="Graphic 11" descr="Fork">
+            <a:extLst>
+              <a:ext uri="{FF2B5EF4-FFF2-40B4-BE49-F238E27FC236}">
+                <a16:creationId xmlns:a16="http://schemas.microsoft.com/office/drawing/2014/main" id="{6CDCEE20-3F7B-3E49-868A-6C664A178A99}"/>
+              </a:ext>
+            </a:extLst>
+          </p:cNvPr>
+          <p:cNvPicPr>
+            <a:picLocks noChangeAspect="1"/>
+          </p:cNvPicPr>
+          <p:nvPr/>
+        </p:nvPicPr>
+        <p:blipFill>
+          <a:blip r:embed="rId10">
+            <a:extLst>
+              <a:ext uri="{96DAC541-7B7A-43D3-8B79-37D633B846F1}">
+                <asvg:svgBlip xmlns:asvg="http://schemas.microsoft.com/office/drawing/2016/SVG/main" r:embed="rId11"/>
+              </a:ext>
+            </a:extLst>
+          </a:blip>
+          <a:stretch>
+            <a:fillRect/>
+          </a:stretch>
+        </p:blipFill>
+        <p:spPr>
+          <a:xfrm>
+            <a:off x="2380101" y="5684912"/>
+            <a:ext cx="914400" cy="914400"/>
+          </a:xfrm>
+          <a:prstGeom prst="rect">
+            <a:avLst/>
+          </a:prstGeom>
+        </p:spPr>
+      </p:pic>
+      <p:pic>
+        <p:nvPicPr>
+          <p:cNvPr id="14" name="Graphic 13" descr="Spoon">
+            <a:extLst>
+              <a:ext uri="{FF2B5EF4-FFF2-40B4-BE49-F238E27FC236}">
+                <a16:creationId xmlns:a16="http://schemas.microsoft.com/office/drawing/2014/main" id="{13D5A5D9-15AE-F34E-82F8-700FD046FE2F}"/>
+              </a:ext>
+            </a:extLst>
+          </p:cNvPr>
+          <p:cNvPicPr>
+            <a:picLocks noChangeAspect="1"/>
+          </p:cNvPicPr>
+          <p:nvPr/>
+        </p:nvPicPr>
+        <p:blipFill>
+          <a:blip r:embed="rId12">
+            <a:extLst>
+              <a:ext uri="{96DAC541-7B7A-43D3-8B79-37D633B846F1}">
+                <asvg:svgBlip xmlns:asvg="http://schemas.microsoft.com/office/drawing/2016/SVG/main" r:embed="rId13"/>
+              </a:ext>
+            </a:extLst>
+          </a:blip>
+          <a:stretch>
+            <a:fillRect/>
+          </a:stretch>
+        </p:blipFill>
+        <p:spPr>
+          <a:xfrm>
+            <a:off x="8651986" y="5778323"/>
+            <a:ext cx="914400" cy="914400"/>
+          </a:xfrm>
+          <a:prstGeom prst="rect">
+            <a:avLst/>
+          </a:prstGeom>
+        </p:spPr>
+      </p:pic>
+      <p:pic>
+        <p:nvPicPr>
+          <p:cNvPr id="16" name="Graphic 15" descr="Fork">
+            <a:extLst>
+              <a:ext uri="{FF2B5EF4-FFF2-40B4-BE49-F238E27FC236}">
+                <a16:creationId xmlns:a16="http://schemas.microsoft.com/office/drawing/2014/main" id="{B62FD9E7-3393-AC48-B9E9-4FCADC790294}"/>
+              </a:ext>
+            </a:extLst>
+          </p:cNvPr>
+          <p:cNvPicPr>
+            <a:picLocks noChangeAspect="1"/>
+          </p:cNvPicPr>
+          <p:nvPr/>
+        </p:nvPicPr>
+        <p:blipFill>
+          <a:blip r:embed="rId14">
+            <a:extLst>
+              <a:ext uri="{96DAC541-7B7A-43D3-8B79-37D633B846F1}">
+                <asvg:svgBlip xmlns:asvg="http://schemas.microsoft.com/office/drawing/2016/SVG/main" r:embed="rId15"/>
+              </a:ext>
+            </a:extLst>
+          </a:blip>
+          <a:stretch>
+            <a:fillRect/>
+          </a:stretch>
+        </p:blipFill>
+        <p:spPr>
+          <a:xfrm>
+            <a:off x="2991922" y="5735637"/>
+            <a:ext cx="914400" cy="914400"/>
+          </a:xfrm>
+          <a:prstGeom prst="rect">
+            <a:avLst/>
+          </a:prstGeom>
+        </p:spPr>
+      </p:pic>
+      <p:pic>
+        <p:nvPicPr>
+          <p:cNvPr id="18" name="Graphic 17" descr="Chopsticks">
+            <a:extLst>
+              <a:ext uri="{FF2B5EF4-FFF2-40B4-BE49-F238E27FC236}">
+                <a16:creationId xmlns:a16="http://schemas.microsoft.com/office/drawing/2014/main" id="{618E6A52-F3F7-E447-92B8-9B833E0AB7FC}"/>
+              </a:ext>
+            </a:extLst>
+          </p:cNvPr>
+          <p:cNvPicPr>
+            <a:picLocks noChangeAspect="1"/>
+          </p:cNvPicPr>
+          <p:nvPr/>
+        </p:nvPicPr>
+        <p:blipFill>
+          <a:blip r:embed="rId16">
+            <a:extLst>
+              <a:ext uri="{96DAC541-7B7A-43D3-8B79-37D633B846F1}">
+                <asvg:svgBlip xmlns:asvg="http://schemas.microsoft.com/office/drawing/2016/SVG/main" r:embed="rId17"/>
+              </a:ext>
+            </a:extLst>
+          </a:blip>
+          <a:stretch>
+            <a:fillRect/>
+          </a:stretch>
+        </p:blipFill>
+        <p:spPr>
+          <a:xfrm>
+            <a:off x="4777374" y="5790079"/>
+            <a:ext cx="914400" cy="914400"/>
+          </a:xfrm>
+          <a:prstGeom prst="rect">
+            <a:avLst/>
+          </a:prstGeom>
+        </p:spPr>
+      </p:pic>
+      <p:pic>
+        <p:nvPicPr>
+          <p:cNvPr id="20" name="Graphic 19" descr="Knife">
+            <a:extLst>
+              <a:ext uri="{FF2B5EF4-FFF2-40B4-BE49-F238E27FC236}">
+                <a16:creationId xmlns:a16="http://schemas.microsoft.com/office/drawing/2014/main" id="{4CA693EB-DC6E-2E4C-87D5-D33CCC821EB8}"/>
+              </a:ext>
+            </a:extLst>
+          </p:cNvPr>
+          <p:cNvPicPr>
+            <a:picLocks noChangeAspect="1"/>
+          </p:cNvPicPr>
+          <p:nvPr/>
+        </p:nvPicPr>
+        <p:blipFill>
+          <a:blip r:embed="rId18">
+            <a:extLst>
+              <a:ext uri="{96DAC541-7B7A-43D3-8B79-37D633B846F1}">
+                <asvg:svgBlip xmlns:asvg="http://schemas.microsoft.com/office/drawing/2016/SVG/main" r:embed="rId19"/>
+              </a:ext>
+            </a:extLst>
+          </a:blip>
+          <a:stretch>
+            <a:fillRect/>
+          </a:stretch>
+        </p:blipFill>
+        <p:spPr>
+          <a:xfrm>
+            <a:off x="6454543" y="5778323"/>
+            <a:ext cx="914400" cy="914400"/>
+          </a:xfrm>
+          <a:prstGeom prst="rect">
+            <a:avLst/>
+          </a:prstGeom>
+        </p:spPr>
+      </p:pic>
+      <p:pic>
+        <p:nvPicPr>
+          <p:cNvPr id="22" name="Graphic 21" descr="Knife">
+            <a:extLst>
+              <a:ext uri="{FF2B5EF4-FFF2-40B4-BE49-F238E27FC236}">
+                <a16:creationId xmlns:a16="http://schemas.microsoft.com/office/drawing/2014/main" id="{58189A06-DC93-5449-A996-F04358AF98E6}"/>
+              </a:ext>
+            </a:extLst>
+          </p:cNvPr>
+          <p:cNvPicPr>
+            <a:picLocks noChangeAspect="1"/>
+          </p:cNvPicPr>
+          <p:nvPr/>
+        </p:nvPicPr>
+        <p:blipFill>
+          <a:blip r:embed="rId20">
+            <a:extLst>
+              <a:ext uri="{96DAC541-7B7A-43D3-8B79-37D633B846F1}">
+                <asvg:svgBlip xmlns:asvg="http://schemas.microsoft.com/office/drawing/2016/SVG/main" r:embed="rId21"/>
+              </a:ext>
+            </a:extLst>
+          </a:blip>
+          <a:stretch>
+            <a:fillRect/>
+          </a:stretch>
+        </p:blipFill>
+        <p:spPr>
+          <a:xfrm>
+            <a:off x="7004419" y="5807075"/>
+            <a:ext cx="914400" cy="914400"/>
+          </a:xfrm>
+          <a:prstGeom prst="rect">
+            <a:avLst/>
+          </a:prstGeom>
+        </p:spPr>
+      </p:pic>
+      <p:pic>
+        <p:nvPicPr>
+          <p:cNvPr id="24" name="Graphic 23" descr="Spoon">
+            <a:extLst>
+              <a:ext uri="{FF2B5EF4-FFF2-40B4-BE49-F238E27FC236}">
+                <a16:creationId xmlns:a16="http://schemas.microsoft.com/office/drawing/2014/main" id="{FA0E89AA-13D8-A847-B73D-BC31A5FDA3CF}"/>
+              </a:ext>
+            </a:extLst>
+          </p:cNvPr>
+          <p:cNvPicPr>
+            <a:picLocks noChangeAspect="1"/>
+          </p:cNvPicPr>
+          <p:nvPr/>
+        </p:nvPicPr>
+        <p:blipFill>
+          <a:blip r:embed="rId22">
+            <a:extLst>
+              <a:ext uri="{96DAC541-7B7A-43D3-8B79-37D633B846F1}">
+                <asvg:svgBlip xmlns:asvg="http://schemas.microsoft.com/office/drawing/2016/SVG/main" r:embed="rId23"/>
+              </a:ext>
+            </a:extLst>
+          </a:blip>
+          <a:stretch>
+            <a:fillRect/>
+          </a:stretch>
+        </p:blipFill>
+        <p:spPr>
+          <a:xfrm>
+            <a:off x="8194786" y="5745674"/>
             <a:ext cx="914400" cy="914400"/>
           </a:xfrm>
           <a:prstGeom prst="rect">

--- a/Plan/schema.pptx
+++ b/Plan/schema.pptx
@@ -12,6 +12,7 @@
     <p:sldId id="257" r:id="rId6"/>
     <p:sldId id="262" r:id="rId7"/>
     <p:sldId id="263" r:id="rId8"/>
+    <p:sldId id="264" r:id="rId9"/>
   </p:sldIdLst>
   <p:sldSz cx="12192000" cy="6858000"/>
   <p:notesSz cx="6858000" cy="9144000"/>
@@ -265,7 +266,7 @@
           <a:p>
             <a:fld id="{E1A2546D-C337-864E-97E4-436D2A8FC99A}" type="datetimeFigureOut">
               <a:rPr lang="en-US" smtClean="0"/>
-              <a:t>11/18/20</a:t>
+              <a:t>5/19/21</a:t>
             </a:fld>
             <a:endParaRPr lang="en-US"/>
           </a:p>
@@ -463,7 +464,7 @@
           <a:p>
             <a:fld id="{E1A2546D-C337-864E-97E4-436D2A8FC99A}" type="datetimeFigureOut">
               <a:rPr lang="en-US" smtClean="0"/>
-              <a:t>11/18/20</a:t>
+              <a:t>5/19/21</a:t>
             </a:fld>
             <a:endParaRPr lang="en-US"/>
           </a:p>
@@ -671,7 +672,7 @@
           <a:p>
             <a:fld id="{E1A2546D-C337-864E-97E4-436D2A8FC99A}" type="datetimeFigureOut">
               <a:rPr lang="en-US" smtClean="0"/>
-              <a:t>11/18/20</a:t>
+              <a:t>5/19/21</a:t>
             </a:fld>
             <a:endParaRPr lang="en-US"/>
           </a:p>
@@ -869,7 +870,7 @@
           <a:p>
             <a:fld id="{E1A2546D-C337-864E-97E4-436D2A8FC99A}" type="datetimeFigureOut">
               <a:rPr lang="en-US" smtClean="0"/>
-              <a:t>11/18/20</a:t>
+              <a:t>5/19/21</a:t>
             </a:fld>
             <a:endParaRPr lang="en-US"/>
           </a:p>
@@ -1144,7 +1145,7 @@
           <a:p>
             <a:fld id="{E1A2546D-C337-864E-97E4-436D2A8FC99A}" type="datetimeFigureOut">
               <a:rPr lang="en-US" smtClean="0"/>
-              <a:t>11/18/20</a:t>
+              <a:t>5/19/21</a:t>
             </a:fld>
             <a:endParaRPr lang="en-US"/>
           </a:p>
@@ -1409,7 +1410,7 @@
           <a:p>
             <a:fld id="{E1A2546D-C337-864E-97E4-436D2A8FC99A}" type="datetimeFigureOut">
               <a:rPr lang="en-US" smtClean="0"/>
-              <a:t>11/18/20</a:t>
+              <a:t>5/19/21</a:t>
             </a:fld>
             <a:endParaRPr lang="en-US"/>
           </a:p>
@@ -1821,7 +1822,7 @@
           <a:p>
             <a:fld id="{E1A2546D-C337-864E-97E4-436D2A8FC99A}" type="datetimeFigureOut">
               <a:rPr lang="en-US" smtClean="0"/>
-              <a:t>11/18/20</a:t>
+              <a:t>5/19/21</a:t>
             </a:fld>
             <a:endParaRPr lang="en-US"/>
           </a:p>
@@ -1962,7 +1963,7 @@
           <a:p>
             <a:fld id="{E1A2546D-C337-864E-97E4-436D2A8FC99A}" type="datetimeFigureOut">
               <a:rPr lang="en-US" smtClean="0"/>
-              <a:t>11/18/20</a:t>
+              <a:t>5/19/21</a:t>
             </a:fld>
             <a:endParaRPr lang="en-US"/>
           </a:p>
@@ -2075,7 +2076,7 @@
           <a:p>
             <a:fld id="{E1A2546D-C337-864E-97E4-436D2A8FC99A}" type="datetimeFigureOut">
               <a:rPr lang="en-US" smtClean="0"/>
-              <a:t>11/18/20</a:t>
+              <a:t>5/19/21</a:t>
             </a:fld>
             <a:endParaRPr lang="en-US"/>
           </a:p>
@@ -2386,7 +2387,7 @@
           <a:p>
             <a:fld id="{E1A2546D-C337-864E-97E4-436D2A8FC99A}" type="datetimeFigureOut">
               <a:rPr lang="en-US" smtClean="0"/>
-              <a:t>11/18/20</a:t>
+              <a:t>5/19/21</a:t>
             </a:fld>
             <a:endParaRPr lang="en-US"/>
           </a:p>
@@ -2674,7 +2675,7 @@
           <a:p>
             <a:fld id="{E1A2546D-C337-864E-97E4-436D2A8FC99A}" type="datetimeFigureOut">
               <a:rPr lang="en-US" smtClean="0"/>
-              <a:t>11/18/20</a:t>
+              <a:t>5/19/21</a:t>
             </a:fld>
             <a:endParaRPr lang="en-US"/>
           </a:p>
@@ -2915,7 +2916,7 @@
           <a:p>
             <a:fld id="{E1A2546D-C337-864E-97E4-436D2A8FC99A}" type="datetimeFigureOut">
               <a:rPr lang="en-US" smtClean="0"/>
-              <a:t>11/18/20</a:t>
+              <a:t>5/19/21</a:t>
             </a:fld>
             <a:endParaRPr lang="en-US"/>
           </a:p>
@@ -8545,6 +8546,698 @@
 </p:sld>
 </file>
 
+<file path=ppt/slides/slide8.xml><?xml version="1.0" encoding="utf-8"?>
+<p:sld xmlns:a="http://schemas.openxmlformats.org/drawingml/2006/main" xmlns:r="http://schemas.openxmlformats.org/officeDocument/2006/relationships" xmlns:p="http://schemas.openxmlformats.org/presentationml/2006/main">
+  <p:cSld>
+    <p:spTree>
+      <p:nvGrpSpPr>
+        <p:cNvPr id="1" name=""/>
+        <p:cNvGrpSpPr/>
+        <p:nvPr/>
+      </p:nvGrpSpPr>
+      <p:grpSpPr>
+        <a:xfrm>
+          <a:off x="0" y="0"/>
+          <a:ext cx="0" cy="0"/>
+          <a:chOff x="0" y="0"/>
+          <a:chExt cx="0" cy="0"/>
+        </a:xfrm>
+      </p:grpSpPr>
+      <p:sp>
+        <p:nvSpPr>
+          <p:cNvPr id="4" name="Rectangle 3">
+            <a:extLst>
+              <a:ext uri="{FF2B5EF4-FFF2-40B4-BE49-F238E27FC236}">
+                <a16:creationId xmlns:a16="http://schemas.microsoft.com/office/drawing/2014/main" id="{E9509E61-4CC2-3B40-B408-CD48E8CADBC3}"/>
+              </a:ext>
+            </a:extLst>
+          </p:cNvPr>
+          <p:cNvSpPr/>
+          <p:nvPr/>
+        </p:nvSpPr>
+        <p:spPr>
+          <a:xfrm>
+            <a:off x="1761893" y="5854390"/>
+            <a:ext cx="8664497" cy="535259"/>
+          </a:xfrm>
+          <a:prstGeom prst="rect">
+            <a:avLst/>
+          </a:prstGeom>
+        </p:spPr>
+        <p:style>
+          <a:lnRef idx="2">
+            <a:schemeClr val="accent1">
+              <a:shade val="50000"/>
+            </a:schemeClr>
+          </a:lnRef>
+          <a:fillRef idx="1">
+            <a:schemeClr val="accent1"/>
+          </a:fillRef>
+          <a:effectRef idx="0">
+            <a:schemeClr val="accent1"/>
+          </a:effectRef>
+          <a:fontRef idx="minor">
+            <a:schemeClr val="lt1"/>
+          </a:fontRef>
+        </p:style>
+        <p:txBody>
+          <a:bodyPr rtlCol="0" anchor="ctr"/>
+          <a:lstStyle/>
+          <a:p>
+            <a:pPr algn="ctr"/>
+            <a:r>
+              <a:rPr lang="en-US" dirty="0"/>
+              <a:t>HPC/CCHMC</a:t>
+            </a:r>
+          </a:p>
+        </p:txBody>
+      </p:sp>
+      <p:sp>
+        <p:nvSpPr>
+          <p:cNvPr id="5" name="Rectangle 4">
+            <a:extLst>
+              <a:ext uri="{FF2B5EF4-FFF2-40B4-BE49-F238E27FC236}">
+                <a16:creationId xmlns:a16="http://schemas.microsoft.com/office/drawing/2014/main" id="{CA179E04-0DEF-F143-9CDB-CB42117D989E}"/>
+              </a:ext>
+            </a:extLst>
+          </p:cNvPr>
+          <p:cNvSpPr/>
+          <p:nvPr/>
+        </p:nvSpPr>
+        <p:spPr>
+          <a:xfrm>
+            <a:off x="1761893" y="4694663"/>
+            <a:ext cx="5564457" cy="999893"/>
+          </a:xfrm>
+          <a:prstGeom prst="rect">
+            <a:avLst/>
+          </a:prstGeom>
+        </p:spPr>
+        <p:style>
+          <a:lnRef idx="2">
+            <a:schemeClr val="accent1">
+              <a:shade val="50000"/>
+            </a:schemeClr>
+          </a:lnRef>
+          <a:fillRef idx="1">
+            <a:schemeClr val="accent1"/>
+          </a:fillRef>
+          <a:effectRef idx="0">
+            <a:schemeClr val="accent1"/>
+          </a:effectRef>
+          <a:fontRef idx="minor">
+            <a:schemeClr val="lt1"/>
+          </a:fontRef>
+        </p:style>
+        <p:txBody>
+          <a:bodyPr rtlCol="0" anchor="t"/>
+          <a:lstStyle/>
+          <a:p>
+            <a:pPr algn="ctr"/>
+            <a:r>
+              <a:rPr lang="en-US" dirty="0"/>
+              <a:t>Modules</a:t>
+            </a:r>
+          </a:p>
+        </p:txBody>
+      </p:sp>
+      <p:sp>
+        <p:nvSpPr>
+          <p:cNvPr id="6" name="Rectangle 5">
+            <a:extLst>
+              <a:ext uri="{FF2B5EF4-FFF2-40B4-BE49-F238E27FC236}">
+                <a16:creationId xmlns:a16="http://schemas.microsoft.com/office/drawing/2014/main" id="{A5A2D120-0719-8942-9A40-5E7C1CC17B31}"/>
+              </a:ext>
+            </a:extLst>
+          </p:cNvPr>
+          <p:cNvSpPr/>
+          <p:nvPr/>
+        </p:nvSpPr>
+        <p:spPr>
+          <a:xfrm>
+            <a:off x="1898566" y="5096107"/>
+            <a:ext cx="1142855" cy="245327"/>
+          </a:xfrm>
+          <a:prstGeom prst="rect">
+            <a:avLst/>
+          </a:prstGeom>
+        </p:spPr>
+        <p:style>
+          <a:lnRef idx="2">
+            <a:schemeClr val="accent2">
+              <a:shade val="50000"/>
+            </a:schemeClr>
+          </a:lnRef>
+          <a:fillRef idx="1">
+            <a:schemeClr val="accent2"/>
+          </a:fillRef>
+          <a:effectRef idx="0">
+            <a:schemeClr val="accent2"/>
+          </a:effectRef>
+          <a:fontRef idx="minor">
+            <a:schemeClr val="lt1"/>
+          </a:fontRef>
+        </p:style>
+        <p:txBody>
+          <a:bodyPr rtlCol="0" anchor="ctr"/>
+          <a:lstStyle/>
+          <a:p>
+            <a:pPr algn="ctr"/>
+            <a:r>
+              <a:rPr lang="en-US" dirty="0"/>
+              <a:t>STAR</a:t>
+            </a:r>
+          </a:p>
+        </p:txBody>
+      </p:sp>
+      <p:sp>
+        <p:nvSpPr>
+          <p:cNvPr id="7" name="Rectangle 6">
+            <a:extLst>
+              <a:ext uri="{FF2B5EF4-FFF2-40B4-BE49-F238E27FC236}">
+                <a16:creationId xmlns:a16="http://schemas.microsoft.com/office/drawing/2014/main" id="{FEBDE027-4176-D048-9CEA-A58A5E119414}"/>
+              </a:ext>
+            </a:extLst>
+          </p:cNvPr>
+          <p:cNvSpPr/>
+          <p:nvPr/>
+        </p:nvSpPr>
+        <p:spPr>
+          <a:xfrm>
+            <a:off x="3178094" y="5096106"/>
+            <a:ext cx="1142855" cy="245327"/>
+          </a:xfrm>
+          <a:prstGeom prst="rect">
+            <a:avLst/>
+          </a:prstGeom>
+        </p:spPr>
+        <p:style>
+          <a:lnRef idx="2">
+            <a:schemeClr val="accent2">
+              <a:shade val="50000"/>
+            </a:schemeClr>
+          </a:lnRef>
+          <a:fillRef idx="1">
+            <a:schemeClr val="accent2"/>
+          </a:fillRef>
+          <a:effectRef idx="0">
+            <a:schemeClr val="accent2"/>
+          </a:effectRef>
+          <a:fontRef idx="minor">
+            <a:schemeClr val="lt1"/>
+          </a:fontRef>
+        </p:style>
+        <p:txBody>
+          <a:bodyPr rtlCol="0" anchor="ctr"/>
+          <a:lstStyle/>
+          <a:p>
+            <a:pPr algn="ctr"/>
+            <a:r>
+              <a:rPr lang="en-US" dirty="0"/>
+              <a:t>R</a:t>
+            </a:r>
+          </a:p>
+        </p:txBody>
+      </p:sp>
+      <p:sp>
+        <p:nvSpPr>
+          <p:cNvPr id="8" name="Rectangle 7">
+            <a:extLst>
+              <a:ext uri="{FF2B5EF4-FFF2-40B4-BE49-F238E27FC236}">
+                <a16:creationId xmlns:a16="http://schemas.microsoft.com/office/drawing/2014/main" id="{CC135CBE-9555-E14B-BC5D-25B6163DB976}"/>
+              </a:ext>
+            </a:extLst>
+          </p:cNvPr>
+          <p:cNvSpPr/>
+          <p:nvPr/>
+        </p:nvSpPr>
+        <p:spPr>
+          <a:xfrm>
+            <a:off x="3178094" y="5406483"/>
+            <a:ext cx="1142855" cy="245327"/>
+          </a:xfrm>
+          <a:prstGeom prst="rect">
+            <a:avLst/>
+          </a:prstGeom>
+        </p:spPr>
+        <p:style>
+          <a:lnRef idx="2">
+            <a:schemeClr val="accent2">
+              <a:shade val="50000"/>
+            </a:schemeClr>
+          </a:lnRef>
+          <a:fillRef idx="1">
+            <a:schemeClr val="accent2"/>
+          </a:fillRef>
+          <a:effectRef idx="0">
+            <a:schemeClr val="accent2"/>
+          </a:effectRef>
+          <a:fontRef idx="minor">
+            <a:schemeClr val="lt1"/>
+          </a:fontRef>
+        </p:style>
+        <p:txBody>
+          <a:bodyPr rtlCol="0" anchor="ctr"/>
+          <a:lstStyle/>
+          <a:p>
+            <a:pPr algn="ctr"/>
+            <a:r>
+              <a:rPr lang="en-US" dirty="0"/>
+              <a:t>Python</a:t>
+            </a:r>
+          </a:p>
+        </p:txBody>
+      </p:sp>
+      <p:sp>
+        <p:nvSpPr>
+          <p:cNvPr id="9" name="Rectangle 8">
+            <a:extLst>
+              <a:ext uri="{FF2B5EF4-FFF2-40B4-BE49-F238E27FC236}">
+                <a16:creationId xmlns:a16="http://schemas.microsoft.com/office/drawing/2014/main" id="{3E7D5406-2234-0C4D-BF2D-ABF1690997C9}"/>
+              </a:ext>
+            </a:extLst>
+          </p:cNvPr>
+          <p:cNvSpPr/>
+          <p:nvPr/>
+        </p:nvSpPr>
+        <p:spPr>
+          <a:xfrm>
+            <a:off x="1898566" y="5406483"/>
+            <a:ext cx="1142855" cy="245327"/>
+          </a:xfrm>
+          <a:prstGeom prst="rect">
+            <a:avLst/>
+          </a:prstGeom>
+        </p:spPr>
+        <p:style>
+          <a:lnRef idx="2">
+            <a:schemeClr val="accent2">
+              <a:shade val="50000"/>
+            </a:schemeClr>
+          </a:lnRef>
+          <a:fillRef idx="1">
+            <a:schemeClr val="accent2"/>
+          </a:fillRef>
+          <a:effectRef idx="0">
+            <a:schemeClr val="accent2"/>
+          </a:effectRef>
+          <a:fontRef idx="minor">
+            <a:schemeClr val="lt1"/>
+          </a:fontRef>
+        </p:style>
+        <p:txBody>
+          <a:bodyPr rtlCol="0" anchor="ctr"/>
+          <a:lstStyle/>
+          <a:p>
+            <a:pPr algn="ctr"/>
+            <a:r>
+              <a:rPr lang="en-US" dirty="0" err="1"/>
+              <a:t>Samtools</a:t>
+            </a:r>
+            <a:endParaRPr lang="en-US" dirty="0"/>
+          </a:p>
+        </p:txBody>
+      </p:sp>
+      <p:sp>
+        <p:nvSpPr>
+          <p:cNvPr id="10" name="Rectangle 9">
+            <a:extLst>
+              <a:ext uri="{FF2B5EF4-FFF2-40B4-BE49-F238E27FC236}">
+                <a16:creationId xmlns:a16="http://schemas.microsoft.com/office/drawing/2014/main" id="{1069E8A4-93F1-0249-A59D-B0458541FABC}"/>
+              </a:ext>
+            </a:extLst>
+          </p:cNvPr>
+          <p:cNvSpPr/>
+          <p:nvPr/>
+        </p:nvSpPr>
+        <p:spPr>
+          <a:xfrm>
+            <a:off x="4680794" y="5283819"/>
+            <a:ext cx="1142855" cy="245327"/>
+          </a:xfrm>
+          <a:prstGeom prst="rect">
+            <a:avLst/>
+          </a:prstGeom>
+        </p:spPr>
+        <p:style>
+          <a:lnRef idx="2">
+            <a:schemeClr val="accent2">
+              <a:shade val="50000"/>
+            </a:schemeClr>
+          </a:lnRef>
+          <a:fillRef idx="1">
+            <a:schemeClr val="accent2"/>
+          </a:fillRef>
+          <a:effectRef idx="0">
+            <a:schemeClr val="accent2"/>
+          </a:effectRef>
+          <a:fontRef idx="minor">
+            <a:schemeClr val="lt1"/>
+          </a:fontRef>
+        </p:style>
+        <p:txBody>
+          <a:bodyPr rtlCol="0" anchor="ctr"/>
+          <a:lstStyle/>
+          <a:p>
+            <a:pPr algn="ctr"/>
+            <a:r>
+              <a:rPr lang="en-US" dirty="0"/>
+              <a:t>…</a:t>
+            </a:r>
+          </a:p>
+        </p:txBody>
+      </p:sp>
+      <p:sp>
+        <p:nvSpPr>
+          <p:cNvPr id="11" name="Rectangle 10">
+            <a:extLst>
+              <a:ext uri="{FF2B5EF4-FFF2-40B4-BE49-F238E27FC236}">
+                <a16:creationId xmlns:a16="http://schemas.microsoft.com/office/drawing/2014/main" id="{AE3CB6A1-AED5-A143-8D0C-48AD9FBFE35B}"/>
+              </a:ext>
+            </a:extLst>
+          </p:cNvPr>
+          <p:cNvSpPr/>
+          <p:nvPr/>
+        </p:nvSpPr>
+        <p:spPr>
+          <a:xfrm>
+            <a:off x="7463022" y="4694663"/>
+            <a:ext cx="2963368" cy="999893"/>
+          </a:xfrm>
+          <a:prstGeom prst="rect">
+            <a:avLst/>
+          </a:prstGeom>
+        </p:spPr>
+        <p:style>
+          <a:lnRef idx="2">
+            <a:schemeClr val="accent1">
+              <a:shade val="50000"/>
+            </a:schemeClr>
+          </a:lnRef>
+          <a:fillRef idx="1">
+            <a:schemeClr val="accent1"/>
+          </a:fillRef>
+          <a:effectRef idx="0">
+            <a:schemeClr val="accent1"/>
+          </a:effectRef>
+          <a:fontRef idx="minor">
+            <a:schemeClr val="lt1"/>
+          </a:fontRef>
+        </p:style>
+        <p:txBody>
+          <a:bodyPr rtlCol="0" anchor="t"/>
+          <a:lstStyle/>
+          <a:p>
+            <a:pPr algn="ctr"/>
+            <a:r>
+              <a:rPr lang="en-US" dirty="0"/>
+              <a:t>Unix basic commands</a:t>
+            </a:r>
+          </a:p>
+          <a:p>
+            <a:pPr algn="ctr"/>
+            <a:r>
+              <a:rPr lang="en-US" dirty="0"/>
+              <a:t>gawk / sed / </a:t>
+            </a:r>
+            <a:r>
+              <a:rPr lang="en-US" dirty="0" err="1"/>
+              <a:t>etc</a:t>
+            </a:r>
+            <a:r>
+              <a:rPr lang="en-US" dirty="0"/>
+              <a:t>…</a:t>
+            </a:r>
+          </a:p>
+        </p:txBody>
+      </p:sp>
+      <p:sp>
+        <p:nvSpPr>
+          <p:cNvPr id="12" name="Rectangle 11">
+            <a:extLst>
+              <a:ext uri="{FF2B5EF4-FFF2-40B4-BE49-F238E27FC236}">
+                <a16:creationId xmlns:a16="http://schemas.microsoft.com/office/drawing/2014/main" id="{596FA0BA-6633-3E41-8E56-79CF5C18E8DD}"/>
+              </a:ext>
+            </a:extLst>
+          </p:cNvPr>
+          <p:cNvSpPr/>
+          <p:nvPr/>
+        </p:nvSpPr>
+        <p:spPr>
+          <a:xfrm>
+            <a:off x="1761893" y="3529360"/>
+            <a:ext cx="8664497" cy="999893"/>
+          </a:xfrm>
+          <a:prstGeom prst="rect">
+            <a:avLst/>
+          </a:prstGeom>
+        </p:spPr>
+        <p:style>
+          <a:lnRef idx="2">
+            <a:schemeClr val="accent1">
+              <a:shade val="50000"/>
+            </a:schemeClr>
+          </a:lnRef>
+          <a:fillRef idx="1">
+            <a:schemeClr val="accent1"/>
+          </a:fillRef>
+          <a:effectRef idx="0">
+            <a:schemeClr val="accent1"/>
+          </a:effectRef>
+          <a:fontRef idx="minor">
+            <a:schemeClr val="lt1"/>
+          </a:fontRef>
+        </p:style>
+        <p:txBody>
+          <a:bodyPr rtlCol="0" anchor="t"/>
+          <a:lstStyle/>
+          <a:p>
+            <a:pPr algn="ctr"/>
+            <a:r>
+              <a:rPr lang="en-US" dirty="0"/>
+              <a:t>R / Python / Bash Scripts wrapping each function processing step</a:t>
+            </a:r>
+          </a:p>
+          <a:p>
+            <a:pPr algn="ctr"/>
+            <a:r>
+              <a:rPr lang="en-US" dirty="0"/>
+              <a:t>that act as a stand-alone command taking inputs and option strings.</a:t>
+            </a:r>
+          </a:p>
+          <a:p>
+            <a:pPr algn="ctr"/>
+            <a:r>
+              <a:rPr lang="en-US" dirty="0"/>
+              <a:t>e.g. </a:t>
+            </a:r>
+            <a:r>
+              <a:rPr lang="en-US" dirty="0" err="1"/>
+              <a:t>cnr.filterBam.sh</a:t>
+            </a:r>
+            <a:r>
+              <a:rPr lang="en-US" dirty="0"/>
+              <a:t>, </a:t>
+            </a:r>
+            <a:r>
+              <a:rPr lang="en-US" dirty="0" err="1"/>
+              <a:t>cnr.bamToFragment.py</a:t>
+            </a:r>
+            <a:r>
+              <a:rPr lang="en-US" dirty="0"/>
+              <a:t> …</a:t>
+            </a:r>
+          </a:p>
+        </p:txBody>
+      </p:sp>
+      <p:sp>
+        <p:nvSpPr>
+          <p:cNvPr id="13" name="Rectangle 12">
+            <a:extLst>
+              <a:ext uri="{FF2B5EF4-FFF2-40B4-BE49-F238E27FC236}">
+                <a16:creationId xmlns:a16="http://schemas.microsoft.com/office/drawing/2014/main" id="{83CE100D-C186-A74B-9E5B-67B05B4B7CF3}"/>
+              </a:ext>
+            </a:extLst>
+          </p:cNvPr>
+          <p:cNvSpPr/>
+          <p:nvPr/>
+        </p:nvSpPr>
+        <p:spPr>
+          <a:xfrm>
+            <a:off x="1761892" y="2364057"/>
+            <a:ext cx="8664497" cy="999893"/>
+          </a:xfrm>
+          <a:prstGeom prst="rect">
+            <a:avLst/>
+          </a:prstGeom>
+        </p:spPr>
+        <p:style>
+          <a:lnRef idx="2">
+            <a:schemeClr val="accent1">
+              <a:shade val="50000"/>
+            </a:schemeClr>
+          </a:lnRef>
+          <a:fillRef idx="1">
+            <a:schemeClr val="accent1"/>
+          </a:fillRef>
+          <a:effectRef idx="0">
+            <a:schemeClr val="accent1"/>
+          </a:effectRef>
+          <a:fontRef idx="minor">
+            <a:schemeClr val="lt1"/>
+          </a:fontRef>
+        </p:style>
+        <p:txBody>
+          <a:bodyPr rtlCol="0" anchor="t"/>
+          <a:lstStyle/>
+          <a:p>
+            <a:pPr algn="ctr"/>
+            <a:r>
+              <a:rPr lang="en-US" dirty="0" err="1"/>
+              <a:t>Snakemake</a:t>
+            </a:r>
+            <a:r>
+              <a:rPr lang="en-US" dirty="0"/>
+              <a:t> file(s) containing</a:t>
+            </a:r>
+          </a:p>
+          <a:p>
+            <a:pPr marL="285750" indent="-285750" algn="ctr">
+              <a:buFontTx/>
+              <a:buChar char="-"/>
+            </a:pPr>
+            <a:r>
+              <a:rPr lang="en-US" dirty="0"/>
+              <a:t>Final output file list</a:t>
+            </a:r>
+          </a:p>
+          <a:p>
+            <a:pPr marL="285750" indent="-285750" algn="ctr">
+              <a:buFontTx/>
+              <a:buChar char="-"/>
+            </a:pPr>
+            <a:r>
+              <a:rPr lang="en-US" dirty="0" err="1"/>
+              <a:t>Snakemake</a:t>
+            </a:r>
+            <a:r>
+              <a:rPr lang="en-US" dirty="0"/>
+              <a:t> rules</a:t>
+            </a:r>
+          </a:p>
+        </p:txBody>
+      </p:sp>
+      <p:sp>
+        <p:nvSpPr>
+          <p:cNvPr id="14" name="Rectangle 13">
+            <a:extLst>
+              <a:ext uri="{FF2B5EF4-FFF2-40B4-BE49-F238E27FC236}">
+                <a16:creationId xmlns:a16="http://schemas.microsoft.com/office/drawing/2014/main" id="{F82389CC-B6CC-F74A-B3AE-38B1E45AE33C}"/>
+              </a:ext>
+            </a:extLst>
+          </p:cNvPr>
+          <p:cNvSpPr/>
+          <p:nvPr/>
+        </p:nvSpPr>
+        <p:spPr>
+          <a:xfrm>
+            <a:off x="1761891" y="1198754"/>
+            <a:ext cx="8664497" cy="999893"/>
+          </a:xfrm>
+          <a:prstGeom prst="rect">
+            <a:avLst/>
+          </a:prstGeom>
+        </p:spPr>
+        <p:style>
+          <a:lnRef idx="2">
+            <a:schemeClr val="accent1">
+              <a:shade val="50000"/>
+            </a:schemeClr>
+          </a:lnRef>
+          <a:fillRef idx="1">
+            <a:schemeClr val="accent1"/>
+          </a:fillRef>
+          <a:effectRef idx="0">
+            <a:schemeClr val="accent1"/>
+          </a:effectRef>
+          <a:fontRef idx="minor">
+            <a:schemeClr val="lt1"/>
+          </a:fontRef>
+        </p:style>
+        <p:txBody>
+          <a:bodyPr rtlCol="0" anchor="t"/>
+          <a:lstStyle/>
+          <a:p>
+            <a:pPr algn="ctr"/>
+            <a:r>
+              <a:rPr lang="en-US" dirty="0"/>
+              <a:t>Input data information &amp; resource files</a:t>
+            </a:r>
+          </a:p>
+        </p:txBody>
+      </p:sp>
+      <p:sp>
+        <p:nvSpPr>
+          <p:cNvPr id="16" name="TextBox 15">
+            <a:extLst>
+              <a:ext uri="{FF2B5EF4-FFF2-40B4-BE49-F238E27FC236}">
+                <a16:creationId xmlns:a16="http://schemas.microsoft.com/office/drawing/2014/main" id="{20003FAC-EC54-C84D-9376-F3A5922E3911}"/>
+              </a:ext>
+            </a:extLst>
+          </p:cNvPr>
+          <p:cNvSpPr txBox="1"/>
+          <p:nvPr/>
+        </p:nvSpPr>
+        <p:spPr>
+          <a:xfrm>
+            <a:off x="1761891" y="323384"/>
+            <a:ext cx="2564869" cy="646331"/>
+          </a:xfrm>
+          <a:prstGeom prst="rect">
+            <a:avLst/>
+          </a:prstGeom>
+          <a:noFill/>
+        </p:spPr>
+        <p:txBody>
+          <a:bodyPr wrap="none" rtlCol="0">
+            <a:spAutoFit/>
+          </a:bodyPr>
+          <a:lstStyle/>
+          <a:p>
+            <a:pPr marL="285750" indent="-285750">
+              <a:buFontTx/>
+              <a:buChar char="-"/>
+            </a:pPr>
+            <a:r>
+              <a:rPr lang="en-US" dirty="0"/>
+              <a:t>Environment variables</a:t>
+            </a:r>
+          </a:p>
+          <a:p>
+            <a:pPr marL="285750" indent="-285750">
+              <a:buFontTx/>
+              <a:buChar char="-"/>
+            </a:pPr>
+            <a:r>
+              <a:rPr lang="en-US" dirty="0"/>
+              <a:t>PATH to the scripts</a:t>
+            </a:r>
+          </a:p>
+        </p:txBody>
+      </p:sp>
+    </p:spTree>
+    <p:extLst>
+      <p:ext uri="{BB962C8B-B14F-4D97-AF65-F5344CB8AC3E}">
+        <p14:creationId xmlns:p14="http://schemas.microsoft.com/office/powerpoint/2010/main" val="1087021532"/>
+      </p:ext>
+    </p:extLst>
+  </p:cSld>
+  <p:clrMapOvr>
+    <a:masterClrMapping/>
+  </p:clrMapOvr>
+</p:sld>
+</file>
+
 <file path=ppt/theme/theme1.xml><?xml version="1.0" encoding="utf-8"?>
 <a:theme xmlns:a="http://schemas.openxmlformats.org/drawingml/2006/main" name="Office Theme">
   <a:themeElements>

--- a/Plan/schema.pptx
+++ b/Plan/schema.pptx
@@ -266,7 +266,7 @@
           <a:p>
             <a:fld id="{E1A2546D-C337-864E-97E4-436D2A8FC99A}" type="datetimeFigureOut">
               <a:rPr lang="en-US" smtClean="0"/>
-              <a:t>5/19/21</a:t>
+              <a:t>5/20/21</a:t>
             </a:fld>
             <a:endParaRPr lang="en-US"/>
           </a:p>
@@ -464,7 +464,7 @@
           <a:p>
             <a:fld id="{E1A2546D-C337-864E-97E4-436D2A8FC99A}" type="datetimeFigureOut">
               <a:rPr lang="en-US" smtClean="0"/>
-              <a:t>5/19/21</a:t>
+              <a:t>5/20/21</a:t>
             </a:fld>
             <a:endParaRPr lang="en-US"/>
           </a:p>
@@ -672,7 +672,7 @@
           <a:p>
             <a:fld id="{E1A2546D-C337-864E-97E4-436D2A8FC99A}" type="datetimeFigureOut">
               <a:rPr lang="en-US" smtClean="0"/>
-              <a:t>5/19/21</a:t>
+              <a:t>5/20/21</a:t>
             </a:fld>
             <a:endParaRPr lang="en-US"/>
           </a:p>
@@ -870,7 +870,7 @@
           <a:p>
             <a:fld id="{E1A2546D-C337-864E-97E4-436D2A8FC99A}" type="datetimeFigureOut">
               <a:rPr lang="en-US" smtClean="0"/>
-              <a:t>5/19/21</a:t>
+              <a:t>5/20/21</a:t>
             </a:fld>
             <a:endParaRPr lang="en-US"/>
           </a:p>
@@ -1145,7 +1145,7 @@
           <a:p>
             <a:fld id="{E1A2546D-C337-864E-97E4-436D2A8FC99A}" type="datetimeFigureOut">
               <a:rPr lang="en-US" smtClean="0"/>
-              <a:t>5/19/21</a:t>
+              <a:t>5/20/21</a:t>
             </a:fld>
             <a:endParaRPr lang="en-US"/>
           </a:p>
@@ -1410,7 +1410,7 @@
           <a:p>
             <a:fld id="{E1A2546D-C337-864E-97E4-436D2A8FC99A}" type="datetimeFigureOut">
               <a:rPr lang="en-US" smtClean="0"/>
-              <a:t>5/19/21</a:t>
+              <a:t>5/20/21</a:t>
             </a:fld>
             <a:endParaRPr lang="en-US"/>
           </a:p>
@@ -1822,7 +1822,7 @@
           <a:p>
             <a:fld id="{E1A2546D-C337-864E-97E4-436D2A8FC99A}" type="datetimeFigureOut">
               <a:rPr lang="en-US" smtClean="0"/>
-              <a:t>5/19/21</a:t>
+              <a:t>5/20/21</a:t>
             </a:fld>
             <a:endParaRPr lang="en-US"/>
           </a:p>
@@ -1963,7 +1963,7 @@
           <a:p>
             <a:fld id="{E1A2546D-C337-864E-97E4-436D2A8FC99A}" type="datetimeFigureOut">
               <a:rPr lang="en-US" smtClean="0"/>
-              <a:t>5/19/21</a:t>
+              <a:t>5/20/21</a:t>
             </a:fld>
             <a:endParaRPr lang="en-US"/>
           </a:p>
@@ -2076,7 +2076,7 @@
           <a:p>
             <a:fld id="{E1A2546D-C337-864E-97E4-436D2A8FC99A}" type="datetimeFigureOut">
               <a:rPr lang="en-US" smtClean="0"/>
-              <a:t>5/19/21</a:t>
+              <a:t>5/20/21</a:t>
             </a:fld>
             <a:endParaRPr lang="en-US"/>
           </a:p>
@@ -2387,7 +2387,7 @@
           <a:p>
             <a:fld id="{E1A2546D-C337-864E-97E4-436D2A8FC99A}" type="datetimeFigureOut">
               <a:rPr lang="en-US" smtClean="0"/>
-              <a:t>5/19/21</a:t>
+              <a:t>5/20/21</a:t>
             </a:fld>
             <a:endParaRPr lang="en-US"/>
           </a:p>
@@ -2675,7 +2675,7 @@
           <a:p>
             <a:fld id="{E1A2546D-C337-864E-97E4-436D2A8FC99A}" type="datetimeFigureOut">
               <a:rPr lang="en-US" smtClean="0"/>
-              <a:t>5/19/21</a:t>
+              <a:t>5/20/21</a:t>
             </a:fld>
             <a:endParaRPr lang="en-US"/>
           </a:p>
@@ -2916,7 +2916,7 @@
           <a:p>
             <a:fld id="{E1A2546D-C337-864E-97E4-436D2A8FC99A}" type="datetimeFigureOut">
               <a:rPr lang="en-US" smtClean="0"/>
-              <a:t>5/19/21</a:t>
+              <a:t>5/20/21</a:t>
             </a:fld>
             <a:endParaRPr lang="en-US"/>
           </a:p>
@@ -3798,6 +3798,78 @@
           </a:prstGeom>
         </p:spPr>
       </p:pic>
+      <p:pic>
+        <p:nvPicPr>
+          <p:cNvPr id="15" name="Graphic 14" descr="Chopsticks">
+            <a:extLst>
+              <a:ext uri="{FF2B5EF4-FFF2-40B4-BE49-F238E27FC236}">
+                <a16:creationId xmlns:a16="http://schemas.microsoft.com/office/drawing/2014/main" id="{9358EB5E-D3E1-9248-B0AE-E172551E4559}"/>
+              </a:ext>
+            </a:extLst>
+          </p:cNvPr>
+          <p:cNvPicPr>
+            <a:picLocks noChangeAspect="1"/>
+          </p:cNvPicPr>
+          <p:nvPr/>
+        </p:nvPicPr>
+        <p:blipFill>
+          <a:blip r:embed="rId8">
+            <a:extLst>
+              <a:ext uri="{96DAC541-7B7A-43D3-8B79-37D633B846F1}">
+                <asvg:svgBlip xmlns:asvg="http://schemas.microsoft.com/office/drawing/2016/SVG/main" r:embed="rId9"/>
+              </a:ext>
+            </a:extLst>
+          </a:blip>
+          <a:stretch>
+            <a:fillRect/>
+          </a:stretch>
+        </p:blipFill>
+        <p:spPr>
+          <a:xfrm>
+            <a:off x="10677431" y="1858963"/>
+            <a:ext cx="914400" cy="914400"/>
+          </a:xfrm>
+          <a:prstGeom prst="rect">
+            <a:avLst/>
+          </a:prstGeom>
+        </p:spPr>
+      </p:pic>
+      <p:pic>
+        <p:nvPicPr>
+          <p:cNvPr id="17" name="Graphic 16" descr="Spoon">
+            <a:extLst>
+              <a:ext uri="{FF2B5EF4-FFF2-40B4-BE49-F238E27FC236}">
+                <a16:creationId xmlns:a16="http://schemas.microsoft.com/office/drawing/2014/main" id="{C74E96D8-255A-4B44-9571-349B5CEB0342}"/>
+              </a:ext>
+            </a:extLst>
+          </p:cNvPr>
+          <p:cNvPicPr>
+            <a:picLocks noChangeAspect="1"/>
+          </p:cNvPicPr>
+          <p:nvPr/>
+        </p:nvPicPr>
+        <p:blipFill>
+          <a:blip r:embed="rId12">
+            <a:extLst>
+              <a:ext uri="{96DAC541-7B7A-43D3-8B79-37D633B846F1}">
+                <asvg:svgBlip xmlns:asvg="http://schemas.microsoft.com/office/drawing/2016/SVG/main" r:embed="rId13"/>
+              </a:ext>
+            </a:extLst>
+          </a:blip>
+          <a:stretch>
+            <a:fillRect/>
+          </a:stretch>
+        </p:blipFill>
+        <p:spPr>
+          <a:xfrm rot="16200000">
+            <a:off x="10635342" y="1858963"/>
+            <a:ext cx="914400" cy="914400"/>
+          </a:xfrm>
+          <a:prstGeom prst="rect">
+            <a:avLst/>
+          </a:prstGeom>
+        </p:spPr>
+      </p:pic>
     </p:spTree>
     <p:extLst>
       <p:ext uri="{BB962C8B-B14F-4D97-AF65-F5344CB8AC3E}">
@@ -9222,6 +9294,51 @@
               <a:rPr lang="en-US" dirty="0"/>
               <a:t>PATH to the scripts</a:t>
             </a:r>
+          </a:p>
+        </p:txBody>
+      </p:sp>
+      <p:sp>
+        <p:nvSpPr>
+          <p:cNvPr id="2" name="Right Brace 1">
+            <a:extLst>
+              <a:ext uri="{FF2B5EF4-FFF2-40B4-BE49-F238E27FC236}">
+                <a16:creationId xmlns:a16="http://schemas.microsoft.com/office/drawing/2014/main" id="{2BA4AFCB-8942-124E-84D7-CE978513679B}"/>
+              </a:ext>
+            </a:extLst>
+          </p:cNvPr>
+          <p:cNvSpPr/>
+          <p:nvPr/>
+        </p:nvSpPr>
+        <p:spPr>
+          <a:xfrm flipH="1">
+            <a:off x="1275479" y="463041"/>
+            <a:ext cx="328166" cy="4231622"/>
+          </a:xfrm>
+          <a:prstGeom prst="rightBrace">
+            <a:avLst/>
+          </a:prstGeom>
+          <a:ln w="28575"/>
+        </p:spPr>
+        <p:style>
+          <a:lnRef idx="1">
+            <a:schemeClr val="accent1"/>
+          </a:lnRef>
+          <a:fillRef idx="0">
+            <a:schemeClr val="accent1"/>
+          </a:fillRef>
+          <a:effectRef idx="0">
+            <a:schemeClr val="accent1"/>
+          </a:effectRef>
+          <a:fontRef idx="minor">
+            <a:schemeClr val="tx1"/>
+          </a:fontRef>
+        </p:style>
+        <p:txBody>
+          <a:bodyPr rtlCol="0" anchor="ctr"/>
+          <a:lstStyle/>
+          <a:p>
+            <a:pPr algn="ctr"/>
+            <a:endParaRPr lang="en-US"/>
           </a:p>
         </p:txBody>
       </p:sp>
